--- a/poster/AerotaxisPoster.pptx
+++ b/poster/AerotaxisPoster.pptx
@@ -231,7 +231,7 @@
               <a:pPr>
                 <a:defRPr/>
               </a:pPr>
-              <a:t>5/13/2013</a:t>
+              <a:t>5/13/13</a:t>
             </a:fld>
             <a:endParaRPr lang="en-US"/>
           </a:p>
@@ -580,7 +580,7 @@
             <a:tailEnd/>
           </a:ln>
           <a:extLst>
-            <a:ext uri="{909E8E84-426E-40DD-AFC4-6F175D3DCCD1}">
+            <a:ext uri="{909E8E84-426E-40dd-AFC4-6F175D3DCCD1}">
               <a14:hiddenFill xmlns:a14="http://schemas.microsoft.com/office/drawing/2010/main">
                 <a:solidFill>
                   <a:srgbClr val="FFFFFF"/>
@@ -603,14 +603,14 @@
         <p:spPr bwMode="auto">
           <a:noFill/>
           <a:extLst>
-            <a:ext uri="{909E8E84-426E-40DD-AFC4-6F175D3DCCD1}">
+            <a:ext uri="{909E8E84-426E-40dd-AFC4-6F175D3DCCD1}">
               <a14:hiddenFill xmlns:a14="http://schemas.microsoft.com/office/drawing/2010/main">
                 <a:solidFill>
                   <a:srgbClr val="FFFFFF"/>
                 </a:solidFill>
               </a14:hiddenFill>
             </a:ext>
-            <a:ext uri="{91240B29-F687-4F45-9708-019B960494DF}">
+            <a:ext uri="{91240B29-F687-4f45-9708-019B960494DF}">
               <a14:hiddenLine xmlns:a14="http://schemas.microsoft.com/office/drawing/2010/main" w="9525">
                 <a:solidFill>
                   <a:srgbClr val="000000"/>
@@ -652,14 +652,14 @@
         <p:spPr bwMode="auto">
           <a:noFill/>
           <a:extLst>
-            <a:ext uri="{909E8E84-426E-40DD-AFC4-6F175D3DCCD1}">
+            <a:ext uri="{909E8E84-426E-40dd-AFC4-6F175D3DCCD1}">
               <a14:hiddenFill xmlns:a14="http://schemas.microsoft.com/office/drawing/2010/main">
                 <a:solidFill>
                   <a:srgbClr val="FFFFFF"/>
                 </a:solidFill>
               </a14:hiddenFill>
             </a:ext>
-            <a:ext uri="{91240B29-F687-4F45-9708-019B960494DF}">
+            <a:ext uri="{91240B29-F687-4f45-9708-019B960494DF}">
               <a14:hiddenLine xmlns:a14="http://schemas.microsoft.com/office/drawing/2010/main" w="9525">
                 <a:solidFill>
                   <a:srgbClr val="000000"/>
@@ -3811,14 +3811,14 @@
             <a:noFill/>
           </a:ln>
           <a:extLst>
-            <a:ext uri="{909E8E84-426E-40DD-AFC4-6F175D3DCCD1}">
+            <a:ext uri="{909E8E84-426E-40dd-AFC4-6F175D3DCCD1}">
               <a14:hiddenFill xmlns:a14="http://schemas.microsoft.com/office/drawing/2010/main">
                 <a:solidFill>
                   <a:srgbClr val="FFFFFF"/>
                 </a:solidFill>
               </a14:hiddenFill>
             </a:ext>
-            <a:ext uri="{91240B29-F687-4F45-9708-019B960494DF}">
+            <a:ext uri="{91240B29-F687-4f45-9708-019B960494DF}">
               <a14:hiddenLine xmlns:a14="http://schemas.microsoft.com/office/drawing/2010/main" w="9525">
                 <a:solidFill>
                   <a:srgbClr val="000000"/>
@@ -3869,14 +3869,14 @@
             <a:noFill/>
           </a:ln>
           <a:extLst>
-            <a:ext uri="{909E8E84-426E-40DD-AFC4-6F175D3DCCD1}">
+            <a:ext uri="{909E8E84-426E-40dd-AFC4-6F175D3DCCD1}">
               <a14:hiddenFill xmlns:a14="http://schemas.microsoft.com/office/drawing/2010/main">
                 <a:solidFill>
                   <a:srgbClr val="FFFFFF"/>
                 </a:solidFill>
               </a14:hiddenFill>
             </a:ext>
-            <a:ext uri="{91240B29-F687-4F45-9708-019B960494DF}">
+            <a:ext uri="{91240B29-F687-4f45-9708-019B960494DF}">
               <a14:hiddenLine xmlns:a14="http://schemas.microsoft.com/office/drawing/2010/main" w="9525">
                 <a:solidFill>
                   <a:srgbClr val="000000"/>
@@ -4581,14 +4581,14 @@
             <a:noFill/>
           </a:ln>
           <a:extLst>
-            <a:ext uri="{909E8E84-426E-40DD-AFC4-6F175D3DCCD1}">
+            <a:ext uri="{909E8E84-426E-40dd-AFC4-6F175D3DCCD1}">
               <a14:hiddenFill xmlns:a14="http://schemas.microsoft.com/office/drawing/2010/main">
                 <a:solidFill>
                   <a:srgbClr val="FFFFFF"/>
                 </a:solidFill>
               </a14:hiddenFill>
             </a:ext>
-            <a:ext uri="{91240B29-F687-4F45-9708-019B960494DF}">
+            <a:ext uri="{91240B29-F687-4f45-9708-019B960494DF}">
               <a14:hiddenLine xmlns:a14="http://schemas.microsoft.com/office/drawing/2010/main" w="76200">
                 <a:solidFill>
                   <a:srgbClr val="000000"/>
@@ -4939,14 +4939,14 @@
             <a:noFill/>
           </a:ln>
           <a:extLst>
-            <a:ext uri="{909E8E84-426E-40DD-AFC4-6F175D3DCCD1}">
+            <a:ext uri="{909E8E84-426E-40dd-AFC4-6F175D3DCCD1}">
               <a14:hiddenFill xmlns:a14="http://schemas.microsoft.com/office/drawing/2010/main">
                 <a:solidFill>
                   <a:srgbClr val="FFFFFF"/>
                 </a:solidFill>
               </a14:hiddenFill>
             </a:ext>
-            <a:ext uri="{91240B29-F687-4F45-9708-019B960494DF}">
+            <a:ext uri="{91240B29-F687-4f45-9708-019B960494DF}">
               <a14:hiddenLine xmlns:a14="http://schemas.microsoft.com/office/drawing/2010/main" w="12700">
                 <a:solidFill>
                   <a:srgbClr val="000000"/>
@@ -5141,48 +5141,29 @@
                 <a:ea typeface="Segoe UI" pitchFamily="34" charset="0"/>
                 <a:cs typeface="Segoe UI" pitchFamily="34" charset="0"/>
               </a:rPr>
-              <a:t>to a gradient of nitrogen and oxygen can be characterized. (sentence: numerical results for gradient or movement, etc.) The movement of </a:t>
-            </a:r>
-            <a:r>
-              <a:rPr lang="en-US" sz="2800" i="1" dirty="0">
+              <a:t>to a gradient of nitrogen and oxygen can be </a:t>
+            </a:r>
+            <a:r>
+              <a:rPr lang="en-US" sz="2800" dirty="0" smtClean="0">
                 <a:latin typeface="Segoe UI" pitchFamily="34" charset="0"/>
                 <a:ea typeface="Segoe UI" pitchFamily="34" charset="0"/>
                 <a:cs typeface="Segoe UI" pitchFamily="34" charset="0"/>
               </a:rPr>
-              <a:t>B. </a:t>
-            </a:r>
-            <a:r>
-              <a:rPr lang="en-US" sz="2800" i="1" dirty="0" err="1">
+              <a:t>observed, </a:t>
+            </a:r>
+            <a:r>
+              <a:rPr lang="en-US" sz="2800" dirty="0" smtClean="0">
                 <a:latin typeface="Segoe UI" pitchFamily="34" charset="0"/>
                 <a:ea typeface="Segoe UI" pitchFamily="34" charset="0"/>
                 <a:cs typeface="Segoe UI" pitchFamily="34" charset="0"/>
               </a:rPr>
-              <a:t>subtilis</a:t>
-            </a:r>
-            <a:r>
-              <a:rPr lang="en-US" sz="2800" dirty="0">
-                <a:latin typeface="Segoe UI" pitchFamily="34" charset="0"/>
-                <a:ea typeface="Segoe UI" pitchFamily="34" charset="0"/>
-                <a:cs typeface="Segoe UI" pitchFamily="34" charset="0"/>
-              </a:rPr>
-              <a:t> tends towards oxygen and away from nitrogen, demonstrating an </a:t>
-            </a:r>
-            <a:r>
-              <a:rPr lang="en-US" sz="2800" dirty="0" err="1">
-                <a:latin typeface="Segoe UI" pitchFamily="34" charset="0"/>
-                <a:ea typeface="Segoe UI" pitchFamily="34" charset="0"/>
-                <a:cs typeface="Segoe UI" pitchFamily="34" charset="0"/>
-              </a:rPr>
-              <a:t>aerotactic</a:t>
-            </a:r>
-            <a:r>
-              <a:rPr lang="en-US" sz="2800" dirty="0">
-                <a:latin typeface="Segoe UI" pitchFamily="34" charset="0"/>
-                <a:ea typeface="Segoe UI" pitchFamily="34" charset="0"/>
-                <a:cs typeface="Segoe UI" pitchFamily="34" charset="0"/>
-              </a:rPr>
-              <a:t> response. </a:t>
-            </a:r>
+              <a:t>through changes in population density. Quantitative analysis of bacterial motion was attempted, but inconclusive due to a high degree of random-walk like behavior.</a:t>
+            </a:r>
+            <a:endParaRPr lang="en-US" sz="2800" dirty="0">
+              <a:latin typeface="Segoe UI" pitchFamily="34" charset="0"/>
+              <a:ea typeface="Segoe UI" pitchFamily="34" charset="0"/>
+              <a:cs typeface="Segoe UI" pitchFamily="34" charset="0"/>
+            </a:endParaRPr>
           </a:p>
         </p:txBody>
       </p:sp>
@@ -5256,14 +5237,14 @@
             <a:noFill/>
           </a:ln>
           <a:extLst>
-            <a:ext uri="{909E8E84-426E-40DD-AFC4-6F175D3DCCD1}">
+            <a:ext uri="{909E8E84-426E-40dd-AFC4-6F175D3DCCD1}">
               <a14:hiddenFill xmlns:a14="http://schemas.microsoft.com/office/drawing/2010/main">
                 <a:solidFill>
                   <a:srgbClr val="FFFFFF"/>
                 </a:solidFill>
               </a14:hiddenFill>
             </a:ext>
-            <a:ext uri="{91240B29-F687-4F45-9708-019B960494DF}">
+            <a:ext uri="{91240B29-F687-4f45-9708-019B960494DF}">
               <a14:hiddenLine xmlns:a14="http://schemas.microsoft.com/office/drawing/2010/main" w="9525">
                 <a:solidFill>
                   <a:srgbClr val="000000"/>
@@ -5310,14 +5291,14 @@
             <a:noFill/>
           </a:ln>
           <a:extLst>
-            <a:ext uri="{909E8E84-426E-40DD-AFC4-6F175D3DCCD1}">
+            <a:ext uri="{909E8E84-426E-40dd-AFC4-6F175D3DCCD1}">
               <a14:hiddenFill xmlns:a14="http://schemas.microsoft.com/office/drawing/2010/main">
                 <a:solidFill>
                   <a:srgbClr val="FFFFFF"/>
                 </a:solidFill>
               </a14:hiddenFill>
             </a:ext>
-            <a:ext uri="{91240B29-F687-4F45-9708-019B960494DF}">
+            <a:ext uri="{91240B29-F687-4f45-9708-019B960494DF}">
               <a14:hiddenLine xmlns:a14="http://schemas.microsoft.com/office/drawing/2010/main" w="9525">
                 <a:solidFill>
                   <a:srgbClr val="000000"/>
@@ -5421,14 +5402,14 @@
             <a:noFill/>
           </a:ln>
           <a:extLst>
-            <a:ext uri="{909E8E84-426E-40DD-AFC4-6F175D3DCCD1}">
+            <a:ext uri="{909E8E84-426E-40dd-AFC4-6F175D3DCCD1}">
               <a14:hiddenFill xmlns:a14="http://schemas.microsoft.com/office/drawing/2010/main">
                 <a:solidFill>
                   <a:srgbClr val="FFFFFF"/>
                 </a:solidFill>
               </a14:hiddenFill>
             </a:ext>
-            <a:ext uri="{91240B29-F687-4F45-9708-019B960494DF}">
+            <a:ext uri="{91240B29-F687-4f45-9708-019B960494DF}">
               <a14:hiddenLine xmlns:a14="http://schemas.microsoft.com/office/drawing/2010/main" w="9525">
                 <a:solidFill>
                   <a:srgbClr val="000000"/>
@@ -5687,14 +5668,14 @@
             <a:noFill/>
           </a:ln>
           <a:extLst>
-            <a:ext uri="{909E8E84-426E-40DD-AFC4-6F175D3DCCD1}">
+            <a:ext uri="{909E8E84-426E-40dd-AFC4-6F175D3DCCD1}">
               <a14:hiddenFill xmlns:a14="http://schemas.microsoft.com/office/drawing/2010/main">
                 <a:solidFill>
                   <a:srgbClr val="FFFFFF"/>
                 </a:solidFill>
               </a14:hiddenFill>
             </a:ext>
-            <a:ext uri="{91240B29-F687-4F45-9708-019B960494DF}">
+            <a:ext uri="{91240B29-F687-4f45-9708-019B960494DF}">
               <a14:hiddenLine xmlns:a14="http://schemas.microsoft.com/office/drawing/2010/main" w="12700">
                 <a:solidFill>
                   <a:srgbClr val="000000"/>
@@ -5868,14 +5849,14 @@
             <a:noFill/>
           </a:ln>
           <a:extLst>
-            <a:ext uri="{909E8E84-426E-40DD-AFC4-6F175D3DCCD1}">
+            <a:ext uri="{909E8E84-426E-40dd-AFC4-6F175D3DCCD1}">
               <a14:hiddenFill xmlns:a14="http://schemas.microsoft.com/office/drawing/2010/main">
                 <a:solidFill>
                   <a:srgbClr val="FFFFFF"/>
                 </a:solidFill>
               </a14:hiddenFill>
             </a:ext>
-            <a:ext uri="{91240B29-F687-4F45-9708-019B960494DF}">
+            <a:ext uri="{91240B29-F687-4f45-9708-019B960494DF}">
               <a14:hiddenLine xmlns:a14="http://schemas.microsoft.com/office/drawing/2010/main" w="12700">
                 <a:solidFill>
                   <a:srgbClr val="000000"/>
@@ -6139,14 +6120,14 @@
             <a:noFill/>
           </a:ln>
           <a:extLst>
-            <a:ext uri="{909E8E84-426E-40DD-AFC4-6F175D3DCCD1}">
+            <a:ext uri="{909E8E84-426E-40dd-AFC4-6F175D3DCCD1}">
               <a14:hiddenFill xmlns:a14="http://schemas.microsoft.com/office/drawing/2010/main">
                 <a:solidFill>
                   <a:srgbClr val="FFFFFF"/>
                 </a:solidFill>
               </a14:hiddenFill>
             </a:ext>
-            <a:ext uri="{91240B29-F687-4F45-9708-019B960494DF}">
+            <a:ext uri="{91240B29-F687-4f45-9708-019B960494DF}">
               <a14:hiddenLine xmlns:a14="http://schemas.microsoft.com/office/drawing/2010/main" w="12700">
                 <a:solidFill>
                   <a:srgbClr val="000000"/>
@@ -6356,14 +6337,14 @@
             <a:noFill/>
           </a:ln>
           <a:extLst>
-            <a:ext uri="{909E8E84-426E-40DD-AFC4-6F175D3DCCD1}">
+            <a:ext uri="{909E8E84-426E-40dd-AFC4-6F175D3DCCD1}">
               <a14:hiddenFill xmlns:a14="http://schemas.microsoft.com/office/drawing/2010/main">
                 <a:solidFill>
                   <a:srgbClr val="FFFFFF"/>
                 </a:solidFill>
               </a14:hiddenFill>
             </a:ext>
-            <a:ext uri="{91240B29-F687-4F45-9708-019B960494DF}">
+            <a:ext uri="{91240B29-F687-4f45-9708-019B960494DF}">
               <a14:hiddenLine xmlns:a14="http://schemas.microsoft.com/office/drawing/2010/main" w="12700">
                 <a:solidFill>
                   <a:srgbClr val="000000"/>
@@ -6537,14 +6518,14 @@
             <a:noFill/>
           </a:ln>
           <a:extLst>
-            <a:ext uri="{909E8E84-426E-40DD-AFC4-6F175D3DCCD1}">
+            <a:ext uri="{909E8E84-426E-40dd-AFC4-6F175D3DCCD1}">
               <a14:hiddenFill xmlns:a14="http://schemas.microsoft.com/office/drawing/2010/main">
                 <a:solidFill>
                   <a:srgbClr val="FFFFFF"/>
                 </a:solidFill>
               </a14:hiddenFill>
             </a:ext>
-            <a:ext uri="{91240B29-F687-4F45-9708-019B960494DF}">
+            <a:ext uri="{91240B29-F687-4f45-9708-019B960494DF}">
               <a14:hiddenLine xmlns:a14="http://schemas.microsoft.com/office/drawing/2010/main" w="9525">
                 <a:solidFill>
                   <a:srgbClr val="000000"/>
@@ -6586,7 +6567,7 @@
           </a:prstGeom>
           <a:noFill/>
           <a:extLst>
-            <a:ext uri="{909E8E84-426E-40DD-AFC4-6F175D3DCCD1}">
+            <a:ext uri="{909E8E84-426E-40dd-AFC4-6F175D3DCCD1}">
               <a14:hiddenFill xmlns:a14="http://schemas.microsoft.com/office/drawing/2010/main">
                 <a:solidFill>
                   <a:srgbClr val="FFFFFF"/>
@@ -6767,39 +6748,7 @@
                 <a:ea typeface="Segoe UI" pitchFamily="34" charset="0"/>
                 <a:cs typeface="Segoe UI" pitchFamily="34" charset="0"/>
               </a:rPr>
-              <a:t> gases each flow through a primary </a:t>
-            </a:r>
-            <a:r>
-              <a:rPr lang="en-US" sz="2400" dirty="0" smtClean="0">
-                <a:latin typeface="Segoe UI" pitchFamily="34" charset="0"/>
-                <a:ea typeface="Segoe UI" pitchFamily="34" charset="0"/>
-                <a:cs typeface="Segoe UI" pitchFamily="34" charset="0"/>
-              </a:rPr>
-              <a:t>regulator and </a:t>
-            </a:r>
-            <a:r>
-              <a:rPr lang="en-US" sz="2400" dirty="0" smtClean="0">
-                <a:latin typeface="Segoe UI" pitchFamily="34" charset="0"/>
-                <a:ea typeface="Segoe UI" pitchFamily="34" charset="0"/>
-                <a:cs typeface="Segoe UI" pitchFamily="34" charset="0"/>
-              </a:rPr>
-              <a:t>a secondary regulator, dropping </a:t>
-            </a:r>
-            <a:r>
-              <a:rPr lang="en-US" sz="2400" dirty="0" smtClean="0">
-                <a:latin typeface="Segoe UI" pitchFamily="34" charset="0"/>
-                <a:ea typeface="Segoe UI" pitchFamily="34" charset="0"/>
-                <a:cs typeface="Segoe UI" pitchFamily="34" charset="0"/>
-              </a:rPr>
-              <a:t>their </a:t>
-            </a:r>
-            <a:r>
-              <a:rPr lang="en-US" sz="2400" dirty="0" smtClean="0">
-                <a:latin typeface="Segoe UI" pitchFamily="34" charset="0"/>
-                <a:ea typeface="Segoe UI" pitchFamily="34" charset="0"/>
-                <a:cs typeface="Segoe UI" pitchFamily="34" charset="0"/>
-              </a:rPr>
-              <a:t>pressure to 2 psi before they enter the device through 0.050” OD syringe tips.</a:t>
+              <a:t> gases each flow through a primary regulator and a secondary regulator, dropping their pressure to 2 psi before they enter the device through 0.050” OD syringe tips.</a:t>
             </a:r>
             <a:endParaRPr lang="en-US" sz="2400" dirty="0">
               <a:latin typeface="Segoe UI" pitchFamily="34" charset="0"/>
@@ -6909,9 +6858,198 @@
           <a:effectLst/>
         </p:spPr>
       </p:cxnSp>
-      <p:sp>
-        <p:nvSpPr>
-          <p:cNvPr id="28" name="Text Box 11"/>
+      <p:pic>
+        <p:nvPicPr>
+          <p:cNvPr id="5" name="Picture 4" descr="tracks_1.png"/>
+          <p:cNvPicPr>
+            <a:picLocks noChangeAspect="1"/>
+          </p:cNvPicPr>
+          <p:nvPr/>
+        </p:nvPicPr>
+        <p:blipFill>
+          <a:blip r:embed="rId7">
+            <a:extLst>
+              <a:ext uri="{28A0092B-C50C-407E-A947-70E740481C1C}">
+                <a14:useLocalDpi xmlns:a14="http://schemas.microsoft.com/office/drawing/2010/main" val="0"/>
+              </a:ext>
+            </a:extLst>
+          </a:blip>
+          <a:stretch>
+            <a:fillRect/>
+          </a:stretch>
+        </p:blipFill>
+        <p:spPr>
+          <a:xfrm>
+            <a:off x="28071135" y="3914565"/>
+            <a:ext cx="4174225" cy="2766232"/>
+          </a:xfrm>
+          <a:prstGeom prst="rect">
+            <a:avLst/>
+          </a:prstGeom>
+        </p:spPr>
+      </p:pic>
+      <p:pic>
+        <p:nvPicPr>
+          <p:cNvPr id="8" name="Picture 7" descr="tracks_2.png"/>
+          <p:cNvPicPr>
+            <a:picLocks noChangeAspect="1"/>
+          </p:cNvPicPr>
+          <p:nvPr/>
+        </p:nvPicPr>
+        <p:blipFill>
+          <a:blip r:embed="rId8">
+            <a:extLst>
+              <a:ext uri="{28A0092B-C50C-407E-A947-70E740481C1C}">
+                <a14:useLocalDpi xmlns:a14="http://schemas.microsoft.com/office/drawing/2010/main" val="0"/>
+              </a:ext>
+            </a:extLst>
+          </a:blip>
+          <a:stretch>
+            <a:fillRect/>
+          </a:stretch>
+        </p:blipFill>
+        <p:spPr>
+          <a:xfrm>
+            <a:off x="28071135" y="7329840"/>
+            <a:ext cx="4022435" cy="2798465"/>
+          </a:xfrm>
+          <a:prstGeom prst="rect">
+            <a:avLst/>
+          </a:prstGeom>
+        </p:spPr>
+      </p:pic>
+      <p:pic>
+        <p:nvPicPr>
+          <p:cNvPr id="9" name="Picture 8" descr="tracks_3.png"/>
+          <p:cNvPicPr>
+            <a:picLocks noChangeAspect="1"/>
+          </p:cNvPicPr>
+          <p:nvPr/>
+        </p:nvPicPr>
+        <p:blipFill>
+          <a:blip r:embed="rId9">
+            <a:extLst>
+              <a:ext uri="{28A0092B-C50C-407E-A947-70E740481C1C}">
+                <a14:useLocalDpi xmlns:a14="http://schemas.microsoft.com/office/drawing/2010/main" val="0"/>
+              </a:ext>
+            </a:extLst>
+          </a:blip>
+          <a:stretch>
+            <a:fillRect/>
+          </a:stretch>
+        </p:blipFill>
+        <p:spPr>
+          <a:xfrm>
+            <a:off x="28071135" y="10745115"/>
+            <a:ext cx="4326015" cy="2826098"/>
+          </a:xfrm>
+          <a:prstGeom prst="rect">
+            <a:avLst/>
+          </a:prstGeom>
+        </p:spPr>
+      </p:pic>
+      <p:sp>
+        <p:nvSpPr>
+          <p:cNvPr id="34" name="TextBox 33"/>
+          <p:cNvSpPr txBox="1"/>
+          <p:nvPr/>
+        </p:nvSpPr>
+        <p:spPr>
+          <a:xfrm>
+            <a:off x="28602400" y="6798575"/>
+            <a:ext cx="3567065" cy="461665"/>
+          </a:xfrm>
+          <a:prstGeom prst="rect">
+            <a:avLst/>
+          </a:prstGeom>
+          <a:noFill/>
+        </p:spPr>
+        <p:txBody>
+          <a:bodyPr wrap="square" rtlCol="0">
+            <a:spAutoFit/>
+          </a:bodyPr>
+          <a:lstStyle/>
+          <a:p>
+            <a:pPr algn="ctr"/>
+            <a:r>
+              <a:rPr lang="en-US" sz="2400" dirty="0" smtClean="0">
+                <a:latin typeface="Segoe UI" pitchFamily="34" charset="0"/>
+                <a:ea typeface="Segoe UI" pitchFamily="34" charset="0"/>
+                <a:cs typeface="Segoe UI" pitchFamily="34" charset="0"/>
+              </a:rPr>
+              <a:t>Prior to oxygen flow</a:t>
+            </a:r>
+            <a:endParaRPr lang="en-US" sz="2400" dirty="0">
+              <a:latin typeface="Segoe UI" pitchFamily="34" charset="0"/>
+              <a:ea typeface="Segoe UI" pitchFamily="34" charset="0"/>
+              <a:cs typeface="Segoe UI" pitchFamily="34" charset="0"/>
+            </a:endParaRPr>
+          </a:p>
+        </p:txBody>
+      </p:sp>
+      <p:pic>
+        <p:nvPicPr>
+          <p:cNvPr id="11" name="Picture 10" descr="norm_count.png"/>
+          <p:cNvPicPr>
+            <a:picLocks noChangeAspect="1"/>
+          </p:cNvPicPr>
+          <p:nvPr/>
+        </p:nvPicPr>
+        <p:blipFill>
+          <a:blip r:embed="rId10">
+            <a:extLst>
+              <a:ext uri="{28A0092B-C50C-407E-A947-70E740481C1C}">
+                <a14:useLocalDpi xmlns:a14="http://schemas.microsoft.com/office/drawing/2010/main" val="0"/>
+              </a:ext>
+            </a:extLst>
+          </a:blip>
+          <a:stretch>
+            <a:fillRect/>
+          </a:stretch>
+        </p:blipFill>
+        <p:spPr>
+          <a:xfrm>
+            <a:off x="16079725" y="3838670"/>
+            <a:ext cx="7900172" cy="5568658"/>
+          </a:xfrm>
+          <a:prstGeom prst="rect">
+            <a:avLst/>
+          </a:prstGeom>
+        </p:spPr>
+      </p:pic>
+      <p:pic>
+        <p:nvPicPr>
+          <p:cNvPr id="12" name="Picture 11" descr="good_plot.png"/>
+          <p:cNvPicPr>
+            <a:picLocks noChangeAspect="1"/>
+          </p:cNvPicPr>
+          <p:nvPr/>
+        </p:nvPicPr>
+        <p:blipFill>
+          <a:blip r:embed="rId11">
+            <a:extLst>
+              <a:ext uri="{28A0092B-C50C-407E-A947-70E740481C1C}">
+                <a14:useLocalDpi xmlns:a14="http://schemas.microsoft.com/office/drawing/2010/main" val="0"/>
+              </a:ext>
+            </a:extLst>
+          </a:blip>
+          <a:stretch>
+            <a:fillRect/>
+          </a:stretch>
+        </p:blipFill>
+        <p:spPr>
+          <a:xfrm>
+            <a:off x="15927935" y="9288584"/>
+            <a:ext cx="7919642" cy="4947701"/>
+          </a:xfrm>
+          <a:prstGeom prst="rect">
+            <a:avLst/>
+          </a:prstGeom>
+        </p:spPr>
+      </p:pic>
+      <p:sp>
+        <p:nvSpPr>
+          <p:cNvPr id="38" name="Text Box 11"/>
           <p:cNvSpPr txBox="1">
             <a:spLocks noChangeArrowheads="1"/>
           </p:cNvSpPr>
@@ -6919,8 +7057,8 @@
         </p:nvSpPr>
         <p:spPr bwMode="auto">
           <a:xfrm>
-            <a:off x="16155619" y="3762376"/>
-            <a:ext cx="16023912" cy="747431"/>
+            <a:off x="597145" y="16057765"/>
+            <a:ext cx="14767410" cy="747431"/>
           </a:xfrm>
           <a:prstGeom prst="rect">
             <a:avLst/>
@@ -6930,14 +7068,14 @@
             <a:noFill/>
           </a:ln>
           <a:extLst>
-            <a:ext uri="{909E8E84-426E-40DD-AFC4-6F175D3DCCD1}">
+            <a:ext uri="{909E8E84-426E-40dd-AFC4-6F175D3DCCD1}">
               <a14:hiddenFill xmlns:a14="http://schemas.microsoft.com/office/drawing/2010/main">
                 <a:solidFill>
                   <a:srgbClr val="FFFFFF"/>
                 </a:solidFill>
               </a14:hiddenFill>
             </a:ext>
-            <a:ext uri="{91240B29-F687-4F45-9708-019B960494DF}">
+            <a:ext uri="{91240B29-F687-4f45-9708-019B960494DF}">
               <a14:hiddenLine xmlns:a14="http://schemas.microsoft.com/office/drawing/2010/main" w="12700">
                 <a:solidFill>
                   <a:srgbClr val="000000"/>
@@ -7068,13 +7206,97 @@
             </a:pPr>
             <a:r>
               <a:rPr lang="en-US" sz="2800" dirty="0" smtClean="0">
+                <a:solidFill>
+                  <a:srgbClr val="FF0000"/>
+                </a:solidFill>
                 <a:latin typeface="Segoe UI" pitchFamily="34" charset="0"/>
                 <a:ea typeface="Segoe UI" pitchFamily="34" charset="0"/>
                 <a:cs typeface="Segoe UI" pitchFamily="34" charset="0"/>
               </a:rPr>
-              <a:t>Results!</a:t>
+              <a:t>NEEDS INFO ABOUT MICROFLUIDIC DEVICE. NEEDS INFO ABOUT BACTERIA</a:t>
             </a:r>
             <a:endParaRPr lang="en-US" sz="2800" dirty="0">
+              <a:solidFill>
+                <a:srgbClr val="FF0000"/>
+              </a:solidFill>
+              <a:latin typeface="Segoe UI" pitchFamily="34" charset="0"/>
+              <a:ea typeface="Segoe UI" pitchFamily="34" charset="0"/>
+              <a:cs typeface="Segoe UI" pitchFamily="34" charset="0"/>
+            </a:endParaRPr>
+          </a:p>
+        </p:txBody>
+      </p:sp>
+      <p:sp>
+        <p:nvSpPr>
+          <p:cNvPr id="39" name="TextBox 38"/>
+          <p:cNvSpPr txBox="1"/>
+          <p:nvPr/>
+        </p:nvSpPr>
+        <p:spPr>
+          <a:xfrm>
+            <a:off x="28526505" y="10062060"/>
+            <a:ext cx="3567065" cy="461665"/>
+          </a:xfrm>
+          <a:prstGeom prst="rect">
+            <a:avLst/>
+          </a:prstGeom>
+          <a:noFill/>
+        </p:spPr>
+        <p:txBody>
+          <a:bodyPr wrap="square" rtlCol="0">
+            <a:spAutoFit/>
+          </a:bodyPr>
+          <a:lstStyle/>
+          <a:p>
+            <a:pPr algn="ctr"/>
+            <a:r>
+              <a:rPr lang="en-US" sz="2400" dirty="0" smtClean="0">
+                <a:latin typeface="Segoe UI" pitchFamily="34" charset="0"/>
+                <a:ea typeface="Segoe UI" pitchFamily="34" charset="0"/>
+                <a:cs typeface="Segoe UI" pitchFamily="34" charset="0"/>
+              </a:rPr>
+              <a:t>+1 minute</a:t>
+            </a:r>
+            <a:endParaRPr lang="en-US" sz="2400" dirty="0">
+              <a:latin typeface="Segoe UI" pitchFamily="34" charset="0"/>
+              <a:ea typeface="Segoe UI" pitchFamily="34" charset="0"/>
+              <a:cs typeface="Segoe UI" pitchFamily="34" charset="0"/>
+            </a:endParaRPr>
+          </a:p>
+        </p:txBody>
+      </p:sp>
+      <p:sp>
+        <p:nvSpPr>
+          <p:cNvPr id="40" name="TextBox 39"/>
+          <p:cNvSpPr txBox="1"/>
+          <p:nvPr/>
+        </p:nvSpPr>
+        <p:spPr>
+          <a:xfrm>
+            <a:off x="28602400" y="13477335"/>
+            <a:ext cx="3567065" cy="461665"/>
+          </a:xfrm>
+          <a:prstGeom prst="rect">
+            <a:avLst/>
+          </a:prstGeom>
+          <a:noFill/>
+        </p:spPr>
+        <p:txBody>
+          <a:bodyPr wrap="square" rtlCol="0">
+            <a:spAutoFit/>
+          </a:bodyPr>
+          <a:lstStyle/>
+          <a:p>
+            <a:pPr algn="ctr"/>
+            <a:r>
+              <a:rPr lang="en-US" sz="2400" dirty="0" smtClean="0">
+                <a:latin typeface="Segoe UI" pitchFamily="34" charset="0"/>
+                <a:ea typeface="Segoe UI" pitchFamily="34" charset="0"/>
+                <a:cs typeface="Segoe UI" pitchFamily="34" charset="0"/>
+              </a:rPr>
+              <a:t>+3 minutes</a:t>
+            </a:r>
+            <a:endParaRPr lang="en-US" sz="2400" dirty="0">
               <a:latin typeface="Segoe UI" pitchFamily="34" charset="0"/>
               <a:ea typeface="Segoe UI" pitchFamily="34" charset="0"/>
               <a:cs typeface="Segoe UI" pitchFamily="34" charset="0"/>
@@ -7090,7 +7312,7 @@
   <p:timing>
     <p:tnLst>
       <p:par>
-        <p:cTn id="1" dur="indefinite" restart="never" nodeType="tmRoot"/>
+        <p:cTn xmlns:p14="http://schemas.microsoft.com/office/powerpoint/2010/main" id="1" dur="indefinite" restart="never" nodeType="tmRoot"/>
       </p:par>
     </p:tnLst>
   </p:timing>

--- a/poster/AerotaxisPoster.pptx
+++ b/poster/AerotaxisPoster.pptx
@@ -231,7 +231,7 @@
               <a:pPr>
                 <a:defRPr/>
               </a:pPr>
-              <a:t>5/13/13</a:t>
+              <a:t>5/14/2013</a:t>
             </a:fld>
             <a:endParaRPr lang="en-US"/>
           </a:p>
@@ -580,7 +580,7 @@
             <a:tailEnd/>
           </a:ln>
           <a:extLst>
-            <a:ext uri="{909E8E84-426E-40dd-AFC4-6F175D3DCCD1}">
+            <a:ext uri="{909E8E84-426E-40DD-AFC4-6F175D3DCCD1}">
               <a14:hiddenFill xmlns:a14="http://schemas.microsoft.com/office/drawing/2010/main">
                 <a:solidFill>
                   <a:srgbClr val="FFFFFF"/>
@@ -603,14 +603,14 @@
         <p:spPr bwMode="auto">
           <a:noFill/>
           <a:extLst>
-            <a:ext uri="{909E8E84-426E-40dd-AFC4-6F175D3DCCD1}">
+            <a:ext uri="{909E8E84-426E-40DD-AFC4-6F175D3DCCD1}">
               <a14:hiddenFill xmlns:a14="http://schemas.microsoft.com/office/drawing/2010/main">
                 <a:solidFill>
                   <a:srgbClr val="FFFFFF"/>
                 </a:solidFill>
               </a14:hiddenFill>
             </a:ext>
-            <a:ext uri="{91240B29-F687-4f45-9708-019B960494DF}">
+            <a:ext uri="{91240B29-F687-4F45-9708-019B960494DF}">
               <a14:hiddenLine xmlns:a14="http://schemas.microsoft.com/office/drawing/2010/main" w="9525">
                 <a:solidFill>
                   <a:srgbClr val="000000"/>
@@ -652,14 +652,14 @@
         <p:spPr bwMode="auto">
           <a:noFill/>
           <a:extLst>
-            <a:ext uri="{909E8E84-426E-40dd-AFC4-6F175D3DCCD1}">
+            <a:ext uri="{909E8E84-426E-40DD-AFC4-6F175D3DCCD1}">
               <a14:hiddenFill xmlns:a14="http://schemas.microsoft.com/office/drawing/2010/main">
                 <a:solidFill>
                   <a:srgbClr val="FFFFFF"/>
                 </a:solidFill>
               </a14:hiddenFill>
             </a:ext>
-            <a:ext uri="{91240B29-F687-4f45-9708-019B960494DF}">
+            <a:ext uri="{91240B29-F687-4F45-9708-019B960494DF}">
               <a14:hiddenLine xmlns:a14="http://schemas.microsoft.com/office/drawing/2010/main" w="9525">
                 <a:solidFill>
                   <a:srgbClr val="000000"/>
@@ -3811,14 +3811,14 @@
             <a:noFill/>
           </a:ln>
           <a:extLst>
-            <a:ext uri="{909E8E84-426E-40dd-AFC4-6F175D3DCCD1}">
+            <a:ext uri="{909E8E84-426E-40DD-AFC4-6F175D3DCCD1}">
               <a14:hiddenFill xmlns:a14="http://schemas.microsoft.com/office/drawing/2010/main">
                 <a:solidFill>
                   <a:srgbClr val="FFFFFF"/>
                 </a:solidFill>
               </a14:hiddenFill>
             </a:ext>
-            <a:ext uri="{91240B29-F687-4f45-9708-019B960494DF}">
+            <a:ext uri="{91240B29-F687-4F45-9708-019B960494DF}">
               <a14:hiddenLine xmlns:a14="http://schemas.microsoft.com/office/drawing/2010/main" w="9525">
                 <a:solidFill>
                   <a:srgbClr val="000000"/>
@@ -3869,14 +3869,14 @@
             <a:noFill/>
           </a:ln>
           <a:extLst>
-            <a:ext uri="{909E8E84-426E-40dd-AFC4-6F175D3DCCD1}">
+            <a:ext uri="{909E8E84-426E-40DD-AFC4-6F175D3DCCD1}">
               <a14:hiddenFill xmlns:a14="http://schemas.microsoft.com/office/drawing/2010/main">
                 <a:solidFill>
                   <a:srgbClr val="FFFFFF"/>
                 </a:solidFill>
               </a14:hiddenFill>
             </a:ext>
-            <a:ext uri="{91240B29-F687-4f45-9708-019B960494DF}">
+            <a:ext uri="{91240B29-F687-4F45-9708-019B960494DF}">
               <a14:hiddenLine xmlns:a14="http://schemas.microsoft.com/office/drawing/2010/main" w="9525">
                 <a:solidFill>
                   <a:srgbClr val="000000"/>
@@ -4522,8 +4522,8 @@
         </p:blipFill>
         <p:spPr>
           <a:xfrm>
-            <a:off x="592780" y="15535319"/>
-            <a:ext cx="8201025" cy="5448300"/>
+            <a:off x="592780" y="16348838"/>
+            <a:ext cx="6759019" cy="4490312"/>
           </a:xfrm>
           <a:prstGeom prst="rect">
             <a:avLst/>
@@ -4552,7 +4552,7 @@
         </p:blipFill>
         <p:spPr>
           <a:xfrm>
-            <a:off x="9021490" y="13697699"/>
+            <a:off x="9021490" y="14312180"/>
             <a:ext cx="6622506" cy="7285920"/>
           </a:xfrm>
           <a:prstGeom prst="rect">
@@ -4581,14 +4581,14 @@
             <a:noFill/>
           </a:ln>
           <a:extLst>
-            <a:ext uri="{909E8E84-426E-40dd-AFC4-6F175D3DCCD1}">
+            <a:ext uri="{909E8E84-426E-40DD-AFC4-6F175D3DCCD1}">
               <a14:hiddenFill xmlns:a14="http://schemas.microsoft.com/office/drawing/2010/main">
                 <a:solidFill>
                   <a:srgbClr val="FFFFFF"/>
                 </a:solidFill>
               </a14:hiddenFill>
             </a:ext>
-            <a:ext uri="{91240B29-F687-4f45-9708-019B960494DF}">
+            <a:ext uri="{91240B29-F687-4F45-9708-019B960494DF}">
               <a14:hiddenLine xmlns:a14="http://schemas.microsoft.com/office/drawing/2010/main" w="76200">
                 <a:solidFill>
                   <a:srgbClr val="000000"/>
@@ -4939,14 +4939,14 @@
             <a:noFill/>
           </a:ln>
           <a:extLst>
-            <a:ext uri="{909E8E84-426E-40dd-AFC4-6F175D3DCCD1}">
+            <a:ext uri="{909E8E84-426E-40DD-AFC4-6F175D3DCCD1}">
               <a14:hiddenFill xmlns:a14="http://schemas.microsoft.com/office/drawing/2010/main">
                 <a:solidFill>
                   <a:srgbClr val="FFFFFF"/>
                 </a:solidFill>
               </a14:hiddenFill>
             </a:ext>
-            <a:ext uri="{91240B29-F687-4f45-9708-019B960494DF}">
+            <a:ext uri="{91240B29-F687-4F45-9708-019B960494DF}">
               <a14:hiddenLine xmlns:a14="http://schemas.microsoft.com/office/drawing/2010/main" w="12700">
                 <a:solidFill>
                   <a:srgbClr val="000000"/>
@@ -5149,15 +5149,7 @@
                 <a:ea typeface="Segoe UI" pitchFamily="34" charset="0"/>
                 <a:cs typeface="Segoe UI" pitchFamily="34" charset="0"/>
               </a:rPr>
-              <a:t>observed, </a:t>
-            </a:r>
-            <a:r>
-              <a:rPr lang="en-US" sz="2800" dirty="0" smtClean="0">
-                <a:latin typeface="Segoe UI" pitchFamily="34" charset="0"/>
-                <a:ea typeface="Segoe UI" pitchFamily="34" charset="0"/>
-                <a:cs typeface="Segoe UI" pitchFamily="34" charset="0"/>
-              </a:rPr>
-              <a:t>through changes in population density. Quantitative analysis of bacterial motion was attempted, but inconclusive due to a high degree of random-walk like behavior.</a:t>
+              <a:t>observed, through changes in population density. Quantitative analysis of bacterial motion was attempted, but inconclusive due to a high degree of random-walk like behavior.</a:t>
             </a:r>
             <a:endParaRPr lang="en-US" sz="2800" dirty="0">
               <a:latin typeface="Segoe UI" pitchFamily="34" charset="0"/>
@@ -5237,14 +5229,14 @@
             <a:noFill/>
           </a:ln>
           <a:extLst>
-            <a:ext uri="{909E8E84-426E-40dd-AFC4-6F175D3DCCD1}">
+            <a:ext uri="{909E8E84-426E-40DD-AFC4-6F175D3DCCD1}">
               <a14:hiddenFill xmlns:a14="http://schemas.microsoft.com/office/drawing/2010/main">
                 <a:solidFill>
                   <a:srgbClr val="FFFFFF"/>
                 </a:solidFill>
               </a14:hiddenFill>
             </a:ext>
-            <a:ext uri="{91240B29-F687-4f45-9708-019B960494DF}">
+            <a:ext uri="{91240B29-F687-4F45-9708-019B960494DF}">
               <a14:hiddenLine xmlns:a14="http://schemas.microsoft.com/office/drawing/2010/main" w="9525">
                 <a:solidFill>
                   <a:srgbClr val="000000"/>
@@ -5291,14 +5283,14 @@
             <a:noFill/>
           </a:ln>
           <a:extLst>
-            <a:ext uri="{909E8E84-426E-40dd-AFC4-6F175D3DCCD1}">
+            <a:ext uri="{909E8E84-426E-40DD-AFC4-6F175D3DCCD1}">
               <a14:hiddenFill xmlns:a14="http://schemas.microsoft.com/office/drawing/2010/main">
                 <a:solidFill>
                   <a:srgbClr val="FFFFFF"/>
                 </a:solidFill>
               </a14:hiddenFill>
             </a:ext>
-            <a:ext uri="{91240B29-F687-4f45-9708-019B960494DF}">
+            <a:ext uri="{91240B29-F687-4F45-9708-019B960494DF}">
               <a14:hiddenLine xmlns:a14="http://schemas.microsoft.com/office/drawing/2010/main" w="9525">
                 <a:solidFill>
                   <a:srgbClr val="000000"/>
@@ -5391,7 +5383,7 @@
         </p:nvSpPr>
         <p:spPr bwMode="auto">
           <a:xfrm>
-            <a:off x="19104371" y="21493041"/>
+            <a:off x="20557530" y="21493041"/>
             <a:ext cx="3121479" cy="348018"/>
           </a:xfrm>
           <a:prstGeom prst="rect">
@@ -5402,14 +5394,14 @@
             <a:noFill/>
           </a:ln>
           <a:extLst>
-            <a:ext uri="{909E8E84-426E-40dd-AFC4-6F175D3DCCD1}">
+            <a:ext uri="{909E8E84-426E-40DD-AFC4-6F175D3DCCD1}">
               <a14:hiddenFill xmlns:a14="http://schemas.microsoft.com/office/drawing/2010/main">
                 <a:solidFill>
                   <a:srgbClr val="FFFFFF"/>
                 </a:solidFill>
               </a14:hiddenFill>
             </a:ext>
-            <a:ext uri="{91240B29-F687-4f45-9708-019B960494DF}">
+            <a:ext uri="{91240B29-F687-4F45-9708-019B960494DF}">
               <a14:hiddenLine xmlns:a14="http://schemas.microsoft.com/office/drawing/2010/main" w="9525">
                 <a:solidFill>
                   <a:srgbClr val="000000"/>
@@ -5658,7 +5650,7 @@
         <p:spPr bwMode="auto">
           <a:xfrm>
             <a:off x="781050" y="8943356"/>
-            <a:ext cx="14767410" cy="747431"/>
+            <a:ext cx="14767409" cy="747431"/>
           </a:xfrm>
           <a:prstGeom prst="rect">
             <a:avLst/>
@@ -5668,14 +5660,14 @@
             <a:noFill/>
           </a:ln>
           <a:extLst>
-            <a:ext uri="{909E8E84-426E-40dd-AFC4-6F175D3DCCD1}">
+            <a:ext uri="{909E8E84-426E-40DD-AFC4-6F175D3DCCD1}">
               <a14:hiddenFill xmlns:a14="http://schemas.microsoft.com/office/drawing/2010/main">
                 <a:solidFill>
                   <a:srgbClr val="FFFFFF"/>
                 </a:solidFill>
               </a14:hiddenFill>
             </a:ext>
-            <a:ext uri="{91240B29-F687-4f45-9708-019B960494DF}">
+            <a:ext uri="{91240B29-F687-4F45-9708-019B960494DF}">
               <a14:hiddenLine xmlns:a14="http://schemas.microsoft.com/office/drawing/2010/main" w="12700">
                 <a:solidFill>
                   <a:srgbClr val="000000"/>
@@ -5849,14 +5841,14 @@
             <a:noFill/>
           </a:ln>
           <a:extLst>
-            <a:ext uri="{909E8E84-426E-40dd-AFC4-6F175D3DCCD1}">
+            <a:ext uri="{909E8E84-426E-40DD-AFC4-6F175D3DCCD1}">
               <a14:hiddenFill xmlns:a14="http://schemas.microsoft.com/office/drawing/2010/main">
                 <a:solidFill>
                   <a:srgbClr val="FFFFFF"/>
                 </a:solidFill>
               </a14:hiddenFill>
             </a:ext>
-            <a:ext uri="{91240B29-F687-4f45-9708-019B960494DF}">
+            <a:ext uri="{91240B29-F687-4F45-9708-019B960494DF}">
               <a14:hiddenLine xmlns:a14="http://schemas.microsoft.com/office/drawing/2010/main" w="12700">
                 <a:solidFill>
                   <a:srgbClr val="000000"/>
@@ -6011,7 +6003,7 @@
         </p:nvSpPr>
         <p:spPr bwMode="auto">
           <a:xfrm>
-            <a:off x="781050" y="12642490"/>
+            <a:off x="781050" y="11124590"/>
             <a:ext cx="14736113" cy="604308"/>
           </a:xfrm>
           <a:prstGeom prst="roundRect">
@@ -6120,14 +6112,14 @@
             <a:noFill/>
           </a:ln>
           <a:extLst>
-            <a:ext uri="{909E8E84-426E-40dd-AFC4-6F175D3DCCD1}">
+            <a:ext uri="{909E8E84-426E-40DD-AFC4-6F175D3DCCD1}">
               <a14:hiddenFill xmlns:a14="http://schemas.microsoft.com/office/drawing/2010/main">
                 <a:solidFill>
                   <a:srgbClr val="FFFFFF"/>
                 </a:solidFill>
               </a14:hiddenFill>
             </a:ext>
-            <a:ext uri="{91240B29-F687-4f45-9708-019B960494DF}">
+            <a:ext uri="{91240B29-F687-4F45-9708-019B960494DF}">
               <a14:hiddenLine xmlns:a14="http://schemas.microsoft.com/office/drawing/2010/main" w="12700">
                 <a:solidFill>
                   <a:srgbClr val="000000"/>
@@ -6337,14 +6329,14 @@
             <a:noFill/>
           </a:ln>
           <a:extLst>
-            <a:ext uri="{909E8E84-426E-40dd-AFC4-6F175D3DCCD1}">
+            <a:ext uri="{909E8E84-426E-40DD-AFC4-6F175D3DCCD1}">
               <a14:hiddenFill xmlns:a14="http://schemas.microsoft.com/office/drawing/2010/main">
                 <a:solidFill>
                   <a:srgbClr val="FFFFFF"/>
                 </a:solidFill>
               </a14:hiddenFill>
             </a:ext>
-            <a:ext uri="{91240B29-F687-4f45-9708-019B960494DF}">
+            <a:ext uri="{91240B29-F687-4F45-9708-019B960494DF}">
               <a14:hiddenLine xmlns:a14="http://schemas.microsoft.com/office/drawing/2010/main" w="12700">
                 <a:solidFill>
                   <a:srgbClr val="000000"/>
@@ -6518,14 +6510,14 @@
             <a:noFill/>
           </a:ln>
           <a:extLst>
-            <a:ext uri="{909E8E84-426E-40dd-AFC4-6F175D3DCCD1}">
+            <a:ext uri="{909E8E84-426E-40DD-AFC4-6F175D3DCCD1}">
               <a14:hiddenFill xmlns:a14="http://schemas.microsoft.com/office/drawing/2010/main">
                 <a:solidFill>
                   <a:srgbClr val="FFFFFF"/>
                 </a:solidFill>
               </a14:hiddenFill>
             </a:ext>
-            <a:ext uri="{91240B29-F687-4f45-9708-019B960494DF}">
+            <a:ext uri="{91240B29-F687-4F45-9708-019B960494DF}">
               <a14:hiddenLine xmlns:a14="http://schemas.microsoft.com/office/drawing/2010/main" w="9525">
                 <a:solidFill>
                   <a:srgbClr val="000000"/>
@@ -6567,7 +6559,7 @@
           </a:prstGeom>
           <a:noFill/>
           <a:extLst>
-            <a:ext uri="{909E8E84-426E-40dd-AFC4-6F175D3DCCD1}">
+            <a:ext uri="{909E8E84-426E-40DD-AFC4-6F175D3DCCD1}">
               <a14:hiddenFill xmlns:a14="http://schemas.microsoft.com/office/drawing/2010/main">
                 <a:solidFill>
                   <a:srgbClr val="FFFFFF"/>
@@ -6585,8 +6577,8 @@
         </p:nvSpPr>
         <p:spPr>
           <a:xfrm>
-            <a:off x="9249175" y="13721887"/>
-            <a:ext cx="3567065" cy="2308324"/>
+            <a:off x="9268390" y="14634360"/>
+            <a:ext cx="3567065" cy="1631216"/>
           </a:xfrm>
           <a:prstGeom prst="rect">
             <a:avLst/>
@@ -6600,7 +6592,7 @@
           <a:lstStyle/>
           <a:p>
             <a:r>
-              <a:rPr lang="en-US" sz="2400" dirty="0">
+              <a:rPr lang="en-US" sz="2000" dirty="0">
                 <a:latin typeface="Segoe UI" pitchFamily="34" charset="0"/>
                 <a:ea typeface="Segoe UI" pitchFamily="34" charset="0"/>
                 <a:cs typeface="Segoe UI" pitchFamily="34" charset="0"/>
@@ -6608,7 +6600,7 @@
               <a:t>The microscope used for the project </a:t>
             </a:r>
             <a:r>
-              <a:rPr lang="en-US" sz="2400" dirty="0" smtClean="0">
+              <a:rPr lang="en-US" sz="2000" dirty="0" smtClean="0">
                 <a:latin typeface="Segoe UI" pitchFamily="34" charset="0"/>
                 <a:ea typeface="Segoe UI" pitchFamily="34" charset="0"/>
                 <a:cs typeface="Segoe UI" pitchFamily="34" charset="0"/>
@@ -6616,7 +6608,7 @@
               <a:t>was </a:t>
             </a:r>
             <a:r>
-              <a:rPr lang="en-US" sz="2400" dirty="0">
+              <a:rPr lang="en-US" sz="2000" dirty="0">
                 <a:latin typeface="Segoe UI" pitchFamily="34" charset="0"/>
                 <a:ea typeface="Segoe UI" pitchFamily="34" charset="0"/>
                 <a:cs typeface="Segoe UI" pitchFamily="34" charset="0"/>
@@ -6624,7 +6616,7 @@
               <a:t>a standard </a:t>
             </a:r>
             <a:r>
-              <a:rPr lang="en-US" sz="2400" dirty="0" smtClean="0">
+              <a:rPr lang="en-US" sz="2000" dirty="0" smtClean="0">
                 <a:latin typeface="Segoe UI" pitchFamily="34" charset="0"/>
                 <a:ea typeface="Segoe UI" pitchFamily="34" charset="0"/>
                 <a:cs typeface="Segoe UI" pitchFamily="34" charset="0"/>
@@ -6632,7 +6624,7 @@
               <a:t>4f </a:t>
             </a:r>
             <a:r>
-              <a:rPr lang="en-US" sz="2400" dirty="0" err="1" smtClean="0">
+              <a:rPr lang="en-US" sz="2000" dirty="0" err="1" smtClean="0">
                 <a:latin typeface="Segoe UI" pitchFamily="34" charset="0"/>
                 <a:ea typeface="Segoe UI" pitchFamily="34" charset="0"/>
                 <a:cs typeface="Segoe UI" pitchFamily="34" charset="0"/>
@@ -6640,7 +6632,7 @@
               <a:t>brightfield</a:t>
             </a:r>
             <a:r>
-              <a:rPr lang="en-US" sz="2400" dirty="0" smtClean="0">
+              <a:rPr lang="en-US" sz="2000" dirty="0" smtClean="0">
                 <a:latin typeface="Segoe UI" pitchFamily="34" charset="0"/>
                 <a:ea typeface="Segoe UI" pitchFamily="34" charset="0"/>
                 <a:cs typeface="Segoe UI" pitchFamily="34" charset="0"/>
@@ -6648,7 +6640,7 @@
               <a:t> </a:t>
             </a:r>
             <a:r>
-              <a:rPr lang="en-US" sz="2400" dirty="0">
+              <a:rPr lang="en-US" sz="2000" dirty="0">
                 <a:latin typeface="Segoe UI" pitchFamily="34" charset="0"/>
                 <a:ea typeface="Segoe UI" pitchFamily="34" charset="0"/>
                 <a:cs typeface="Segoe UI" pitchFamily="34" charset="0"/>
@@ -6656,7 +6648,7 @@
               <a:t>microscope based around </a:t>
             </a:r>
             <a:r>
-              <a:rPr lang="en-US" sz="2400" dirty="0" smtClean="0">
+              <a:rPr lang="en-US" sz="2000" dirty="0" smtClean="0">
                 <a:latin typeface="Segoe UI" pitchFamily="34" charset="0"/>
                 <a:ea typeface="Segoe UI" pitchFamily="34" charset="0"/>
                 <a:cs typeface="Segoe UI" pitchFamily="34" charset="0"/>
@@ -6664,7 +6656,7 @@
               <a:t> inverted 200mm </a:t>
             </a:r>
             <a:r>
-              <a:rPr lang="en-US" sz="2400" dirty="0">
+              <a:rPr lang="en-US" sz="2000" dirty="0">
                 <a:latin typeface="Segoe UI" pitchFamily="34" charset="0"/>
                 <a:ea typeface="Segoe UI" pitchFamily="34" charset="0"/>
                 <a:cs typeface="Segoe UI" pitchFamily="34" charset="0"/>
@@ -6672,14 +6664,14 @@
               <a:t>Nikon </a:t>
             </a:r>
             <a:r>
-              <a:rPr lang="en-US" sz="2400" dirty="0" smtClean="0">
+              <a:rPr lang="en-US" sz="2000" dirty="0" smtClean="0">
                 <a:latin typeface="Segoe UI" pitchFamily="34" charset="0"/>
                 <a:ea typeface="Segoe UI" pitchFamily="34" charset="0"/>
                 <a:cs typeface="Segoe UI" pitchFamily="34" charset="0"/>
               </a:rPr>
               <a:t>objectives. </a:t>
             </a:r>
-            <a:endParaRPr lang="en-US" sz="2400" dirty="0">
+            <a:endParaRPr lang="en-US" sz="2000" dirty="0">
               <a:latin typeface="Segoe UI" pitchFamily="34" charset="0"/>
               <a:ea typeface="Segoe UI" pitchFamily="34" charset="0"/>
               <a:cs typeface="Segoe UI" pitchFamily="34" charset="0"/>
@@ -6689,14 +6681,14 @@
       </p:sp>
       <p:sp>
         <p:nvSpPr>
-          <p:cNvPr id="27" name="TextBox 26"/>
+          <p:cNvPr id="24" name="TextBox 23"/>
           <p:cNvSpPr txBox="1"/>
           <p:nvPr/>
         </p:nvSpPr>
         <p:spPr>
           <a:xfrm>
-            <a:off x="829075" y="13721887"/>
-            <a:ext cx="7825069" cy="1569660"/>
+            <a:off x="4004924" y="18446959"/>
+            <a:ext cx="4807888" cy="2554545"/>
           </a:xfrm>
           <a:prstGeom prst="rect">
             <a:avLst/>
@@ -6711,7 +6703,7 @@
           <a:p>
             <a:pPr algn="just"/>
             <a:r>
-              <a:rPr lang="en-US" sz="2400" dirty="0" smtClean="0">
+              <a:rPr lang="en-US" sz="2000" dirty="0">
                 <a:latin typeface="Segoe UI" pitchFamily="34" charset="0"/>
                 <a:ea typeface="Segoe UI" pitchFamily="34" charset="0"/>
                 <a:cs typeface="Segoe UI" pitchFamily="34" charset="0"/>
@@ -6719,7 +6711,7 @@
               <a:t>N</a:t>
             </a:r>
             <a:r>
-              <a:rPr lang="en-US" sz="2400" baseline="-25000" dirty="0" smtClean="0">
+              <a:rPr lang="en-US" sz="2000" baseline="-25000" dirty="0">
                 <a:latin typeface="Segoe UI" pitchFamily="34" charset="0"/>
                 <a:ea typeface="Segoe UI" pitchFamily="34" charset="0"/>
                 <a:cs typeface="Segoe UI" pitchFamily="34" charset="0"/>
@@ -6727,7 +6719,7 @@
               <a:t>2</a:t>
             </a:r>
             <a:r>
-              <a:rPr lang="en-US" sz="2400" dirty="0" smtClean="0">
+              <a:rPr lang="en-US" sz="2000" dirty="0">
                 <a:latin typeface="Segoe UI" pitchFamily="34" charset="0"/>
                 <a:ea typeface="Segoe UI" pitchFamily="34" charset="0"/>
                 <a:cs typeface="Segoe UI" pitchFamily="34" charset="0"/>
@@ -6735,7 +6727,7 @@
               <a:t> and O</a:t>
             </a:r>
             <a:r>
-              <a:rPr lang="en-US" sz="2400" baseline="-25000" dirty="0" smtClean="0">
+              <a:rPr lang="en-US" sz="2000" baseline="-25000" dirty="0">
                 <a:latin typeface="Segoe UI" pitchFamily="34" charset="0"/>
                 <a:ea typeface="Segoe UI" pitchFamily="34" charset="0"/>
                 <a:cs typeface="Segoe UI" pitchFamily="34" charset="0"/>
@@ -6743,54 +6735,58 @@
               <a:t>2</a:t>
             </a:r>
             <a:r>
-              <a:rPr lang="en-US" sz="2400" dirty="0" smtClean="0">
+              <a:rPr lang="en-US" sz="2000" dirty="0">
                 <a:latin typeface="Segoe UI" pitchFamily="34" charset="0"/>
                 <a:ea typeface="Segoe UI" pitchFamily="34" charset="0"/>
                 <a:cs typeface="Segoe UI" pitchFamily="34" charset="0"/>
               </a:rPr>
-              <a:t> gases each flow through a primary regulator and a secondary regulator, dropping their pressure to 2 psi before they enter the device through 0.050” OD syringe tips.</a:t>
-            </a:r>
-            <a:endParaRPr lang="en-US" sz="2400" dirty="0">
+              <a:t> gases each flow through </a:t>
+            </a:r>
+            <a:r>
+              <a:rPr lang="en-US" sz="2000" dirty="0" smtClean="0">
+                <a:latin typeface="Segoe UI" pitchFamily="34" charset="0"/>
+                <a:ea typeface="Segoe UI" pitchFamily="34" charset="0"/>
+                <a:cs typeface="Segoe UI" pitchFamily="34" charset="0"/>
+              </a:rPr>
+              <a:t>two regulators, </a:t>
+            </a:r>
+            <a:r>
+              <a:rPr lang="en-US" sz="2000" dirty="0">
+                <a:latin typeface="Segoe UI" pitchFamily="34" charset="0"/>
+                <a:ea typeface="Segoe UI" pitchFamily="34" charset="0"/>
+                <a:cs typeface="Segoe UI" pitchFamily="34" charset="0"/>
+              </a:rPr>
+              <a:t>dropping their pressure to 2 psi before they enter the device through 0.050” OD syringe tips.</a:t>
+            </a:r>
+          </a:p>
+          <a:p>
+            <a:pPr algn="just"/>
+            <a:endParaRPr lang="en-US" sz="2000" dirty="0" smtClean="0">
               <a:latin typeface="Segoe UI" pitchFamily="34" charset="0"/>
               <a:ea typeface="Segoe UI" pitchFamily="34" charset="0"/>
               <a:cs typeface="Segoe UI" pitchFamily="34" charset="0"/>
             </a:endParaRPr>
           </a:p>
-        </p:txBody>
-      </p:sp>
-      <p:sp>
-        <p:nvSpPr>
-          <p:cNvPr id="24" name="TextBox 23"/>
-          <p:cNvSpPr txBox="1"/>
-          <p:nvPr/>
-        </p:nvSpPr>
-        <p:spPr>
-          <a:xfrm>
-            <a:off x="4741609" y="18675295"/>
-            <a:ext cx="3986247" cy="2308324"/>
-          </a:xfrm>
-          <a:prstGeom prst="rect">
-            <a:avLst/>
-          </a:prstGeom>
-          <a:noFill/>
-        </p:spPr>
-        <p:txBody>
-          <a:bodyPr wrap="square" rtlCol="0">
-            <a:spAutoFit/>
-          </a:bodyPr>
-          <a:lstStyle/>
           <a:p>
             <a:pPr algn="just"/>
             <a:r>
-              <a:rPr lang="en-US" sz="2400" dirty="0" smtClean="0">
+              <a:rPr lang="en-US" sz="2000" dirty="0" smtClean="0">
                 <a:latin typeface="Segoe UI" pitchFamily="34" charset="0"/>
                 <a:ea typeface="Segoe UI" pitchFamily="34" charset="0"/>
                 <a:cs typeface="Segoe UI" pitchFamily="34" charset="0"/>
               </a:rPr>
-              <a:t>Both channels were flushed with N</a:t>
-            </a:r>
-            <a:r>
-              <a:rPr lang="en-US" sz="2400" baseline="-25000" dirty="0" smtClean="0">
+              <a:t>Both </a:t>
+            </a:r>
+            <a:r>
+              <a:rPr lang="en-US" sz="2000" dirty="0" smtClean="0">
+                <a:latin typeface="Segoe UI" pitchFamily="34" charset="0"/>
+                <a:ea typeface="Segoe UI" pitchFamily="34" charset="0"/>
+                <a:cs typeface="Segoe UI" pitchFamily="34" charset="0"/>
+              </a:rPr>
+              <a:t>channels were flushed with N</a:t>
+            </a:r>
+            <a:r>
+              <a:rPr lang="en-US" sz="2000" baseline="-25000" dirty="0" smtClean="0">
                 <a:latin typeface="Segoe UI" pitchFamily="34" charset="0"/>
                 <a:ea typeface="Segoe UI" pitchFamily="34" charset="0"/>
                 <a:cs typeface="Segoe UI" pitchFamily="34" charset="0"/>
@@ -6798,15 +6794,31 @@
               <a:t>2 </a:t>
             </a:r>
             <a:r>
-              <a:rPr lang="en-US" sz="2400" dirty="0" smtClean="0">
+              <a:rPr lang="en-US" sz="2000" dirty="0" smtClean="0">
                 <a:latin typeface="Segoe UI" pitchFamily="34" charset="0"/>
                 <a:ea typeface="Segoe UI" pitchFamily="34" charset="0"/>
                 <a:cs typeface="Segoe UI" pitchFamily="34" charset="0"/>
               </a:rPr>
-              <a:t>for 11.5 minutes, to create a homogeneous environment, before one channel was switched to a flow of O</a:t>
-            </a:r>
-            <a:r>
-              <a:rPr lang="en-US" sz="2400" baseline="-25000" dirty="0" smtClean="0">
+              <a:t>for 11.5 </a:t>
+            </a:r>
+            <a:r>
+              <a:rPr lang="en-US" sz="2000" dirty="0" smtClean="0">
+                <a:latin typeface="Segoe UI" pitchFamily="34" charset="0"/>
+                <a:ea typeface="Segoe UI" pitchFamily="34" charset="0"/>
+                <a:cs typeface="Segoe UI" pitchFamily="34" charset="0"/>
+              </a:rPr>
+              <a:t>minutes </a:t>
+            </a:r>
+            <a:r>
+              <a:rPr lang="en-US" sz="2000" dirty="0" smtClean="0">
+                <a:latin typeface="Segoe UI" pitchFamily="34" charset="0"/>
+                <a:ea typeface="Segoe UI" pitchFamily="34" charset="0"/>
+                <a:cs typeface="Segoe UI" pitchFamily="34" charset="0"/>
+              </a:rPr>
+              <a:t>before one channel was switched to a flow of O</a:t>
+            </a:r>
+            <a:r>
+              <a:rPr lang="en-US" sz="2000" baseline="-25000" dirty="0" smtClean="0">
                 <a:latin typeface="Segoe UI" pitchFamily="34" charset="0"/>
                 <a:ea typeface="Segoe UI" pitchFamily="34" charset="0"/>
                 <a:cs typeface="Segoe UI" pitchFamily="34" charset="0"/>
@@ -6814,14 +6826,14 @@
               <a:t>2</a:t>
             </a:r>
             <a:r>
-              <a:rPr lang="en-US" sz="2400" dirty="0" smtClean="0">
+              <a:rPr lang="en-US" sz="2000" dirty="0" smtClean="0">
                 <a:latin typeface="Segoe UI" pitchFamily="34" charset="0"/>
                 <a:ea typeface="Segoe UI" pitchFamily="34" charset="0"/>
                 <a:cs typeface="Segoe UI" pitchFamily="34" charset="0"/>
               </a:rPr>
               <a:t>.</a:t>
             </a:r>
-            <a:endParaRPr lang="en-US" sz="2400" dirty="0">
+            <a:endParaRPr lang="en-US" sz="2000" dirty="0">
               <a:latin typeface="Segoe UI" pitchFamily="34" charset="0"/>
               <a:ea typeface="Segoe UI" pitchFamily="34" charset="0"/>
               <a:cs typeface="Segoe UI" pitchFamily="34" charset="0"/>
@@ -6837,8 +6849,8 @@
         </p:nvCxnSpPr>
         <p:spPr bwMode="auto">
           <a:xfrm>
-            <a:off x="9021490" y="13721887"/>
-            <a:ext cx="0" cy="7261732"/>
+            <a:off x="9021490" y="12158164"/>
+            <a:ext cx="0" cy="8825455"/>
           </a:xfrm>
           <a:prstGeom prst="line">
             <a:avLst/>
@@ -7010,7 +7022,7 @@
         <p:spPr>
           <a:xfrm>
             <a:off x="16079725" y="3838670"/>
-            <a:ext cx="7900172" cy="5568658"/>
+            <a:ext cx="4199173" cy="2959905"/>
           </a:xfrm>
           <a:prstGeom prst="rect">
             <a:avLst/>
@@ -7039,8 +7051,8 @@
         </p:blipFill>
         <p:spPr>
           <a:xfrm>
-            <a:off x="15927935" y="9288584"/>
-            <a:ext cx="7919642" cy="4947701"/>
+            <a:off x="15978497" y="7685328"/>
+            <a:ext cx="5223766" cy="3263485"/>
           </a:xfrm>
           <a:prstGeom prst="rect">
             <a:avLst/>
@@ -7049,16 +7061,105 @@
       </p:pic>
       <p:sp>
         <p:nvSpPr>
-          <p:cNvPr id="38" name="Text Box 11"/>
-          <p:cNvSpPr txBox="1">
-            <a:spLocks noChangeArrowheads="1"/>
-          </p:cNvSpPr>
+          <p:cNvPr id="39" name="TextBox 38"/>
+          <p:cNvSpPr txBox="1"/>
           <p:nvPr/>
         </p:nvSpPr>
+        <p:spPr>
+          <a:xfrm>
+            <a:off x="28526505" y="10062060"/>
+            <a:ext cx="3567065" cy="461665"/>
+          </a:xfrm>
+          <a:prstGeom prst="rect">
+            <a:avLst/>
+          </a:prstGeom>
+          <a:noFill/>
+        </p:spPr>
+        <p:txBody>
+          <a:bodyPr wrap="square" rtlCol="0">
+            <a:spAutoFit/>
+          </a:bodyPr>
+          <a:lstStyle/>
+          <a:p>
+            <a:pPr algn="ctr"/>
+            <a:r>
+              <a:rPr lang="en-US" sz="2400" dirty="0" smtClean="0">
+                <a:latin typeface="Segoe UI" pitchFamily="34" charset="0"/>
+                <a:ea typeface="Segoe UI" pitchFamily="34" charset="0"/>
+                <a:cs typeface="Segoe UI" pitchFamily="34" charset="0"/>
+              </a:rPr>
+              <a:t>+1 minute</a:t>
+            </a:r>
+            <a:endParaRPr lang="en-US" sz="2400" dirty="0">
+              <a:latin typeface="Segoe UI" pitchFamily="34" charset="0"/>
+              <a:ea typeface="Segoe UI" pitchFamily="34" charset="0"/>
+              <a:cs typeface="Segoe UI" pitchFamily="34" charset="0"/>
+            </a:endParaRPr>
+          </a:p>
+        </p:txBody>
+      </p:sp>
+      <p:sp>
+        <p:nvSpPr>
+          <p:cNvPr id="40" name="TextBox 39"/>
+          <p:cNvSpPr txBox="1"/>
+          <p:nvPr/>
+        </p:nvSpPr>
+        <p:spPr>
+          <a:xfrm>
+            <a:off x="28602400" y="13477335"/>
+            <a:ext cx="3567065" cy="461665"/>
+          </a:xfrm>
+          <a:prstGeom prst="rect">
+            <a:avLst/>
+          </a:prstGeom>
+          <a:noFill/>
+        </p:spPr>
+        <p:txBody>
+          <a:bodyPr wrap="square" rtlCol="0">
+            <a:spAutoFit/>
+          </a:bodyPr>
+          <a:lstStyle/>
+          <a:p>
+            <a:pPr algn="ctr"/>
+            <a:r>
+              <a:rPr lang="en-US" sz="2400" dirty="0" smtClean="0">
+                <a:latin typeface="Segoe UI" pitchFamily="34" charset="0"/>
+                <a:ea typeface="Segoe UI" pitchFamily="34" charset="0"/>
+                <a:cs typeface="Segoe UI" pitchFamily="34" charset="0"/>
+              </a:rPr>
+              <a:t>+3 minutes</a:t>
+            </a:r>
+            <a:endParaRPr lang="en-US" sz="2400" dirty="0">
+              <a:latin typeface="Segoe UI" pitchFamily="34" charset="0"/>
+              <a:ea typeface="Segoe UI" pitchFamily="34" charset="0"/>
+              <a:cs typeface="Segoe UI" pitchFamily="34" charset="0"/>
+            </a:endParaRPr>
+          </a:p>
+        </p:txBody>
+      </p:sp>
+      <p:pic>
+        <p:nvPicPr>
+          <p:cNvPr id="1027" name="Picture 3"/>
+          <p:cNvPicPr>
+            <a:picLocks noChangeAspect="1" noChangeArrowheads="1"/>
+          </p:cNvPicPr>
+          <p:nvPr/>
+        </p:nvPicPr>
+        <p:blipFill rotWithShape="1">
+          <a:blip r:embed="rId12">
+            <a:extLst>
+              <a:ext uri="{28A0092B-C50C-407E-A947-70E740481C1C}">
+                <a14:useLocalDpi xmlns:a14="http://schemas.microsoft.com/office/drawing/2010/main" val="0"/>
+              </a:ext>
+            </a:extLst>
+          </a:blip>
+          <a:srcRect l="10001" t="27705" r="12812" b="21583"/>
+          <a:stretch/>
+        </p:blipFill>
         <p:spPr bwMode="auto">
           <a:xfrm>
-            <a:off x="597145" y="16057765"/>
-            <a:ext cx="14767410" cy="747431"/>
+            <a:off x="781050" y="12049049"/>
+            <a:ext cx="3838530" cy="1891424"/>
           </a:xfrm>
           <a:prstGeom prst="rect">
             <a:avLst/>
@@ -7068,17 +7169,17 @@
             <a:noFill/>
           </a:ln>
           <a:extLst>
-            <a:ext uri="{909E8E84-426E-40dd-AFC4-6F175D3DCCD1}">
+            <a:ext uri="{909E8E84-426E-40DD-AFC4-6F175D3DCCD1}">
               <a14:hiddenFill xmlns:a14="http://schemas.microsoft.com/office/drawing/2010/main">
                 <a:solidFill>
-                  <a:srgbClr val="FFFFFF"/>
+                  <a:schemeClr val="accent1"/>
                 </a:solidFill>
               </a14:hiddenFill>
             </a:ext>
-            <a:ext uri="{91240B29-F687-4f45-9708-019B960494DF}">
-              <a14:hiddenLine xmlns:a14="http://schemas.microsoft.com/office/drawing/2010/main" w="12700">
-                <a:solidFill>
-                  <a:srgbClr val="000000"/>
+            <a:ext uri="{91240B29-F687-4F45-9708-019B960494DF}">
+              <a14:hiddenLine xmlns:a14="http://schemas.microsoft.com/office/drawing/2010/main" w="9525">
+                <a:solidFill>
+                  <a:schemeClr val="tx1"/>
                 </a:solidFill>
                 <a:miter lim="800000"/>
                 <a:headEnd/>
@@ -7087,155 +7188,75 @@
             </a:ext>
           </a:extLst>
         </p:spPr>
-        <p:txBody>
-          <a:bodyPr wrap="square" lIns="313480" tIns="156741" rIns="313480" bIns="156741">
-            <a:spAutoFit/>
-          </a:bodyPr>
-          <a:lstStyle>
-            <a:lvl1pPr defTabSz="4076700" eaLnBrk="0" hangingPunct="0">
-              <a:defRPr sz="8000">
-                <a:solidFill>
-                  <a:schemeClr val="tx1"/>
-                </a:solidFill>
-                <a:latin typeface="Arial" charset="0"/>
-                <a:ea typeface="ＭＳ Ｐゴシック" charset="-128"/>
-              </a:defRPr>
-            </a:lvl1pPr>
-            <a:lvl2pPr marL="742950" indent="-285750" defTabSz="4076700" eaLnBrk="0" hangingPunct="0">
-              <a:defRPr sz="8000">
-                <a:solidFill>
-                  <a:schemeClr val="tx1"/>
-                </a:solidFill>
-                <a:latin typeface="Arial" charset="0"/>
-                <a:ea typeface="ＭＳ Ｐゴシック" charset="-128"/>
-              </a:defRPr>
-            </a:lvl2pPr>
-            <a:lvl3pPr marL="1143000" indent="-228600" defTabSz="4076700" eaLnBrk="0" hangingPunct="0">
-              <a:defRPr sz="8000">
-                <a:solidFill>
-                  <a:schemeClr val="tx1"/>
-                </a:solidFill>
-                <a:latin typeface="Arial" charset="0"/>
-                <a:ea typeface="ＭＳ Ｐゴシック" charset="-128"/>
-              </a:defRPr>
-            </a:lvl3pPr>
-            <a:lvl4pPr marL="1600200" indent="-228600" defTabSz="4076700" eaLnBrk="0" hangingPunct="0">
-              <a:defRPr sz="8000">
-                <a:solidFill>
-                  <a:schemeClr val="tx1"/>
-                </a:solidFill>
-                <a:latin typeface="Arial" charset="0"/>
-                <a:ea typeface="ＭＳ Ｐゴシック" charset="-128"/>
-              </a:defRPr>
-            </a:lvl4pPr>
-            <a:lvl5pPr marL="2057400" indent="-228600" defTabSz="4076700" eaLnBrk="0" hangingPunct="0">
-              <a:defRPr sz="8000">
-                <a:solidFill>
-                  <a:schemeClr val="tx1"/>
-                </a:solidFill>
-                <a:latin typeface="Arial" charset="0"/>
-                <a:ea typeface="ＭＳ Ｐゴシック" charset="-128"/>
-              </a:defRPr>
-            </a:lvl5pPr>
-            <a:lvl6pPr marL="2514600" indent="-228600" defTabSz="4076700" eaLnBrk="0" fontAlgn="base" hangingPunct="0">
-              <a:spcBef>
-                <a:spcPct val="0"/>
-              </a:spcBef>
-              <a:spcAft>
-                <a:spcPct val="0"/>
-              </a:spcAft>
-              <a:defRPr sz="8000">
-                <a:solidFill>
-                  <a:schemeClr val="tx1"/>
-                </a:solidFill>
-                <a:latin typeface="Arial" charset="0"/>
-                <a:ea typeface="ＭＳ Ｐゴシック" charset="-128"/>
-              </a:defRPr>
-            </a:lvl6pPr>
-            <a:lvl7pPr marL="2971800" indent="-228600" defTabSz="4076700" eaLnBrk="0" fontAlgn="base" hangingPunct="0">
-              <a:spcBef>
-                <a:spcPct val="0"/>
-              </a:spcBef>
-              <a:spcAft>
-                <a:spcPct val="0"/>
-              </a:spcAft>
-              <a:defRPr sz="8000">
-                <a:solidFill>
-                  <a:schemeClr val="tx1"/>
-                </a:solidFill>
-                <a:latin typeface="Arial" charset="0"/>
-                <a:ea typeface="ＭＳ Ｐゴシック" charset="-128"/>
-              </a:defRPr>
-            </a:lvl7pPr>
-            <a:lvl8pPr marL="3429000" indent="-228600" defTabSz="4076700" eaLnBrk="0" fontAlgn="base" hangingPunct="0">
-              <a:spcBef>
-                <a:spcPct val="0"/>
-              </a:spcBef>
-              <a:spcAft>
-                <a:spcPct val="0"/>
-              </a:spcAft>
-              <a:defRPr sz="8000">
-                <a:solidFill>
-                  <a:schemeClr val="tx1"/>
-                </a:solidFill>
-                <a:latin typeface="Arial" charset="0"/>
-                <a:ea typeface="ＭＳ Ｐゴシック" charset="-128"/>
-              </a:defRPr>
-            </a:lvl8pPr>
-            <a:lvl9pPr marL="3886200" indent="-228600" defTabSz="4076700" eaLnBrk="0" fontAlgn="base" hangingPunct="0">
-              <a:spcBef>
-                <a:spcPct val="0"/>
-              </a:spcBef>
-              <a:spcAft>
-                <a:spcPct val="0"/>
-              </a:spcAft>
-              <a:defRPr sz="8000">
-                <a:solidFill>
-                  <a:schemeClr val="tx1"/>
-                </a:solidFill>
-                <a:latin typeface="Arial" charset="0"/>
-                <a:ea typeface="ＭＳ Ｐゴシック" charset="-128"/>
-              </a:defRPr>
-            </a:lvl9pPr>
-          </a:lstStyle>
-          <a:p>
-            <a:pPr algn="just" eaLnBrk="1" hangingPunct="1">
-              <a:spcBef>
-                <a:spcPct val="50000"/>
-              </a:spcBef>
-            </a:pPr>
-            <a:r>
-              <a:rPr lang="en-US" sz="2800" dirty="0" smtClean="0">
-                <a:solidFill>
-                  <a:srgbClr val="FF0000"/>
-                </a:solidFill>
-                <a:latin typeface="Segoe UI" pitchFamily="34" charset="0"/>
-                <a:ea typeface="Segoe UI" pitchFamily="34" charset="0"/>
-                <a:cs typeface="Segoe UI" pitchFamily="34" charset="0"/>
-              </a:rPr>
-              <a:t>NEEDS INFO ABOUT MICROFLUIDIC DEVICE. NEEDS INFO ABOUT BACTERIA</a:t>
-            </a:r>
-            <a:endParaRPr lang="en-US" sz="2800" dirty="0">
-              <a:solidFill>
-                <a:srgbClr val="FF0000"/>
-              </a:solidFill>
-              <a:latin typeface="Segoe UI" pitchFamily="34" charset="0"/>
-              <a:ea typeface="Segoe UI" pitchFamily="34" charset="0"/>
-              <a:cs typeface="Segoe UI" pitchFamily="34" charset="0"/>
-            </a:endParaRPr>
-          </a:p>
-        </p:txBody>
-      </p:sp>
-      <p:sp>
-        <p:nvSpPr>
-          <p:cNvPr id="39" name="TextBox 38"/>
+      </p:pic>
+      <p:cxnSp>
+        <p:nvCxnSpPr>
+          <p:cNvPr id="41" name="Straight Connector 40"/>
+          <p:cNvCxnSpPr/>
+          <p:nvPr/>
+        </p:nvCxnSpPr>
+        <p:spPr bwMode="auto">
+          <a:xfrm>
+            <a:off x="781050" y="16208679"/>
+            <a:ext cx="8240440" cy="0"/>
+          </a:xfrm>
+          <a:prstGeom prst="line">
+            <a:avLst/>
+          </a:prstGeom>
+          <a:solidFill>
+            <a:schemeClr val="accent1"/>
+          </a:solidFill>
+          <a:ln w="9525" cap="flat" cmpd="sng" algn="ctr">
+            <a:solidFill>
+              <a:schemeClr val="tx1"/>
+            </a:solidFill>
+            <a:prstDash val="solid"/>
+            <a:round/>
+            <a:headEnd type="none" w="med" len="med"/>
+            <a:tailEnd type="none" w="med" len="med"/>
+          </a:ln>
+          <a:effectLst/>
+        </p:spPr>
+      </p:cxnSp>
+      <p:cxnSp>
+        <p:nvCxnSpPr>
+          <p:cNvPr id="42" name="Straight Connector 41"/>
+          <p:cNvCxnSpPr/>
+          <p:nvPr/>
+        </p:nvCxnSpPr>
+        <p:spPr bwMode="auto">
+          <a:xfrm>
+            <a:off x="9021490" y="14236285"/>
+            <a:ext cx="6375180" cy="0"/>
+          </a:xfrm>
+          <a:prstGeom prst="line">
+            <a:avLst/>
+          </a:prstGeom>
+          <a:solidFill>
+            <a:schemeClr val="accent1"/>
+          </a:solidFill>
+          <a:ln w="9525" cap="flat" cmpd="sng" algn="ctr">
+            <a:solidFill>
+              <a:schemeClr val="tx1"/>
+            </a:solidFill>
+            <a:prstDash val="solid"/>
+            <a:round/>
+            <a:headEnd type="none" w="med" len="med"/>
+            <a:tailEnd type="none" w="med" len="med"/>
+          </a:ln>
+          <a:effectLst/>
+        </p:spPr>
+      </p:cxnSp>
+      <p:sp>
+        <p:nvSpPr>
+          <p:cNvPr id="43" name="TextBox 42"/>
           <p:cNvSpPr txBox="1"/>
           <p:nvPr/>
         </p:nvSpPr>
         <p:spPr>
           <a:xfrm>
-            <a:off x="28526505" y="10062060"/>
-            <a:ext cx="3567065" cy="461665"/>
+            <a:off x="5606215" y="12046174"/>
+            <a:ext cx="3138582" cy="400110"/>
           </a:xfrm>
           <a:prstGeom prst="rect">
             <a:avLst/>
@@ -7248,16 +7269,16 @@
           </a:bodyPr>
           <a:lstStyle/>
           <a:p>
-            <a:pPr algn="ctr"/>
-            <a:r>
-              <a:rPr lang="en-US" sz="2400" dirty="0" smtClean="0">
+            <a:pPr algn="just"/>
+            <a:r>
+              <a:rPr lang="en-US" sz="2000" dirty="0" smtClean="0">
                 <a:latin typeface="Segoe UI" pitchFamily="34" charset="0"/>
                 <a:ea typeface="Segoe UI" pitchFamily="34" charset="0"/>
                 <a:cs typeface="Segoe UI" pitchFamily="34" charset="0"/>
               </a:rPr>
-              <a:t>+1 minute</a:t>
-            </a:r>
-            <a:endParaRPr lang="en-US" sz="2400" dirty="0">
+              <a:t>Device description</a:t>
+            </a:r>
+            <a:endParaRPr lang="en-US" sz="2000" dirty="0">
               <a:latin typeface="Segoe UI" pitchFamily="34" charset="0"/>
               <a:ea typeface="Segoe UI" pitchFamily="34" charset="0"/>
               <a:cs typeface="Segoe UI" pitchFamily="34" charset="0"/>
@@ -7267,14 +7288,14 @@
       </p:sp>
       <p:sp>
         <p:nvSpPr>
-          <p:cNvPr id="40" name="TextBox 39"/>
+          <p:cNvPr id="51" name="TextBox 50"/>
           <p:cNvSpPr txBox="1"/>
           <p:nvPr/>
         </p:nvSpPr>
         <p:spPr>
           <a:xfrm>
-            <a:off x="28602400" y="13477335"/>
-            <a:ext cx="3567065" cy="461665"/>
+            <a:off x="9194160" y="12158163"/>
+            <a:ext cx="6354299" cy="400110"/>
           </a:xfrm>
           <a:prstGeom prst="rect">
             <a:avLst/>
@@ -7287,16 +7308,16 @@
           </a:bodyPr>
           <a:lstStyle/>
           <a:p>
-            <a:pPr algn="ctr"/>
-            <a:r>
-              <a:rPr lang="en-US" sz="2400" dirty="0" smtClean="0">
+            <a:pPr algn="just"/>
+            <a:r>
+              <a:rPr lang="en-US" sz="2000" dirty="0" smtClean="0">
                 <a:latin typeface="Segoe UI" pitchFamily="34" charset="0"/>
                 <a:ea typeface="Segoe UI" pitchFamily="34" charset="0"/>
                 <a:cs typeface="Segoe UI" pitchFamily="34" charset="0"/>
               </a:rPr>
-              <a:t>+3 minutes</a:t>
-            </a:r>
-            <a:endParaRPr lang="en-US" sz="2400" dirty="0">
+              <a:t>Bacteria description</a:t>
+            </a:r>
+            <a:endParaRPr lang="en-US" sz="2000" dirty="0">
               <a:latin typeface="Segoe UI" pitchFamily="34" charset="0"/>
               <a:ea typeface="Segoe UI" pitchFamily="34" charset="0"/>
               <a:cs typeface="Segoe UI" pitchFamily="34" charset="0"/>
@@ -7312,7 +7333,7 @@
   <p:timing>
     <p:tnLst>
       <p:par>
-        <p:cTn xmlns:p14="http://schemas.microsoft.com/office/powerpoint/2010/main" id="1" dur="indefinite" restart="never" nodeType="tmRoot"/>
+        <p:cTn id="1" dur="indefinite" restart="never" nodeType="tmRoot"/>
       </p:par>
     </p:tnLst>
   </p:timing>

--- a/poster/AerotaxisPoster.pptx
+++ b/poster/AerotaxisPoster.pptx
@@ -6703,11 +6703,6 @@
               </a:rPr>
               <a:t> from the Center for Environmental Microfluidics for providing an introduction, masks, devices, supplies, and guidance throughout this project. We’d also like to thank Professor Nagle for assisting greatly with analysis of our data and the use of the 20.309 lab space, as well as ordering parts and supplies for us, and the 20.109 staff for allowing us to use their lab for bacteria culturing.</a:t>
             </a:r>
-            <a:endParaRPr lang="en-US" sz="1400" dirty="0">
-              <a:latin typeface="Segoe UI" pitchFamily="34" charset="0"/>
-              <a:ea typeface="Segoe UI" pitchFamily="34" charset="0"/>
-              <a:cs typeface="Segoe UI" pitchFamily="34" charset="0"/>
-            </a:endParaRPr>
           </a:p>
         </p:txBody>
       </p:sp>
@@ -7838,11 +7833,7 @@
           <a:p>
             <a:r>
               <a:rPr lang="en-US" sz="1800" dirty="0" smtClean="0"/>
-              <a:t>Direction of bacterial movemen</a:t>
-            </a:r>
-            <a:r>
-              <a:rPr lang="en-US" sz="1800" dirty="0" smtClean="0"/>
-              <a:t>t in the center of the channel.</a:t>
+              <a:t>Direction of bacterial movement in the center of the channel.</a:t>
             </a:r>
             <a:endParaRPr lang="en-US" sz="1800" dirty="0"/>
           </a:p>
@@ -7934,7 +7925,39 @@
                 <a:ea typeface="Segoe UI" pitchFamily="34" charset="0"/>
                 <a:cs typeface="Segoe UI" pitchFamily="34" charset="0"/>
               </a:rPr>
-              <a:t>channel is 600 microns wide and 50 microns deep, with 200 microns of separation between each channel. Bacteria was injected into the center channel and allowed to settle before data collection began. Oxygen and nitrogen flows were directed down the outside channels. </a:t>
+              <a:t>channel is 600 microns wide and 50 microns deep, with 200 microns of separation between each channel. Bacteria </a:t>
+            </a:r>
+            <a:r>
+              <a:rPr lang="en-US" sz="2000" dirty="0" smtClean="0">
+                <a:latin typeface="Segoe UI" pitchFamily="34" charset="0"/>
+                <a:ea typeface="Segoe UI" pitchFamily="34" charset="0"/>
+                <a:cs typeface="Segoe UI" pitchFamily="34" charset="0"/>
+              </a:rPr>
+              <a:t>were injected </a:t>
+            </a:r>
+            <a:r>
+              <a:rPr lang="en-US" sz="2000" dirty="0">
+                <a:latin typeface="Segoe UI" pitchFamily="34" charset="0"/>
+                <a:ea typeface="Segoe UI" pitchFamily="34" charset="0"/>
+                <a:cs typeface="Segoe UI" pitchFamily="34" charset="0"/>
+              </a:rPr>
+              <a:t>into the center channel and allowed to settle before data collection began. Oxygen and nitrogen flows were directed </a:t>
+            </a:r>
+            <a:r>
+              <a:rPr lang="en-US" sz="2000" dirty="0" smtClean="0">
+                <a:latin typeface="Segoe UI" pitchFamily="34" charset="0"/>
+                <a:ea typeface="Segoe UI" pitchFamily="34" charset="0"/>
+                <a:cs typeface="Segoe UI" pitchFamily="34" charset="0"/>
+              </a:rPr>
+              <a:t>through the </a:t>
+            </a:r>
+            <a:r>
+              <a:rPr lang="en-US" sz="2000" dirty="0">
+                <a:latin typeface="Segoe UI" pitchFamily="34" charset="0"/>
+                <a:ea typeface="Segoe UI" pitchFamily="34" charset="0"/>
+                <a:cs typeface="Segoe UI" pitchFamily="34" charset="0"/>
+              </a:rPr>
+              <a:t>outside channels. </a:t>
             </a:r>
           </a:p>
         </p:txBody>

--- a/poster/AerotaxisPoster.pptx
+++ b/poster/AerotaxisPoster.pptx
@@ -231,7 +231,7 @@
               <a:pPr>
                 <a:defRPr/>
               </a:pPr>
-              <a:t>5/15/13</a:t>
+              <a:t>5/15/2013</a:t>
             </a:fld>
             <a:endParaRPr lang="en-US"/>
           </a:p>
@@ -580,7 +580,7 @@
             <a:tailEnd/>
           </a:ln>
           <a:extLst>
-            <a:ext uri="{909E8E84-426E-40dd-AFC4-6F175D3DCCD1}">
+            <a:ext uri="{909E8E84-426E-40DD-AFC4-6F175D3DCCD1}">
               <a14:hiddenFill xmlns:a14="http://schemas.microsoft.com/office/drawing/2010/main">
                 <a:solidFill>
                   <a:srgbClr val="FFFFFF"/>
@@ -603,14 +603,14 @@
         <p:spPr bwMode="auto">
           <a:noFill/>
           <a:extLst>
-            <a:ext uri="{909E8E84-426E-40dd-AFC4-6F175D3DCCD1}">
+            <a:ext uri="{909E8E84-426E-40DD-AFC4-6F175D3DCCD1}">
               <a14:hiddenFill xmlns:a14="http://schemas.microsoft.com/office/drawing/2010/main">
                 <a:solidFill>
                   <a:srgbClr val="FFFFFF"/>
                 </a:solidFill>
               </a14:hiddenFill>
             </a:ext>
-            <a:ext uri="{91240B29-F687-4f45-9708-019B960494DF}">
+            <a:ext uri="{91240B29-F687-4F45-9708-019B960494DF}">
               <a14:hiddenLine xmlns:a14="http://schemas.microsoft.com/office/drawing/2010/main" w="9525">
                 <a:solidFill>
                   <a:srgbClr val="000000"/>
@@ -652,14 +652,14 @@
         <p:spPr bwMode="auto">
           <a:noFill/>
           <a:extLst>
-            <a:ext uri="{909E8E84-426E-40dd-AFC4-6F175D3DCCD1}">
+            <a:ext uri="{909E8E84-426E-40DD-AFC4-6F175D3DCCD1}">
               <a14:hiddenFill xmlns:a14="http://schemas.microsoft.com/office/drawing/2010/main">
                 <a:solidFill>
                   <a:srgbClr val="FFFFFF"/>
                 </a:solidFill>
               </a14:hiddenFill>
             </a:ext>
-            <a:ext uri="{91240B29-F687-4f45-9708-019B960494DF}">
+            <a:ext uri="{91240B29-F687-4F45-9708-019B960494DF}">
               <a14:hiddenLine xmlns:a14="http://schemas.microsoft.com/office/drawing/2010/main" w="9525">
                 <a:solidFill>
                   <a:srgbClr val="000000"/>
@@ -3811,14 +3811,14 @@
             <a:noFill/>
           </a:ln>
           <a:extLst>
-            <a:ext uri="{909E8E84-426E-40dd-AFC4-6F175D3DCCD1}">
+            <a:ext uri="{909E8E84-426E-40DD-AFC4-6F175D3DCCD1}">
               <a14:hiddenFill xmlns:a14="http://schemas.microsoft.com/office/drawing/2010/main">
                 <a:solidFill>
                   <a:srgbClr val="FFFFFF"/>
                 </a:solidFill>
               </a14:hiddenFill>
             </a:ext>
-            <a:ext uri="{91240B29-F687-4f45-9708-019B960494DF}">
+            <a:ext uri="{91240B29-F687-4F45-9708-019B960494DF}">
               <a14:hiddenLine xmlns:a14="http://schemas.microsoft.com/office/drawing/2010/main" w="9525">
                 <a:solidFill>
                   <a:srgbClr val="000000"/>
@@ -3869,14 +3869,14 @@
             <a:noFill/>
           </a:ln>
           <a:extLst>
-            <a:ext uri="{909E8E84-426E-40dd-AFC4-6F175D3DCCD1}">
+            <a:ext uri="{909E8E84-426E-40DD-AFC4-6F175D3DCCD1}">
               <a14:hiddenFill xmlns:a14="http://schemas.microsoft.com/office/drawing/2010/main">
                 <a:solidFill>
                   <a:srgbClr val="FFFFFF"/>
                 </a:solidFill>
               </a14:hiddenFill>
             </a:ext>
-            <a:ext uri="{91240B29-F687-4f45-9708-019B960494DF}">
+            <a:ext uri="{91240B29-F687-4F45-9708-019B960494DF}">
               <a14:hiddenLine xmlns:a14="http://schemas.microsoft.com/office/drawing/2010/main" w="9525">
                 <a:solidFill>
                   <a:srgbClr val="000000"/>
@@ -4522,7 +4522,7 @@
         </p:blipFill>
         <p:spPr>
           <a:xfrm>
-            <a:off x="15927935" y="9075425"/>
+            <a:off x="16079725" y="9075425"/>
             <a:ext cx="8139357" cy="5084965"/>
           </a:xfrm>
           <a:prstGeom prst="rect">
@@ -4592,364 +4592,6 @@
       </p:pic>
       <p:sp>
         <p:nvSpPr>
-          <p:cNvPr id="2050" name="Text Box 10"/>
-          <p:cNvSpPr txBox="1">
-            <a:spLocks noChangeArrowheads="1"/>
-          </p:cNvSpPr>
-          <p:nvPr/>
-        </p:nvSpPr>
-        <p:spPr bwMode="auto">
-          <a:xfrm>
-            <a:off x="453119" y="223309"/>
-            <a:ext cx="31944129" cy="2569468"/>
-          </a:xfrm>
-          <a:prstGeom prst="rect">
-            <a:avLst/>
-          </a:prstGeom>
-          <a:noFill/>
-          <a:ln>
-            <a:noFill/>
-          </a:ln>
-          <a:extLst>
-            <a:ext uri="{909E8E84-426E-40dd-AFC4-6F175D3DCCD1}">
-              <a14:hiddenFill xmlns:a14="http://schemas.microsoft.com/office/drawing/2010/main">
-                <a:solidFill>
-                  <a:srgbClr val="FFFFFF"/>
-                </a:solidFill>
-              </a14:hiddenFill>
-            </a:ext>
-            <a:ext uri="{91240B29-F687-4f45-9708-019B960494DF}">
-              <a14:hiddenLine xmlns:a14="http://schemas.microsoft.com/office/drawing/2010/main" w="76200">
-                <a:solidFill>
-                  <a:srgbClr val="000000"/>
-                </a:solidFill>
-                <a:miter lim="800000"/>
-                <a:headEnd/>
-                <a:tailEnd/>
-              </a14:hiddenLine>
-            </a:ext>
-          </a:extLst>
-        </p:spPr>
-        <p:txBody>
-          <a:bodyPr lIns="313480" tIns="156741" rIns="313480" bIns="156741">
-            <a:spAutoFit/>
-          </a:bodyPr>
-          <a:lstStyle>
-            <a:lvl1pPr defTabSz="4076700" eaLnBrk="0" hangingPunct="0">
-              <a:defRPr sz="8000">
-                <a:solidFill>
-                  <a:schemeClr val="tx1"/>
-                </a:solidFill>
-                <a:latin typeface="Arial" charset="0"/>
-                <a:ea typeface="ＭＳ Ｐゴシック" charset="-128"/>
-              </a:defRPr>
-            </a:lvl1pPr>
-            <a:lvl2pPr marL="742950" indent="-285750" defTabSz="4076700" eaLnBrk="0" hangingPunct="0">
-              <a:defRPr sz="8000">
-                <a:solidFill>
-                  <a:schemeClr val="tx1"/>
-                </a:solidFill>
-                <a:latin typeface="Arial" charset="0"/>
-                <a:ea typeface="ＭＳ Ｐゴシック" charset="-128"/>
-              </a:defRPr>
-            </a:lvl2pPr>
-            <a:lvl3pPr marL="1143000" indent="-228600" defTabSz="4076700" eaLnBrk="0" hangingPunct="0">
-              <a:defRPr sz="8000">
-                <a:solidFill>
-                  <a:schemeClr val="tx1"/>
-                </a:solidFill>
-                <a:latin typeface="Arial" charset="0"/>
-                <a:ea typeface="ＭＳ Ｐゴシック" charset="-128"/>
-              </a:defRPr>
-            </a:lvl3pPr>
-            <a:lvl4pPr marL="1600200" indent="-228600" defTabSz="4076700" eaLnBrk="0" hangingPunct="0">
-              <a:defRPr sz="8000">
-                <a:solidFill>
-                  <a:schemeClr val="tx1"/>
-                </a:solidFill>
-                <a:latin typeface="Arial" charset="0"/>
-                <a:ea typeface="ＭＳ Ｐゴシック" charset="-128"/>
-              </a:defRPr>
-            </a:lvl4pPr>
-            <a:lvl5pPr marL="2057400" indent="-228600" defTabSz="4076700" eaLnBrk="0" hangingPunct="0">
-              <a:defRPr sz="8000">
-                <a:solidFill>
-                  <a:schemeClr val="tx1"/>
-                </a:solidFill>
-                <a:latin typeface="Arial" charset="0"/>
-                <a:ea typeface="ＭＳ Ｐゴシック" charset="-128"/>
-              </a:defRPr>
-            </a:lvl5pPr>
-            <a:lvl6pPr marL="2514600" indent="-228600" defTabSz="4076700" eaLnBrk="0" fontAlgn="base" hangingPunct="0">
-              <a:spcBef>
-                <a:spcPct val="0"/>
-              </a:spcBef>
-              <a:spcAft>
-                <a:spcPct val="0"/>
-              </a:spcAft>
-              <a:defRPr sz="8000">
-                <a:solidFill>
-                  <a:schemeClr val="tx1"/>
-                </a:solidFill>
-                <a:latin typeface="Arial" charset="0"/>
-                <a:ea typeface="ＭＳ Ｐゴシック" charset="-128"/>
-              </a:defRPr>
-            </a:lvl6pPr>
-            <a:lvl7pPr marL="2971800" indent="-228600" defTabSz="4076700" eaLnBrk="0" fontAlgn="base" hangingPunct="0">
-              <a:spcBef>
-                <a:spcPct val="0"/>
-              </a:spcBef>
-              <a:spcAft>
-                <a:spcPct val="0"/>
-              </a:spcAft>
-              <a:defRPr sz="8000">
-                <a:solidFill>
-                  <a:schemeClr val="tx1"/>
-                </a:solidFill>
-                <a:latin typeface="Arial" charset="0"/>
-                <a:ea typeface="ＭＳ Ｐゴシック" charset="-128"/>
-              </a:defRPr>
-            </a:lvl7pPr>
-            <a:lvl8pPr marL="3429000" indent="-228600" defTabSz="4076700" eaLnBrk="0" fontAlgn="base" hangingPunct="0">
-              <a:spcBef>
-                <a:spcPct val="0"/>
-              </a:spcBef>
-              <a:spcAft>
-                <a:spcPct val="0"/>
-              </a:spcAft>
-              <a:defRPr sz="8000">
-                <a:solidFill>
-                  <a:schemeClr val="tx1"/>
-                </a:solidFill>
-                <a:latin typeface="Arial" charset="0"/>
-                <a:ea typeface="ＭＳ Ｐゴシック" charset="-128"/>
-              </a:defRPr>
-            </a:lvl8pPr>
-            <a:lvl9pPr marL="3886200" indent="-228600" defTabSz="4076700" eaLnBrk="0" fontAlgn="base" hangingPunct="0">
-              <a:spcBef>
-                <a:spcPct val="0"/>
-              </a:spcBef>
-              <a:spcAft>
-                <a:spcPct val="0"/>
-              </a:spcAft>
-              <a:defRPr sz="8000">
-                <a:solidFill>
-                  <a:schemeClr val="tx1"/>
-                </a:solidFill>
-                <a:latin typeface="Arial" charset="0"/>
-                <a:ea typeface="ＭＳ Ｐゴシック" charset="-128"/>
-              </a:defRPr>
-            </a:lvl9pPr>
-          </a:lstStyle>
-          <a:p>
-            <a:pPr algn="ctr" eaLnBrk="1" hangingPunct="1">
-              <a:spcBef>
-                <a:spcPct val="50000"/>
-              </a:spcBef>
-            </a:pPr>
-            <a:r>
-              <a:rPr lang="en-US" sz="7100" b="1" dirty="0" err="1" smtClean="0">
-                <a:solidFill>
-                  <a:srgbClr val="A50021"/>
-                </a:solidFill>
-                <a:latin typeface="Segoe UI" pitchFamily="34" charset="0"/>
-                <a:ea typeface="Segoe UI" pitchFamily="34" charset="0"/>
-                <a:cs typeface="Segoe UI" pitchFamily="34" charset="0"/>
-              </a:rPr>
-              <a:t>Aerotactic</a:t>
-            </a:r>
-            <a:r>
-              <a:rPr lang="en-US" sz="7100" b="1" dirty="0" smtClean="0">
-                <a:solidFill>
-                  <a:srgbClr val="A50021"/>
-                </a:solidFill>
-                <a:latin typeface="Segoe UI" pitchFamily="34" charset="0"/>
-                <a:ea typeface="Segoe UI" pitchFamily="34" charset="0"/>
-                <a:cs typeface="Segoe UI" pitchFamily="34" charset="0"/>
-              </a:rPr>
-              <a:t> Behavior </a:t>
-            </a:r>
-            <a:r>
-              <a:rPr lang="en-US" sz="7100" b="1" dirty="0">
-                <a:solidFill>
-                  <a:srgbClr val="A50021"/>
-                </a:solidFill>
-                <a:latin typeface="Segoe UI" pitchFamily="34" charset="0"/>
-                <a:ea typeface="Segoe UI" pitchFamily="34" charset="0"/>
-                <a:cs typeface="Segoe UI" pitchFamily="34" charset="0"/>
-              </a:rPr>
-              <a:t>in </a:t>
-            </a:r>
-            <a:r>
-              <a:rPr lang="en-US" sz="7100" b="1" i="1" dirty="0">
-                <a:solidFill>
-                  <a:srgbClr val="A50021"/>
-                </a:solidFill>
-                <a:latin typeface="Segoe UI" pitchFamily="34" charset="0"/>
-                <a:ea typeface="Segoe UI" pitchFamily="34" charset="0"/>
-                <a:cs typeface="Segoe UI" pitchFamily="34" charset="0"/>
-              </a:rPr>
-              <a:t>B. </a:t>
-            </a:r>
-            <a:r>
-              <a:rPr lang="en-US" sz="7100" b="1" i="1" dirty="0" err="1">
-                <a:solidFill>
-                  <a:srgbClr val="A50021"/>
-                </a:solidFill>
-                <a:latin typeface="Segoe UI" pitchFamily="34" charset="0"/>
-                <a:ea typeface="Segoe UI" pitchFamily="34" charset="0"/>
-                <a:cs typeface="Segoe UI" pitchFamily="34" charset="0"/>
-              </a:rPr>
-              <a:t>subtilis</a:t>
-            </a:r>
-            <a:endParaRPr lang="en-US" sz="7100" b="1" i="1" dirty="0">
-              <a:solidFill>
-                <a:srgbClr val="A50021"/>
-              </a:solidFill>
-              <a:latin typeface="Segoe UI" pitchFamily="34" charset="0"/>
-              <a:ea typeface="Segoe UI" pitchFamily="34" charset="0"/>
-              <a:cs typeface="Segoe UI" pitchFamily="34" charset="0"/>
-            </a:endParaRPr>
-          </a:p>
-          <a:p>
-            <a:pPr algn="ctr" eaLnBrk="1" hangingPunct="1">
-              <a:lnSpc>
-                <a:spcPct val="50000"/>
-              </a:lnSpc>
-              <a:spcBef>
-                <a:spcPct val="50000"/>
-              </a:spcBef>
-              <a:spcAft>
-                <a:spcPct val="20000"/>
-              </a:spcAft>
-            </a:pPr>
-            <a:r>
-              <a:rPr lang="en-US" sz="3400" b="1" dirty="0" err="1">
-                <a:latin typeface="Segoe UI" pitchFamily="34" charset="0"/>
-                <a:ea typeface="Segoe UI" pitchFamily="34" charset="0"/>
-                <a:cs typeface="Segoe UI" pitchFamily="34" charset="0"/>
-              </a:rPr>
-              <a:t>Kiarash</a:t>
-            </a:r>
-            <a:r>
-              <a:rPr lang="en-US" sz="3400" b="1" dirty="0">
-                <a:latin typeface="Segoe UI" pitchFamily="34" charset="0"/>
-                <a:ea typeface="Segoe UI" pitchFamily="34" charset="0"/>
-                <a:cs typeface="Segoe UI" pitchFamily="34" charset="0"/>
-              </a:rPr>
-              <a:t> </a:t>
-            </a:r>
-            <a:r>
-              <a:rPr lang="en-US" sz="3400" b="1" dirty="0" err="1">
-                <a:latin typeface="Segoe UI" pitchFamily="34" charset="0"/>
-                <a:ea typeface="Segoe UI" pitchFamily="34" charset="0"/>
-                <a:cs typeface="Segoe UI" pitchFamily="34" charset="0"/>
-              </a:rPr>
-              <a:t>Adl</a:t>
-            </a:r>
-            <a:r>
-              <a:rPr lang="en-US" sz="3400" b="1" dirty="0">
-                <a:latin typeface="Segoe UI" pitchFamily="34" charset="0"/>
-                <a:ea typeface="Segoe UI" pitchFamily="34" charset="0"/>
-                <a:cs typeface="Segoe UI" pitchFamily="34" charset="0"/>
-              </a:rPr>
-              <a:t>, Brian </a:t>
-            </a:r>
-            <a:r>
-              <a:rPr lang="en-US" sz="3400" b="1" dirty="0" err="1">
-                <a:latin typeface="Segoe UI" pitchFamily="34" charset="0"/>
-                <a:ea typeface="Segoe UI" pitchFamily="34" charset="0"/>
-                <a:cs typeface="Segoe UI" pitchFamily="34" charset="0"/>
-              </a:rPr>
-              <a:t>Djaja</a:t>
-            </a:r>
-            <a:r>
-              <a:rPr lang="en-US" sz="3400" b="1" dirty="0" smtClean="0">
-                <a:latin typeface="Segoe UI" pitchFamily="34" charset="0"/>
-                <a:ea typeface="Segoe UI" pitchFamily="34" charset="0"/>
-                <a:cs typeface="Segoe UI" pitchFamily="34" charset="0"/>
-              </a:rPr>
-              <a:t>, Katarina </a:t>
-            </a:r>
-            <a:r>
-              <a:rPr lang="en-US" sz="3400" b="1" dirty="0" err="1" smtClean="0">
-                <a:latin typeface="Segoe UI" pitchFamily="34" charset="0"/>
-                <a:ea typeface="Segoe UI" pitchFamily="34" charset="0"/>
-                <a:cs typeface="Segoe UI" pitchFamily="34" charset="0"/>
-              </a:rPr>
-              <a:t>Struckmann</a:t>
-            </a:r>
-            <a:r>
-              <a:rPr lang="en-US" sz="3400" b="1" dirty="0" smtClean="0">
-                <a:latin typeface="Segoe UI" pitchFamily="34" charset="0"/>
-                <a:ea typeface="Segoe UI" pitchFamily="34" charset="0"/>
-                <a:cs typeface="Segoe UI" pitchFamily="34" charset="0"/>
-              </a:rPr>
-              <a:t>, Logan Williams, </a:t>
-            </a:r>
-            <a:r>
-              <a:rPr lang="en-US" sz="3400" b="1" dirty="0" err="1" smtClean="0">
-                <a:latin typeface="Segoe UI" pitchFamily="34" charset="0"/>
-                <a:ea typeface="Segoe UI" pitchFamily="34" charset="0"/>
-                <a:cs typeface="Segoe UI" pitchFamily="34" charset="0"/>
-              </a:rPr>
-              <a:t>Filippo</a:t>
-            </a:r>
-            <a:r>
-              <a:rPr lang="en-US" sz="3400" b="1" dirty="0" smtClean="0">
-                <a:latin typeface="Segoe UI" pitchFamily="34" charset="0"/>
-                <a:ea typeface="Segoe UI" pitchFamily="34" charset="0"/>
-                <a:cs typeface="Segoe UI" pitchFamily="34" charset="0"/>
-              </a:rPr>
-              <a:t> </a:t>
-            </a:r>
-            <a:r>
-              <a:rPr lang="en-US" sz="3400" b="1" dirty="0" err="1" smtClean="0">
-                <a:latin typeface="Segoe UI" pitchFamily="34" charset="0"/>
-                <a:ea typeface="Segoe UI" pitchFamily="34" charset="0"/>
-                <a:cs typeface="Segoe UI" pitchFamily="34" charset="0"/>
-              </a:rPr>
-              <a:t>Menolascina</a:t>
-            </a:r>
-            <a:r>
-              <a:rPr lang="en-US" sz="3400" b="1" dirty="0" smtClean="0">
-                <a:latin typeface="Segoe UI" pitchFamily="34" charset="0"/>
-                <a:ea typeface="Segoe UI" pitchFamily="34" charset="0"/>
-                <a:cs typeface="Segoe UI" pitchFamily="34" charset="0"/>
-              </a:rPr>
-              <a:t>, Steven Nagle</a:t>
-            </a:r>
-            <a:endParaRPr lang="en-US" sz="3400" b="1" dirty="0">
-              <a:latin typeface="Segoe UI" pitchFamily="34" charset="0"/>
-              <a:ea typeface="Segoe UI" pitchFamily="34" charset="0"/>
-              <a:cs typeface="Segoe UI" pitchFamily="34" charset="0"/>
-            </a:endParaRPr>
-          </a:p>
-          <a:p>
-            <a:pPr algn="ctr" eaLnBrk="1" hangingPunct="1">
-              <a:lnSpc>
-                <a:spcPct val="50000"/>
-              </a:lnSpc>
-              <a:spcBef>
-                <a:spcPct val="50000"/>
-              </a:spcBef>
-              <a:spcAft>
-                <a:spcPct val="50000"/>
-              </a:spcAft>
-            </a:pPr>
-            <a:r>
-              <a:rPr lang="en-US" sz="3100" dirty="0">
-                <a:latin typeface="Segoe UI" pitchFamily="34" charset="0"/>
-                <a:ea typeface="Segoe UI" pitchFamily="34" charset="0"/>
-                <a:cs typeface="Segoe UI" pitchFamily="34" charset="0"/>
-              </a:rPr>
-              <a:t>20.345 Bioinstrumentation Project Lab</a:t>
-            </a:r>
-          </a:p>
-        </p:txBody>
-      </p:sp>
-      <p:sp>
-        <p:nvSpPr>
           <p:cNvPr id="14339" name="Text Box 11"/>
           <p:cNvSpPr txBox="1">
             <a:spLocks noChangeArrowheads="1"/>
@@ -4969,14 +4611,14 @@
             <a:noFill/>
           </a:ln>
           <a:extLst>
-            <a:ext uri="{909E8E84-426E-40dd-AFC4-6F175D3DCCD1}">
+            <a:ext uri="{909E8E84-426E-40DD-AFC4-6F175D3DCCD1}">
               <a14:hiddenFill xmlns:a14="http://schemas.microsoft.com/office/drawing/2010/main">
                 <a:solidFill>
                   <a:srgbClr val="FFFFFF"/>
                 </a:solidFill>
               </a14:hiddenFill>
             </a:ext>
-            <a:ext uri="{91240B29-F687-4f45-9708-019B960494DF}">
+            <a:ext uri="{91240B29-F687-4F45-9708-019B960494DF}">
               <a14:hiddenLine xmlns:a14="http://schemas.microsoft.com/office/drawing/2010/main" w="12700">
                 <a:solidFill>
                   <a:srgbClr val="000000"/>
@@ -5107,39 +4749,7 @@
                 <a:ea typeface="Segoe UI" pitchFamily="34" charset="0"/>
                 <a:cs typeface="Segoe UI" pitchFamily="34" charset="0"/>
               </a:rPr>
-              <a:t>Bacterial movement is influenced by environmental gradients on all levels of scale. While significant effort has been made to understand responses to chemical gradients, or chemotactic responses, less literature exists characterizing responses to gas gradients, or </a:t>
-            </a:r>
-            <a:r>
-              <a:rPr lang="en-US" sz="2400" dirty="0" err="1">
-                <a:latin typeface="Segoe UI" pitchFamily="34" charset="0"/>
-                <a:ea typeface="Segoe UI" pitchFamily="34" charset="0"/>
-                <a:cs typeface="Segoe UI" pitchFamily="34" charset="0"/>
-              </a:rPr>
-              <a:t>aerotactic</a:t>
-            </a:r>
-            <a:r>
-              <a:rPr lang="en-US" sz="2400" dirty="0">
-                <a:latin typeface="Segoe UI" pitchFamily="34" charset="0"/>
-                <a:ea typeface="Segoe UI" pitchFamily="34" charset="0"/>
-                <a:cs typeface="Segoe UI" pitchFamily="34" charset="0"/>
-              </a:rPr>
-              <a:t> responses. We have developed an apparatus for characterizing </a:t>
-            </a:r>
-            <a:r>
-              <a:rPr lang="en-US" sz="2400" dirty="0" err="1">
-                <a:latin typeface="Segoe UI" pitchFamily="34" charset="0"/>
-                <a:ea typeface="Segoe UI" pitchFamily="34" charset="0"/>
-                <a:cs typeface="Segoe UI" pitchFamily="34" charset="0"/>
-              </a:rPr>
-              <a:t>aerotactic</a:t>
-            </a:r>
-            <a:r>
-              <a:rPr lang="en-US" sz="2400" dirty="0">
-                <a:latin typeface="Segoe UI" pitchFamily="34" charset="0"/>
-                <a:ea typeface="Segoe UI" pitchFamily="34" charset="0"/>
-                <a:cs typeface="Segoe UI" pitchFamily="34" charset="0"/>
-              </a:rPr>
-              <a:t> bacterial motion, based on three microfluidic channels, fabricated from PDMS. We have shown as a proof of concept that the response of </a:t>
+              <a:t>Bacterial movement is influenced by environmental gradients on all levels of scale. While significant effort has been made to understand responses to chemical gradients, or chemotactic responses, less literature exists characterizing responses to gas gradients, or aerotactic responses. We have developed an apparatus for characterizing aerotactic bacterial motion, based on three microfluidic channels, fabricated from PDMS. We have shown as a proof of concept that the response of </a:t>
             </a:r>
             <a:r>
               <a:rPr lang="en-US" sz="2400" i="1" dirty="0">
@@ -5147,23 +4757,7 @@
                 <a:ea typeface="Segoe UI" pitchFamily="34" charset="0"/>
                 <a:cs typeface="Segoe UI" pitchFamily="34" charset="0"/>
               </a:rPr>
-              <a:t>B. </a:t>
-            </a:r>
-            <a:r>
-              <a:rPr lang="en-US" sz="2400" i="1" dirty="0" err="1">
-                <a:latin typeface="Segoe UI" pitchFamily="34" charset="0"/>
-                <a:ea typeface="Segoe UI" pitchFamily="34" charset="0"/>
-                <a:cs typeface="Segoe UI" pitchFamily="34" charset="0"/>
-              </a:rPr>
-              <a:t>subtilis</a:t>
-            </a:r>
-            <a:r>
-              <a:rPr lang="en-US" sz="2400" i="1" dirty="0">
-                <a:latin typeface="Segoe UI" pitchFamily="34" charset="0"/>
-                <a:ea typeface="Segoe UI" pitchFamily="34" charset="0"/>
-                <a:cs typeface="Segoe UI" pitchFamily="34" charset="0"/>
-              </a:rPr>
-              <a:t> </a:t>
+              <a:t>B. subtilis </a:t>
             </a:r>
             <a:r>
               <a:rPr lang="en-US" sz="2400" dirty="0">
@@ -5259,14 +4853,14 @@
             <a:noFill/>
           </a:ln>
           <a:extLst>
-            <a:ext uri="{909E8E84-426E-40dd-AFC4-6F175D3DCCD1}">
+            <a:ext uri="{909E8E84-426E-40DD-AFC4-6F175D3DCCD1}">
               <a14:hiddenFill xmlns:a14="http://schemas.microsoft.com/office/drawing/2010/main">
                 <a:solidFill>
                   <a:srgbClr val="FFFFFF"/>
                 </a:solidFill>
               </a14:hiddenFill>
             </a:ext>
-            <a:ext uri="{91240B29-F687-4f45-9708-019B960494DF}">
+            <a:ext uri="{91240B29-F687-4F45-9708-019B960494DF}">
               <a14:hiddenLine xmlns:a14="http://schemas.microsoft.com/office/drawing/2010/main" w="9525">
                 <a:solidFill>
                   <a:srgbClr val="000000"/>
@@ -5313,14 +4907,14 @@
             <a:noFill/>
           </a:ln>
           <a:extLst>
-            <a:ext uri="{909E8E84-426E-40dd-AFC4-6F175D3DCCD1}">
+            <a:ext uri="{909E8E84-426E-40DD-AFC4-6F175D3DCCD1}">
               <a14:hiddenFill xmlns:a14="http://schemas.microsoft.com/office/drawing/2010/main">
                 <a:solidFill>
                   <a:srgbClr val="FFFFFF"/>
                 </a:solidFill>
               </a14:hiddenFill>
             </a:ext>
-            <a:ext uri="{91240B29-F687-4f45-9708-019B960494DF}">
+            <a:ext uri="{91240B29-F687-4F45-9708-019B960494DF}">
               <a14:hiddenLine xmlns:a14="http://schemas.microsoft.com/office/drawing/2010/main" w="9525">
                 <a:solidFill>
                   <a:srgbClr val="000000"/>
@@ -5382,7 +4976,7 @@
           <a:p>
             <a:pPr algn="ctr" defTabSz="3135672"/>
             <a:r>
-              <a:rPr lang="en-US" sz="3100" b="1" dirty="0" err="1">
+              <a:rPr lang="en-US" sz="3100" b="1" dirty="0">
                 <a:solidFill>
                   <a:schemeClr val="bg1"/>
                 </a:solidFill>
@@ -5392,14 +4986,6 @@
               </a:rPr>
               <a:t>Aerotaxis</a:t>
             </a:r>
-            <a:endParaRPr lang="en-US" sz="3100" b="1" dirty="0">
-              <a:solidFill>
-                <a:schemeClr val="bg1"/>
-              </a:solidFill>
-              <a:latin typeface="Segoe UI" pitchFamily="34" charset="0"/>
-              <a:ea typeface="Segoe UI" pitchFamily="34" charset="0"/>
-              <a:cs typeface="Segoe UI" pitchFamily="34" charset="0"/>
-            </a:endParaRPr>
           </a:p>
         </p:txBody>
       </p:sp>
@@ -5424,14 +5010,14 @@
             <a:noFill/>
           </a:ln>
           <a:extLst>
-            <a:ext uri="{909E8E84-426E-40dd-AFC4-6F175D3DCCD1}">
+            <a:ext uri="{909E8E84-426E-40DD-AFC4-6F175D3DCCD1}">
               <a14:hiddenFill xmlns:a14="http://schemas.microsoft.com/office/drawing/2010/main">
                 <a:solidFill>
                   <a:srgbClr val="FFFFFF"/>
                 </a:solidFill>
               </a14:hiddenFill>
             </a:ext>
-            <a:ext uri="{91240B29-F687-4f45-9708-019B960494DF}">
+            <a:ext uri="{91240B29-F687-4F45-9708-019B960494DF}">
               <a14:hiddenLine xmlns:a14="http://schemas.microsoft.com/office/drawing/2010/main" w="9525">
                 <a:solidFill>
                   <a:srgbClr val="000000"/>
@@ -5690,14 +5276,14 @@
             <a:noFill/>
           </a:ln>
           <a:extLst>
-            <a:ext uri="{909E8E84-426E-40dd-AFC4-6F175D3DCCD1}">
+            <a:ext uri="{909E8E84-426E-40DD-AFC4-6F175D3DCCD1}">
               <a14:hiddenFill xmlns:a14="http://schemas.microsoft.com/office/drawing/2010/main">
                 <a:solidFill>
                   <a:srgbClr val="FFFFFF"/>
                 </a:solidFill>
               </a14:hiddenFill>
             </a:ext>
-            <a:ext uri="{91240B29-F687-4f45-9708-019B960494DF}">
+            <a:ext uri="{91240B29-F687-4F45-9708-019B960494DF}">
               <a14:hiddenLine xmlns:a14="http://schemas.microsoft.com/office/drawing/2010/main" w="12700">
                 <a:solidFill>
                   <a:srgbClr val="000000"/>
@@ -5832,23 +5418,7 @@
                 <a:ea typeface="Segoe UI" pitchFamily="34" charset="0"/>
                 <a:cs typeface="Segoe UI" pitchFamily="34" charset="0"/>
               </a:rPr>
-              <a:t>The movement of bacteria in response to a gas gradient, </a:t>
-            </a:r>
-            <a:r>
-              <a:rPr lang="en-US" sz="2400" dirty="0" err="1">
-                <a:latin typeface="Segoe UI" pitchFamily="34" charset="0"/>
-                <a:ea typeface="Segoe UI" pitchFamily="34" charset="0"/>
-                <a:cs typeface="Segoe UI" pitchFamily="34" charset="0"/>
-              </a:rPr>
-              <a:t>aerotaxis</a:t>
-            </a:r>
-            <a:r>
-              <a:rPr lang="en-US" sz="2400" dirty="0">
-                <a:latin typeface="Segoe UI" pitchFamily="34" charset="0"/>
-                <a:ea typeface="Segoe UI" pitchFamily="34" charset="0"/>
-                <a:cs typeface="Segoe UI" pitchFamily="34" charset="0"/>
-              </a:rPr>
-              <a:t>, is a field that has emerged within the past 10 </a:t>
+              <a:t>The movement of bacteria in response to a gas gradient, aerotaxis, is a field that has emerged within the past 10 </a:t>
             </a:r>
             <a:r>
               <a:rPr lang="en-US" sz="2400" dirty="0" smtClean="0">
@@ -5872,15 +5442,15 @@
                 <a:ea typeface="Segoe UI" pitchFamily="34" charset="0"/>
                 <a:cs typeface="Segoe UI" pitchFamily="34" charset="0"/>
               </a:rPr>
-              <a:t>; as such, it has not been studied to the extent of </a:t>
-            </a:r>
-            <a:r>
-              <a:rPr lang="en-US" sz="2400" dirty="0" err="1" smtClean="0">
-                <a:latin typeface="Segoe UI" pitchFamily="34" charset="0"/>
-                <a:ea typeface="Segoe UI" pitchFamily="34" charset="0"/>
-                <a:cs typeface="Segoe UI" pitchFamily="34" charset="0"/>
-              </a:rPr>
-              <a:t>chemotaxis</a:t>
+              <a:t>; as such, it has not been studied to the extent of chemotaxis, the movement of bacteria in response to a chemical gradient. While models of chemotactic movement exist</a:t>
+            </a:r>
+            <a:r>
+              <a:rPr lang="en-US" sz="2400" baseline="30000" dirty="0" smtClean="0">
+                <a:latin typeface="Segoe UI" pitchFamily="34" charset="0"/>
+                <a:ea typeface="Segoe UI" pitchFamily="34" charset="0"/>
+                <a:cs typeface="Segoe UI" pitchFamily="34" charset="0"/>
+              </a:rPr>
+              <a:t>2,3</a:t>
             </a:r>
             <a:r>
               <a:rPr lang="en-US" sz="2400" dirty="0" smtClean="0">
@@ -5888,39 +5458,7 @@
                 <a:ea typeface="Segoe UI" pitchFamily="34" charset="0"/>
                 <a:cs typeface="Segoe UI" pitchFamily="34" charset="0"/>
               </a:rPr>
-              <a:t>, the movement of bacteria in response to a chemical gradient. While models of chemotactic movement exist</a:t>
-            </a:r>
-            <a:r>
-              <a:rPr lang="en-US" sz="2400" baseline="30000" dirty="0" smtClean="0">
-                <a:latin typeface="Segoe UI" pitchFamily="34" charset="0"/>
-                <a:ea typeface="Segoe UI" pitchFamily="34" charset="0"/>
-                <a:cs typeface="Segoe UI" pitchFamily="34" charset="0"/>
-              </a:rPr>
-              <a:t>2,3</a:t>
-            </a:r>
-            <a:r>
-              <a:rPr lang="en-US" sz="2400" dirty="0" smtClean="0">
-                <a:latin typeface="Segoe UI" pitchFamily="34" charset="0"/>
-                <a:ea typeface="Segoe UI" pitchFamily="34" charset="0"/>
-                <a:cs typeface="Segoe UI" pitchFamily="34" charset="0"/>
-              </a:rPr>
-              <a:t>, definitive models for </a:t>
-            </a:r>
-            <a:r>
-              <a:rPr lang="en-US" sz="2400" dirty="0" err="1" smtClean="0">
-                <a:latin typeface="Segoe UI" pitchFamily="34" charset="0"/>
-                <a:ea typeface="Segoe UI" pitchFamily="34" charset="0"/>
-                <a:cs typeface="Segoe UI" pitchFamily="34" charset="0"/>
-              </a:rPr>
-              <a:t>aerotaxis</a:t>
-            </a:r>
-            <a:r>
-              <a:rPr lang="en-US" sz="2400" dirty="0" smtClean="0">
-                <a:latin typeface="Segoe UI" pitchFamily="34" charset="0"/>
-                <a:ea typeface="Segoe UI" pitchFamily="34" charset="0"/>
-                <a:cs typeface="Segoe UI" pitchFamily="34" charset="0"/>
-              </a:rPr>
-              <a:t> have not yet been developed.</a:t>
+              <a:t>, definitive models for aerotaxis have not yet been developed.</a:t>
             </a:r>
           </a:p>
           <a:p>
@@ -5930,20 +5468,12 @@
               </a:spcBef>
             </a:pPr>
             <a:r>
-              <a:rPr lang="en-US" sz="2400" dirty="0" err="1">
-                <a:latin typeface="Segoe UI" pitchFamily="34" charset="0"/>
-                <a:ea typeface="Segoe UI" pitchFamily="34" charset="0"/>
-                <a:cs typeface="Segoe UI" pitchFamily="34" charset="0"/>
-              </a:rPr>
-              <a:t>Aerotaxis</a:t>
-            </a:r>
-            <a:r>
               <a:rPr lang="en-US" sz="2400" dirty="0">
                 <a:latin typeface="Segoe UI" pitchFamily="34" charset="0"/>
                 <a:ea typeface="Segoe UI" pitchFamily="34" charset="0"/>
                 <a:cs typeface="Segoe UI" pitchFamily="34" charset="0"/>
               </a:rPr>
-              <a:t> has a broad range of </a:t>
+              <a:t>Aerotaxis has a broad range of </a:t>
             </a:r>
             <a:r>
               <a:rPr lang="en-US" sz="2400" dirty="0" smtClean="0">
@@ -5959,23 +5489,7 @@
                 <a:ea typeface="Segoe UI" pitchFamily="34" charset="0"/>
                 <a:cs typeface="Segoe UI" pitchFamily="34" charset="0"/>
               </a:rPr>
-              <a:t>the signaling proteins utilized in for </a:t>
-            </a:r>
-            <a:r>
-              <a:rPr lang="en-US" sz="2400" dirty="0" err="1">
-                <a:latin typeface="Segoe UI" pitchFamily="34" charset="0"/>
-                <a:ea typeface="Segoe UI" pitchFamily="34" charset="0"/>
-                <a:cs typeface="Segoe UI" pitchFamily="34" charset="0"/>
-              </a:rPr>
-              <a:t>aerotactic</a:t>
-            </a:r>
-            <a:r>
-              <a:rPr lang="en-US" sz="2400" dirty="0">
-                <a:latin typeface="Segoe UI" pitchFamily="34" charset="0"/>
-                <a:ea typeface="Segoe UI" pitchFamily="34" charset="0"/>
-                <a:cs typeface="Segoe UI" pitchFamily="34" charset="0"/>
-              </a:rPr>
-              <a:t> responses in bacteria can be potentially engineered for turning on gene expression in the presence of a certain oxygen concentration, or lack thereof</a:t>
+              <a:t>the signaling proteins utilized in for aerotactic responses in bacteria can be potentially engineered for turning on gene expression in the presence of a certain oxygen concentration, or lack thereof</a:t>
             </a:r>
             <a:r>
               <a:rPr lang="en-US" sz="2400" dirty="0" smtClean="0">
@@ -5983,23 +5497,7 @@
                 <a:ea typeface="Segoe UI" pitchFamily="34" charset="0"/>
                 <a:cs typeface="Segoe UI" pitchFamily="34" charset="0"/>
               </a:rPr>
-              <a:t>. A definitive model for </a:t>
-            </a:r>
-            <a:r>
-              <a:rPr lang="en-US" sz="2400" dirty="0" err="1" smtClean="0">
-                <a:latin typeface="Segoe UI" pitchFamily="34" charset="0"/>
-                <a:ea typeface="Segoe UI" pitchFamily="34" charset="0"/>
-                <a:cs typeface="Segoe UI" pitchFamily="34" charset="0"/>
-              </a:rPr>
-              <a:t>aerotactic</a:t>
-            </a:r>
-            <a:r>
-              <a:rPr lang="en-US" sz="2400" dirty="0" smtClean="0">
-                <a:latin typeface="Segoe UI" pitchFamily="34" charset="0"/>
-                <a:ea typeface="Segoe UI" pitchFamily="34" charset="0"/>
-                <a:cs typeface="Segoe UI" pitchFamily="34" charset="0"/>
-              </a:rPr>
-              <a:t> behavior is the key to unlocking these applications.</a:t>
+              <a:t>. A definitive model for aerotactic behavior is the key to unlocking these applications.</a:t>
             </a:r>
             <a:endParaRPr lang="en-US" sz="2400" dirty="0">
               <a:latin typeface="Segoe UI" pitchFamily="34" charset="0"/>
@@ -6030,14 +5528,14 @@
             <a:noFill/>
           </a:ln>
           <a:extLst>
-            <a:ext uri="{909E8E84-426E-40dd-AFC4-6F175D3DCCD1}">
+            <a:ext uri="{909E8E84-426E-40DD-AFC4-6F175D3DCCD1}">
               <a14:hiddenFill xmlns:a14="http://schemas.microsoft.com/office/drawing/2010/main">
                 <a:solidFill>
                   <a:srgbClr val="FFFFFF"/>
                 </a:solidFill>
               </a14:hiddenFill>
             </a:ext>
-            <a:ext uri="{91240B29-F687-4f45-9708-019B960494DF}">
+            <a:ext uri="{91240B29-F687-4F45-9708-019B960494DF}">
               <a14:hiddenLine xmlns:a14="http://schemas.microsoft.com/office/drawing/2010/main" w="12700">
                 <a:solidFill>
                   <a:srgbClr val="000000"/>
@@ -6172,7 +5670,71 @@
                 <a:ea typeface="Segoe UI" pitchFamily="34" charset="0"/>
                 <a:cs typeface="Segoe UI" pitchFamily="34" charset="0"/>
               </a:rPr>
-              <a:t>While B. cereus does not respond to </a:t>
+              <a:t>While </a:t>
+            </a:r>
+            <a:r>
+              <a:rPr lang="en-US" sz="2400" i="1" dirty="0">
+                <a:latin typeface="Segoe UI" pitchFamily="34" charset="0"/>
+                <a:ea typeface="Segoe UI" pitchFamily="34" charset="0"/>
+                <a:cs typeface="Segoe UI" pitchFamily="34" charset="0"/>
+              </a:rPr>
+              <a:t>B. cereus </a:t>
+            </a:r>
+            <a:r>
+              <a:rPr lang="en-US" sz="2400" dirty="0">
+                <a:latin typeface="Segoe UI" pitchFamily="34" charset="0"/>
+                <a:ea typeface="Segoe UI" pitchFamily="34" charset="0"/>
+                <a:cs typeface="Segoe UI" pitchFamily="34" charset="0"/>
+              </a:rPr>
+              <a:t>does not respond to aerotaxis, </a:t>
+            </a:r>
+            <a:r>
+              <a:rPr lang="en-US" sz="2400" i="1" dirty="0">
+                <a:latin typeface="Segoe UI" pitchFamily="34" charset="0"/>
+                <a:ea typeface="Segoe UI" pitchFamily="34" charset="0"/>
+                <a:cs typeface="Segoe UI" pitchFamily="34" charset="0"/>
+              </a:rPr>
+              <a:t>B. subtilis </a:t>
+            </a:r>
+            <a:r>
+              <a:rPr lang="en-US" sz="2400" dirty="0">
+                <a:latin typeface="Segoe UI" pitchFamily="34" charset="0"/>
+                <a:ea typeface="Segoe UI" pitchFamily="34" charset="0"/>
+                <a:cs typeface="Segoe UI" pitchFamily="34" charset="0"/>
+              </a:rPr>
+              <a:t>demonstrates a weak but distinguishable response. Its aerotactic behavior was visually verified, as the bacteria tended to </a:t>
+            </a:r>
+            <a:r>
+              <a:rPr lang="en-US" sz="2400" dirty="0" smtClean="0">
+                <a:latin typeface="Segoe UI" pitchFamily="34" charset="0"/>
+                <a:ea typeface="Segoe UI" pitchFamily="34" charset="0"/>
+                <a:cs typeface="Segoe UI" pitchFamily="34" charset="0"/>
+              </a:rPr>
+              <a:t>accumulate on the </a:t>
+            </a:r>
+            <a:r>
+              <a:rPr lang="en-US" sz="2400" dirty="0">
+                <a:latin typeface="Segoe UI" pitchFamily="34" charset="0"/>
+                <a:ea typeface="Segoe UI" pitchFamily="34" charset="0"/>
+                <a:cs typeface="Segoe UI" pitchFamily="34" charset="0"/>
+              </a:rPr>
+              <a:t>oxygenated side of the channel and </a:t>
+            </a:r>
+            <a:r>
+              <a:rPr lang="en-US" sz="2400" dirty="0" smtClean="0">
+                <a:latin typeface="Segoe UI" pitchFamily="34" charset="0"/>
+                <a:ea typeface="Segoe UI" pitchFamily="34" charset="0"/>
+                <a:cs typeface="Segoe UI" pitchFamily="34" charset="0"/>
+              </a:rPr>
+              <a:t>dissipate </a:t>
+            </a:r>
+            <a:r>
+              <a:rPr lang="en-US" sz="2400" dirty="0">
+                <a:latin typeface="Segoe UI" pitchFamily="34" charset="0"/>
+                <a:ea typeface="Segoe UI" pitchFamily="34" charset="0"/>
+                <a:cs typeface="Segoe UI" pitchFamily="34" charset="0"/>
+              </a:rPr>
+              <a:t>from the </a:t>
             </a:r>
             <a:r>
               <a:rPr lang="en-US" sz="2400" dirty="0" err="1">
@@ -6180,7 +5742,7 @@
                 <a:ea typeface="Segoe UI" pitchFamily="34" charset="0"/>
                 <a:cs typeface="Segoe UI" pitchFamily="34" charset="0"/>
               </a:rPr>
-              <a:t>aerotaxis</a:t>
+              <a:t>nitrogenated</a:t>
             </a:r>
             <a:r>
               <a:rPr lang="en-US" sz="2400" dirty="0">
@@ -6188,15 +5750,15 @@
                 <a:ea typeface="Segoe UI" pitchFamily="34" charset="0"/>
                 <a:cs typeface="Segoe UI" pitchFamily="34" charset="0"/>
               </a:rPr>
-              <a:t>, B. </a:t>
-            </a:r>
-            <a:r>
-              <a:rPr lang="en-US" sz="2400" dirty="0" err="1">
-                <a:latin typeface="Segoe UI" pitchFamily="34" charset="0"/>
-                <a:ea typeface="Segoe UI" pitchFamily="34" charset="0"/>
-                <a:cs typeface="Segoe UI" pitchFamily="34" charset="0"/>
-              </a:rPr>
-              <a:t>subtilis</a:t>
+              <a:t> </a:t>
+            </a:r>
+            <a:r>
+              <a:rPr lang="en-US" sz="2400" dirty="0" smtClean="0">
+                <a:latin typeface="Segoe UI" pitchFamily="34" charset="0"/>
+                <a:ea typeface="Segoe UI" pitchFamily="34" charset="0"/>
+                <a:cs typeface="Segoe UI" pitchFamily="34" charset="0"/>
+              </a:rPr>
+              <a:t>side. </a:t>
             </a:r>
             <a:r>
               <a:rPr lang="en-US" sz="2400" dirty="0">
@@ -6204,15 +5766,15 @@
                 <a:ea typeface="Segoe UI" pitchFamily="34" charset="0"/>
                 <a:cs typeface="Segoe UI" pitchFamily="34" charset="0"/>
               </a:rPr>
-              <a:t> demonstrates a weak but distinguishable response. Its </a:t>
-            </a:r>
-            <a:r>
-              <a:rPr lang="en-US" sz="2400" dirty="0" err="1">
-                <a:latin typeface="Segoe UI" pitchFamily="34" charset="0"/>
-                <a:ea typeface="Segoe UI" pitchFamily="34" charset="0"/>
-                <a:cs typeface="Segoe UI" pitchFamily="34" charset="0"/>
-              </a:rPr>
-              <a:t>aerotactic</a:t>
+              <a:t>The unsuccessful fluorescence system impeded efforts to quantify the aerotactic response of </a:t>
+            </a:r>
+            <a:r>
+              <a:rPr lang="en-US" sz="2400" i="1" dirty="0">
+                <a:latin typeface="Segoe UI" pitchFamily="34" charset="0"/>
+                <a:ea typeface="Segoe UI" pitchFamily="34" charset="0"/>
+                <a:cs typeface="Segoe UI" pitchFamily="34" charset="0"/>
+              </a:rPr>
+              <a:t>B. subtilis </a:t>
             </a:r>
             <a:r>
               <a:rPr lang="en-US" sz="2400" dirty="0">
@@ -6220,119 +5782,7 @@
                 <a:ea typeface="Segoe UI" pitchFamily="34" charset="0"/>
                 <a:cs typeface="Segoe UI" pitchFamily="34" charset="0"/>
               </a:rPr>
-              <a:t> behavior was visually verified, as the bacteria tended to </a:t>
-            </a:r>
-            <a:r>
-              <a:rPr lang="en-US" sz="2400" dirty="0" smtClean="0">
-                <a:latin typeface="Segoe UI" pitchFamily="34" charset="0"/>
-                <a:ea typeface="Segoe UI" pitchFamily="34" charset="0"/>
-                <a:cs typeface="Segoe UI" pitchFamily="34" charset="0"/>
-              </a:rPr>
-              <a:t>accumulate on the </a:t>
-            </a:r>
-            <a:r>
-              <a:rPr lang="en-US" sz="2400" dirty="0">
-                <a:latin typeface="Segoe UI" pitchFamily="34" charset="0"/>
-                <a:ea typeface="Segoe UI" pitchFamily="34" charset="0"/>
-                <a:cs typeface="Segoe UI" pitchFamily="34" charset="0"/>
-              </a:rPr>
-              <a:t>oxygenated side of the channel and </a:t>
-            </a:r>
-            <a:r>
-              <a:rPr lang="en-US" sz="2400" dirty="0" smtClean="0">
-                <a:latin typeface="Segoe UI" pitchFamily="34" charset="0"/>
-                <a:ea typeface="Segoe UI" pitchFamily="34" charset="0"/>
-                <a:cs typeface="Segoe UI" pitchFamily="34" charset="0"/>
-              </a:rPr>
-              <a:t>dissipate </a:t>
-            </a:r>
-            <a:r>
-              <a:rPr lang="en-US" sz="2400" dirty="0">
-                <a:latin typeface="Segoe UI" pitchFamily="34" charset="0"/>
-                <a:ea typeface="Segoe UI" pitchFamily="34" charset="0"/>
-                <a:cs typeface="Segoe UI" pitchFamily="34" charset="0"/>
-              </a:rPr>
-              <a:t>from the </a:t>
-            </a:r>
-            <a:r>
-              <a:rPr lang="en-US" sz="2400" dirty="0" err="1">
-                <a:latin typeface="Segoe UI" pitchFamily="34" charset="0"/>
-                <a:ea typeface="Segoe UI" pitchFamily="34" charset="0"/>
-                <a:cs typeface="Segoe UI" pitchFamily="34" charset="0"/>
-              </a:rPr>
-              <a:t>nitrogenated</a:t>
-            </a:r>
-            <a:r>
-              <a:rPr lang="en-US" sz="2400" dirty="0">
-                <a:latin typeface="Segoe UI" pitchFamily="34" charset="0"/>
-                <a:ea typeface="Segoe UI" pitchFamily="34" charset="0"/>
-                <a:cs typeface="Segoe UI" pitchFamily="34" charset="0"/>
-              </a:rPr>
-              <a:t> </a:t>
-            </a:r>
-            <a:r>
-              <a:rPr lang="en-US" sz="2400" dirty="0" smtClean="0">
-                <a:latin typeface="Segoe UI" pitchFamily="34" charset="0"/>
-                <a:ea typeface="Segoe UI" pitchFamily="34" charset="0"/>
-                <a:cs typeface="Segoe UI" pitchFamily="34" charset="0"/>
-              </a:rPr>
-              <a:t>side. </a:t>
-            </a:r>
-            <a:r>
-              <a:rPr lang="en-US" sz="2400" dirty="0">
-                <a:latin typeface="Segoe UI" pitchFamily="34" charset="0"/>
-                <a:ea typeface="Segoe UI" pitchFamily="34" charset="0"/>
-                <a:cs typeface="Segoe UI" pitchFamily="34" charset="0"/>
-              </a:rPr>
-              <a:t>The unsuccessful fluorescence system impeded efforts to quantify the </a:t>
-            </a:r>
-            <a:r>
-              <a:rPr lang="en-US" sz="2400" dirty="0" err="1">
-                <a:latin typeface="Segoe UI" pitchFamily="34" charset="0"/>
-                <a:ea typeface="Segoe UI" pitchFamily="34" charset="0"/>
-                <a:cs typeface="Segoe UI" pitchFamily="34" charset="0"/>
-              </a:rPr>
-              <a:t>aerotactic</a:t>
-            </a:r>
-            <a:r>
-              <a:rPr lang="en-US" sz="2400" dirty="0">
-                <a:latin typeface="Segoe UI" pitchFamily="34" charset="0"/>
-                <a:ea typeface="Segoe UI" pitchFamily="34" charset="0"/>
-                <a:cs typeface="Segoe UI" pitchFamily="34" charset="0"/>
-              </a:rPr>
-              <a:t> response of B. </a:t>
-            </a:r>
-            <a:r>
-              <a:rPr lang="en-US" sz="2400" dirty="0" err="1">
-                <a:latin typeface="Segoe UI" pitchFamily="34" charset="0"/>
-                <a:ea typeface="Segoe UI" pitchFamily="34" charset="0"/>
-                <a:cs typeface="Segoe UI" pitchFamily="34" charset="0"/>
-              </a:rPr>
-              <a:t>subtilis</a:t>
-            </a:r>
-            <a:r>
-              <a:rPr lang="en-US" sz="2400" dirty="0">
-                <a:latin typeface="Segoe UI" pitchFamily="34" charset="0"/>
-                <a:ea typeface="Segoe UI" pitchFamily="34" charset="0"/>
-                <a:cs typeface="Segoe UI" pitchFamily="34" charset="0"/>
-              </a:rPr>
-              <a:t> and produce a model analogous to those for </a:t>
-            </a:r>
-            <a:r>
-              <a:rPr lang="en-US" sz="2400" dirty="0" err="1">
-                <a:latin typeface="Segoe UI" pitchFamily="34" charset="0"/>
-                <a:ea typeface="Segoe UI" pitchFamily="34" charset="0"/>
-                <a:cs typeface="Segoe UI" pitchFamily="34" charset="0"/>
-              </a:rPr>
-              <a:t>chemotaxis</a:t>
-            </a:r>
-            <a:r>
-              <a:rPr lang="en-US" sz="2400" dirty="0">
-                <a:latin typeface="Segoe UI" pitchFamily="34" charset="0"/>
-                <a:ea typeface="Segoe UI" pitchFamily="34" charset="0"/>
-                <a:cs typeface="Segoe UI" pitchFamily="34" charset="0"/>
-              </a:rPr>
-              <a:t>, but </a:t>
+              <a:t>and produce a model analogous to those for chemotaxis, but </a:t>
             </a:r>
             <a:r>
               <a:rPr lang="en-US" sz="2400" dirty="0" smtClean="0">
@@ -6392,7 +5842,7 @@
                 <a:ea typeface="Segoe UI" pitchFamily="34" charset="0"/>
                 <a:cs typeface="Segoe UI" pitchFamily="34" charset="0"/>
               </a:rPr>
-              <a:t> for conducting </a:t>
+              <a:t> for conducting aerotaxis experiments, but it requires refinement to capture quantitative data. Some suggested improvements include a better fluorescence system using dye that does not impede bacterial movement or </a:t>
             </a:r>
             <a:r>
               <a:rPr lang="en-US" sz="2400" dirty="0" err="1">
@@ -6400,7 +5850,7 @@
                 <a:ea typeface="Segoe UI" pitchFamily="34" charset="0"/>
                 <a:cs typeface="Segoe UI" pitchFamily="34" charset="0"/>
               </a:rPr>
-              <a:t>aerotaxis</a:t>
+              <a:t>photobleach</a:t>
             </a:r>
             <a:r>
               <a:rPr lang="en-US" sz="2400" dirty="0">
@@ -6408,39 +5858,7 @@
                 <a:ea typeface="Segoe UI" pitchFamily="34" charset="0"/>
                 <a:cs typeface="Segoe UI" pitchFamily="34" charset="0"/>
               </a:rPr>
-              <a:t> experiments, but it requires refinement to capture quantitative data. Some suggested improvements include a better fluorescence system using dye that does not impede bacterial movement or </a:t>
-            </a:r>
-            <a:r>
-              <a:rPr lang="en-US" sz="2400" dirty="0" err="1">
-                <a:latin typeface="Segoe UI" pitchFamily="34" charset="0"/>
-                <a:ea typeface="Segoe UI" pitchFamily="34" charset="0"/>
-                <a:cs typeface="Segoe UI" pitchFamily="34" charset="0"/>
-              </a:rPr>
-              <a:t>photobleach</a:t>
-            </a:r>
-            <a:r>
-              <a:rPr lang="en-US" sz="2400" dirty="0">
-                <a:latin typeface="Segoe UI" pitchFamily="34" charset="0"/>
-                <a:ea typeface="Segoe UI" pitchFamily="34" charset="0"/>
-                <a:cs typeface="Segoe UI" pitchFamily="34" charset="0"/>
-              </a:rPr>
-              <a:t> quickly, using a laser with a wavelength closer to the dye’s absorption peak. Improving the fluorescence system would improve the quality of tracking data, by allowing bacteria to be more reliably distinguished from the background, allowing additional insight into </a:t>
-            </a:r>
-            <a:r>
-              <a:rPr lang="en-US" sz="2400" dirty="0" err="1">
-                <a:latin typeface="Segoe UI" pitchFamily="34" charset="0"/>
-                <a:ea typeface="Segoe UI" pitchFamily="34" charset="0"/>
-                <a:cs typeface="Segoe UI" pitchFamily="34" charset="0"/>
-              </a:rPr>
-              <a:t>aerotactic</a:t>
-            </a:r>
-            <a:r>
-              <a:rPr lang="en-US" sz="2400" dirty="0">
-                <a:latin typeface="Segoe UI" pitchFamily="34" charset="0"/>
-                <a:ea typeface="Segoe UI" pitchFamily="34" charset="0"/>
-                <a:cs typeface="Segoe UI" pitchFamily="34" charset="0"/>
-              </a:rPr>
-              <a:t> behavior.</a:t>
+              <a:t> quickly, using a laser with a wavelength closer to the dye’s absorption peak. Improving the fluorescence system would improve the quality of tracking data, by allowing bacteria to be more reliably distinguished from the background, allowing additional insight into aerotactic behavior.</a:t>
             </a:r>
           </a:p>
           <a:p>
@@ -6527,14 +5945,14 @@
             <a:noFill/>
           </a:ln>
           <a:extLst>
-            <a:ext uri="{909E8E84-426E-40dd-AFC4-6F175D3DCCD1}">
+            <a:ext uri="{909E8E84-426E-40DD-AFC4-6F175D3DCCD1}">
               <a14:hiddenFill xmlns:a14="http://schemas.microsoft.com/office/drawing/2010/main">
                 <a:solidFill>
                   <a:srgbClr val="FFFFFF"/>
                 </a:solidFill>
               </a14:hiddenFill>
             </a:ext>
-            <a:ext uri="{91240B29-F687-4f45-9708-019B960494DF}">
+            <a:ext uri="{91240B29-F687-4F45-9708-019B960494DF}">
               <a14:hiddenLine xmlns:a14="http://schemas.microsoft.com/office/drawing/2010/main" w="12700">
                 <a:solidFill>
                   <a:srgbClr val="000000"/>
@@ -6669,39 +6087,7 @@
                 <a:ea typeface="Segoe UI" pitchFamily="34" charset="0"/>
                 <a:cs typeface="Segoe UI" pitchFamily="34" charset="0"/>
               </a:rPr>
-              <a:t>We’d like to thank </a:t>
-            </a:r>
-            <a:r>
-              <a:rPr lang="en-US" sz="1400" dirty="0" err="1">
-                <a:latin typeface="Segoe UI" pitchFamily="34" charset="0"/>
-                <a:ea typeface="Segoe UI" pitchFamily="34" charset="0"/>
-                <a:cs typeface="Segoe UI" pitchFamily="34" charset="0"/>
-              </a:rPr>
-              <a:t>Filippo</a:t>
-            </a:r>
-            <a:r>
-              <a:rPr lang="en-US" sz="1400" dirty="0">
-                <a:latin typeface="Segoe UI" pitchFamily="34" charset="0"/>
-                <a:ea typeface="Segoe UI" pitchFamily="34" charset="0"/>
-                <a:cs typeface="Segoe UI" pitchFamily="34" charset="0"/>
-              </a:rPr>
-              <a:t> </a:t>
-            </a:r>
-            <a:r>
-              <a:rPr lang="en-US" sz="1400" dirty="0" err="1">
-                <a:latin typeface="Segoe UI" pitchFamily="34" charset="0"/>
-                <a:ea typeface="Segoe UI" pitchFamily="34" charset="0"/>
-                <a:cs typeface="Segoe UI" pitchFamily="34" charset="0"/>
-              </a:rPr>
-              <a:t>Menolascina</a:t>
-            </a:r>
-            <a:r>
-              <a:rPr lang="en-US" sz="1400" dirty="0">
-                <a:latin typeface="Segoe UI" pitchFamily="34" charset="0"/>
-                <a:ea typeface="Segoe UI" pitchFamily="34" charset="0"/>
-                <a:cs typeface="Segoe UI" pitchFamily="34" charset="0"/>
-              </a:rPr>
-              <a:t> from the Center for Environmental Microfluidics for providing an introduction, masks, devices, supplies, and guidance throughout this project. We’d also like to thank Professor Nagle for assisting greatly with analysis of our data and the use of the 20.309 lab space, as well as ordering parts and supplies for us, and the 20.109 staff for allowing us to use their lab for bacteria culturing.</a:t>
+              <a:t>We’d like to thank Filippo Menolascina from the Center for Environmental Microfluidics for providing an introduction, masks, devices, supplies, and guidance throughout this project. We’d also like to thank Professor Nagle for assisting greatly with analysis of our data and the use of the 20.309 lab space, as well as ordering parts and supplies for us, and the 20.109 staff for allowing us to use their lab for bacteria culturing.</a:t>
             </a:r>
           </a:p>
         </p:txBody>
@@ -6778,8 +6164,8 @@
         </p:blipFill>
         <p:spPr bwMode="auto">
           <a:xfrm>
-            <a:off x="26463998" y="628484"/>
-            <a:ext cx="5715534" cy="1759118"/>
+            <a:off x="26588714" y="647677"/>
+            <a:ext cx="5590817" cy="1720733"/>
           </a:xfrm>
           <a:prstGeom prst="rect">
             <a:avLst/>
@@ -6789,14 +6175,14 @@
             <a:noFill/>
           </a:ln>
           <a:extLst>
-            <a:ext uri="{909E8E84-426E-40dd-AFC4-6F175D3DCCD1}">
+            <a:ext uri="{909E8E84-426E-40DD-AFC4-6F175D3DCCD1}">
               <a14:hiddenFill xmlns:a14="http://schemas.microsoft.com/office/drawing/2010/main">
                 <a:solidFill>
                   <a:srgbClr val="FFFFFF"/>
                 </a:solidFill>
               </a14:hiddenFill>
             </a:ext>
-            <a:ext uri="{91240B29-F687-4f45-9708-019B960494DF}">
+            <a:ext uri="{91240B29-F687-4F45-9708-019B960494DF}">
               <a14:hiddenLine xmlns:a14="http://schemas.microsoft.com/office/drawing/2010/main" w="9525">
                 <a:solidFill>
                   <a:srgbClr val="000000"/>
@@ -6830,7 +6216,7 @@
         </p:blipFill>
         <p:spPr bwMode="auto">
           <a:xfrm>
-            <a:off x="453119" y="610086"/>
+            <a:off x="803457" y="610086"/>
             <a:ext cx="4870276" cy="1795914"/>
           </a:xfrm>
           <a:prstGeom prst="rect">
@@ -6838,7 +6224,7 @@
           </a:prstGeom>
           <a:noFill/>
           <a:extLst>
-            <a:ext uri="{909E8E84-426E-40dd-AFC4-6F175D3DCCD1}">
+            <a:ext uri="{909E8E84-426E-40DD-AFC4-6F175D3DCCD1}">
               <a14:hiddenFill xmlns:a14="http://schemas.microsoft.com/office/drawing/2010/main">
                 <a:solidFill>
                   <a:srgbClr val="FFFFFF"/>
@@ -6871,12 +6257,20 @@
           <a:lstStyle/>
           <a:p>
             <a:r>
+              <a:rPr lang="en-US" sz="2000" dirty="0" smtClean="0">
+                <a:latin typeface="Segoe UI" pitchFamily="34" charset="0"/>
+                <a:ea typeface="Segoe UI" pitchFamily="34" charset="0"/>
+                <a:cs typeface="Segoe UI" pitchFamily="34" charset="0"/>
+              </a:rPr>
+              <a:t>The </a:t>
+            </a:r>
+            <a:r>
               <a:rPr lang="en-US" sz="2000" dirty="0">
                 <a:latin typeface="Segoe UI" pitchFamily="34" charset="0"/>
                 <a:ea typeface="Segoe UI" pitchFamily="34" charset="0"/>
                 <a:cs typeface="Segoe UI" pitchFamily="34" charset="0"/>
               </a:rPr>
-              <a:t>The microscope used for the project </a:t>
+              <a:t>microscope used for the project </a:t>
             </a:r>
             <a:r>
               <a:rPr lang="en-US" sz="2000" dirty="0" smtClean="0">
@@ -7147,7 +6541,7 @@
         </p:blipFill>
         <p:spPr>
           <a:xfrm>
-            <a:off x="28526505" y="3914565"/>
+            <a:off x="25923196" y="3940235"/>
             <a:ext cx="3217574" cy="2132266"/>
           </a:xfrm>
           <a:prstGeom prst="rect">
@@ -7177,7 +6571,7 @@
         </p:blipFill>
         <p:spPr>
           <a:xfrm>
-            <a:off x="25764302" y="6115520"/>
+            <a:off x="25999554" y="6115520"/>
             <a:ext cx="3064859" cy="2132266"/>
           </a:xfrm>
           <a:prstGeom prst="rect">
@@ -7207,7 +6601,7 @@
         </p:blipFill>
         <p:spPr>
           <a:xfrm>
-            <a:off x="28552141" y="6182146"/>
+            <a:off x="28706105" y="6182146"/>
             <a:ext cx="3161955" cy="2065642"/>
           </a:xfrm>
           <a:prstGeom prst="rect">
@@ -7223,7 +6617,7 @@
         </p:nvSpPr>
         <p:spPr>
           <a:xfrm>
-            <a:off x="28678295" y="5887835"/>
+            <a:off x="26057978" y="5913505"/>
             <a:ext cx="2948010" cy="369332"/>
           </a:xfrm>
           <a:prstGeom prst="rect">
@@ -7262,8 +6656,8 @@
         </p:nvSpPr>
         <p:spPr>
           <a:xfrm>
-            <a:off x="25718391" y="8118115"/>
-            <a:ext cx="3567065" cy="369332"/>
+            <a:off x="26588715" y="8118115"/>
+            <a:ext cx="1886536" cy="369332"/>
           </a:xfrm>
           <a:prstGeom prst="rect">
             <a:avLst/>
@@ -7301,7 +6695,7 @@
         </p:nvSpPr>
         <p:spPr>
           <a:xfrm>
-            <a:off x="29133666" y="8118115"/>
+            <a:off x="29224552" y="8118115"/>
             <a:ext cx="2125060" cy="369332"/>
           </a:xfrm>
           <a:prstGeom prst="rect">
@@ -7364,14 +6758,14 @@
             <a:noFill/>
           </a:ln>
           <a:extLst>
-            <a:ext uri="{909E8E84-426E-40dd-AFC4-6F175D3DCCD1}">
+            <a:ext uri="{909E8E84-426E-40DD-AFC4-6F175D3DCCD1}">
               <a14:hiddenFill xmlns:a14="http://schemas.microsoft.com/office/drawing/2010/main">
                 <a:solidFill>
                   <a:schemeClr val="accent1"/>
                 </a:solidFill>
               </a14:hiddenFill>
             </a:ext>
-            <a:ext uri="{91240B29-F687-4f45-9708-019B960494DF}">
+            <a:ext uri="{91240B29-F687-4F45-9708-019B960494DF}">
               <a14:hiddenLine xmlns:a14="http://schemas.microsoft.com/office/drawing/2010/main" w="9525">
                 <a:solidFill>
                   <a:schemeClr val="tx1"/>
@@ -7471,23 +6865,7 @@
                 <a:ea typeface="Segoe UI" pitchFamily="34" charset="0"/>
                 <a:cs typeface="Segoe UI" pitchFamily="34" charset="0"/>
               </a:rPr>
-              <a:t>The microfluidic device is composed of the elastomeric material </a:t>
-            </a:r>
-            <a:r>
-              <a:rPr lang="en-US" sz="2000" dirty="0" err="1">
-                <a:latin typeface="Segoe UI" pitchFamily="34" charset="0"/>
-                <a:ea typeface="Segoe UI" pitchFamily="34" charset="0"/>
-                <a:cs typeface="Segoe UI" pitchFamily="34" charset="0"/>
-              </a:rPr>
-              <a:t>Polydimethylsiloxane</a:t>
-            </a:r>
-            <a:r>
-              <a:rPr lang="en-US" sz="2000" dirty="0">
-                <a:latin typeface="Segoe UI" pitchFamily="34" charset="0"/>
-                <a:ea typeface="Segoe UI" pitchFamily="34" charset="0"/>
-                <a:cs typeface="Segoe UI" pitchFamily="34" charset="0"/>
-              </a:rPr>
-              <a:t> (PDMS). The device has three parallel channels formed by indentations in the </a:t>
+              <a:t>The microfluidic device is composed of the elastomeric material Polydimethylsiloxane (PDMS). The device has three parallel channels formed by indentations in the </a:t>
             </a:r>
             <a:r>
               <a:rPr lang="en-US" sz="2000" dirty="0" smtClean="0">
@@ -7529,20 +6907,28 @@
           <a:p>
             <a:pPr algn="just"/>
             <a:r>
+              <a:rPr lang="en-US" sz="2000" i="1" dirty="0">
+                <a:latin typeface="Segoe UI" pitchFamily="34" charset="0"/>
+                <a:ea typeface="Segoe UI" pitchFamily="34" charset="0"/>
+                <a:cs typeface="Segoe UI" pitchFamily="34" charset="0"/>
+              </a:rPr>
+              <a:t>Bacillus subtilis </a:t>
+            </a:r>
+            <a:r>
               <a:rPr lang="en-US" sz="2000" dirty="0">
                 <a:latin typeface="Segoe UI" pitchFamily="34" charset="0"/>
                 <a:ea typeface="Segoe UI" pitchFamily="34" charset="0"/>
                 <a:cs typeface="Segoe UI" pitchFamily="34" charset="0"/>
               </a:rPr>
-              <a:t>Bacillus </a:t>
-            </a:r>
-            <a:r>
-              <a:rPr lang="en-US" sz="2000" dirty="0" err="1">
-                <a:latin typeface="Segoe UI" pitchFamily="34" charset="0"/>
-                <a:ea typeface="Segoe UI" pitchFamily="34" charset="0"/>
-                <a:cs typeface="Segoe UI" pitchFamily="34" charset="0"/>
-              </a:rPr>
-              <a:t>subtilis</a:t>
+              <a:t>was </a:t>
+            </a:r>
+            <a:r>
+              <a:rPr lang="en-US" sz="2000" dirty="0" smtClean="0">
+                <a:latin typeface="Segoe UI" pitchFamily="34" charset="0"/>
+                <a:ea typeface="Segoe UI" pitchFamily="34" charset="0"/>
+                <a:cs typeface="Segoe UI" pitchFamily="34" charset="0"/>
+              </a:rPr>
+              <a:t>obtained from Filippo Menolascina and cultured </a:t>
             </a:r>
             <a:r>
               <a:rPr lang="en-US" sz="2000" dirty="0">
@@ -7550,7 +6936,7 @@
                 <a:ea typeface="Segoe UI" pitchFamily="34" charset="0"/>
                 <a:cs typeface="Segoe UI" pitchFamily="34" charset="0"/>
               </a:rPr>
-              <a:t> was </a:t>
+              <a:t>in Cap Assay Min (CAM), a minimal nutrient broth designed to increase the aerotactic response of the bacteria by placing them in mild starvation </a:t>
             </a:r>
             <a:r>
               <a:rPr lang="en-US" sz="2000" dirty="0" smtClean="0">
@@ -7558,39 +6944,7 @@
                 <a:ea typeface="Segoe UI" pitchFamily="34" charset="0"/>
                 <a:cs typeface="Segoe UI" pitchFamily="34" charset="0"/>
               </a:rPr>
-              <a:t>obtained from </a:t>
-            </a:r>
-            <a:r>
-              <a:rPr lang="en-US" sz="2000" dirty="0" err="1" smtClean="0">
-                <a:latin typeface="Segoe UI" pitchFamily="34" charset="0"/>
-                <a:ea typeface="Segoe UI" pitchFamily="34" charset="0"/>
-                <a:cs typeface="Segoe UI" pitchFamily="34" charset="0"/>
-              </a:rPr>
-              <a:t>Filippo</a:t>
-            </a:r>
-            <a:r>
-              <a:rPr lang="en-US" sz="2000" dirty="0" smtClean="0">
-                <a:latin typeface="Segoe UI" pitchFamily="34" charset="0"/>
-                <a:ea typeface="Segoe UI" pitchFamily="34" charset="0"/>
-                <a:cs typeface="Segoe UI" pitchFamily="34" charset="0"/>
-              </a:rPr>
-              <a:t> </a:t>
-            </a:r>
-            <a:r>
-              <a:rPr lang="en-US" sz="2000" dirty="0" err="1" smtClean="0">
-                <a:latin typeface="Segoe UI" pitchFamily="34" charset="0"/>
-                <a:ea typeface="Segoe UI" pitchFamily="34" charset="0"/>
-                <a:cs typeface="Segoe UI" pitchFamily="34" charset="0"/>
-              </a:rPr>
-              <a:t>Menolascina</a:t>
-            </a:r>
-            <a:r>
-              <a:rPr lang="en-US" sz="2000" dirty="0" smtClean="0">
-                <a:latin typeface="Segoe UI" pitchFamily="34" charset="0"/>
-                <a:ea typeface="Segoe UI" pitchFamily="34" charset="0"/>
-                <a:cs typeface="Segoe UI" pitchFamily="34" charset="0"/>
-              </a:rPr>
-              <a:t> and cultured </a:t>
+              <a:t>conditions. </a:t>
             </a:r>
             <a:r>
               <a:rPr lang="en-US" sz="2000" dirty="0">
@@ -7598,71 +6952,7 @@
                 <a:ea typeface="Segoe UI" pitchFamily="34" charset="0"/>
                 <a:cs typeface="Segoe UI" pitchFamily="34" charset="0"/>
               </a:rPr>
-              <a:t>in Cap Assay Min (CAM), a minimal nutrient broth designed to increase the </a:t>
-            </a:r>
-            <a:r>
-              <a:rPr lang="en-US" sz="2000" dirty="0" err="1">
-                <a:latin typeface="Segoe UI" pitchFamily="34" charset="0"/>
-                <a:ea typeface="Segoe UI" pitchFamily="34" charset="0"/>
-                <a:cs typeface="Segoe UI" pitchFamily="34" charset="0"/>
-              </a:rPr>
-              <a:t>aerotactic</a:t>
-            </a:r>
-            <a:r>
-              <a:rPr lang="en-US" sz="2000" dirty="0">
-                <a:latin typeface="Segoe UI" pitchFamily="34" charset="0"/>
-                <a:ea typeface="Segoe UI" pitchFamily="34" charset="0"/>
-                <a:cs typeface="Segoe UI" pitchFamily="34" charset="0"/>
-              </a:rPr>
-              <a:t> response of the bacteria by placing them in mild starvation </a:t>
-            </a:r>
-            <a:r>
-              <a:rPr lang="en-US" sz="2000" dirty="0" smtClean="0">
-                <a:latin typeface="Segoe UI" pitchFamily="34" charset="0"/>
-                <a:ea typeface="Segoe UI" pitchFamily="34" charset="0"/>
-                <a:cs typeface="Segoe UI" pitchFamily="34" charset="0"/>
-              </a:rPr>
-              <a:t>conditions. </a:t>
-            </a:r>
-            <a:r>
-              <a:rPr lang="en-US" sz="2000" dirty="0">
-                <a:latin typeface="Segoe UI" pitchFamily="34" charset="0"/>
-                <a:ea typeface="Segoe UI" pitchFamily="34" charset="0"/>
-                <a:cs typeface="Segoe UI" pitchFamily="34" charset="0"/>
-              </a:rPr>
-              <a:t>CAM contains trace amounts of </a:t>
-            </a:r>
-            <a:r>
-              <a:rPr lang="en-US" sz="2000" dirty="0" err="1">
-                <a:latin typeface="Segoe UI" pitchFamily="34" charset="0"/>
-                <a:ea typeface="Segoe UI" pitchFamily="34" charset="0"/>
-                <a:cs typeface="Segoe UI" pitchFamily="34" charset="0"/>
-              </a:rPr>
-              <a:t>tryptone</a:t>
-            </a:r>
-            <a:r>
-              <a:rPr lang="en-US" sz="2000" dirty="0">
-                <a:latin typeface="Segoe UI" pitchFamily="34" charset="0"/>
-                <a:ea typeface="Segoe UI" pitchFamily="34" charset="0"/>
-                <a:cs typeface="Segoe UI" pitchFamily="34" charset="0"/>
-              </a:rPr>
-              <a:t>, </a:t>
-            </a:r>
-            <a:r>
-              <a:rPr lang="en-US" sz="2000" dirty="0" err="1">
-                <a:latin typeface="Segoe UI" pitchFamily="34" charset="0"/>
-                <a:ea typeface="Segoe UI" pitchFamily="34" charset="0"/>
-                <a:cs typeface="Segoe UI" pitchFamily="34" charset="0"/>
-              </a:rPr>
-              <a:t>histidine</a:t>
-            </a:r>
-            <a:r>
-              <a:rPr lang="en-US" sz="2000" dirty="0">
-                <a:latin typeface="Segoe UI" pitchFamily="34" charset="0"/>
-                <a:ea typeface="Segoe UI" pitchFamily="34" charset="0"/>
-                <a:cs typeface="Segoe UI" pitchFamily="34" charset="0"/>
-              </a:rPr>
-              <a:t>, methionine, tryptophan, several mineral salts, and a phosphate buffer (pH = 7). The bacteria was cultured with </a:t>
+              <a:t>CAM contains trace amounts of tryptone, histidine, methionine, tryptophan, several mineral salts, and a phosphate buffer (pH = 7). The bacteria was cultured with </a:t>
             </a:r>
             <a:endParaRPr lang="en-US" sz="2000" dirty="0" smtClean="0">
               <a:latin typeface="Segoe UI" pitchFamily="34" charset="0"/>
@@ -7740,7 +7030,7 @@
         </p:blipFill>
         <p:spPr>
           <a:xfrm>
-            <a:off x="15852040" y="4611628"/>
+            <a:off x="16003830" y="4611628"/>
             <a:ext cx="5243376" cy="3932532"/>
           </a:xfrm>
           <a:prstGeom prst="rect">
@@ -7756,7 +7046,7 @@
         </p:nvSpPr>
         <p:spPr>
           <a:xfrm>
-            <a:off x="17749415" y="3762775"/>
+            <a:off x="17825310" y="3762775"/>
             <a:ext cx="6754655" cy="646331"/>
           </a:xfrm>
           <a:prstGeom prst="rect">
@@ -7772,10 +7062,18 @@
           <a:p>
             <a:pPr algn="ctr"/>
             <a:r>
-              <a:rPr lang="en-US" sz="1800" dirty="0" smtClean="0"/>
+              <a:rPr lang="en-US" sz="1800" dirty="0" smtClean="0">
+                <a:latin typeface="Segoe UI" pitchFamily="34" charset="0"/>
+                <a:ea typeface="Segoe UI" pitchFamily="34" charset="0"/>
+                <a:cs typeface="Segoe UI" pitchFamily="34" charset="0"/>
+              </a:rPr>
               <a:t>Comparing bacteria population and speed on two opposite sides of the channel (near oxygen and near nitrogen)</a:t>
             </a:r>
-            <a:endParaRPr lang="en-US" sz="1800" dirty="0"/>
+            <a:endParaRPr lang="en-US" sz="1800" dirty="0">
+              <a:latin typeface="Segoe UI" pitchFamily="34" charset="0"/>
+              <a:ea typeface="Segoe UI" pitchFamily="34" charset="0"/>
+              <a:cs typeface="Segoe UI" pitchFamily="34" charset="0"/>
+            </a:endParaRPr>
           </a:p>
         </p:txBody>
       </p:sp>
@@ -7801,7 +7099,7 @@
         </p:blipFill>
         <p:spPr>
           <a:xfrm>
-            <a:off x="20785215" y="4597620"/>
+            <a:off x="20937005" y="4597620"/>
             <a:ext cx="5262054" cy="3946541"/>
           </a:xfrm>
           <a:prstGeom prst="rect">
@@ -7817,7 +7115,7 @@
         </p:nvSpPr>
         <p:spPr>
           <a:xfrm>
-            <a:off x="16914570" y="8695950"/>
+            <a:off x="17066360" y="8695950"/>
             <a:ext cx="6754655" cy="369332"/>
           </a:xfrm>
           <a:prstGeom prst="rect">
@@ -7832,10 +7130,26 @@
           <a:lstStyle/>
           <a:p>
             <a:r>
-              <a:rPr lang="en-US" sz="1800" dirty="0" smtClean="0"/>
-              <a:t>Direction of bacterial movement in the center of the channel.</a:t>
-            </a:r>
-            <a:endParaRPr lang="en-US" sz="1800" dirty="0"/>
+              <a:rPr lang="en-US" sz="1800" dirty="0" smtClean="0">
+                <a:latin typeface="Segoe UI" pitchFamily="34" charset="0"/>
+                <a:ea typeface="Segoe UI" pitchFamily="34" charset="0"/>
+                <a:cs typeface="Segoe UI" pitchFamily="34" charset="0"/>
+              </a:rPr>
+              <a:t>Direction of bacterial movement in the center of the </a:t>
+            </a:r>
+            <a:r>
+              <a:rPr lang="en-US" sz="1800" dirty="0" smtClean="0">
+                <a:latin typeface="Segoe UI" pitchFamily="34" charset="0"/>
+                <a:ea typeface="Segoe UI" pitchFamily="34" charset="0"/>
+                <a:cs typeface="Segoe UI" pitchFamily="34" charset="0"/>
+              </a:rPr>
+              <a:t>channel</a:t>
+            </a:r>
+            <a:endParaRPr lang="en-US" sz="1800" dirty="0">
+              <a:latin typeface="Segoe UI" pitchFamily="34" charset="0"/>
+              <a:ea typeface="Segoe UI" pitchFamily="34" charset="0"/>
+              <a:cs typeface="Segoe UI" pitchFamily="34" charset="0"/>
+            </a:endParaRPr>
           </a:p>
         </p:txBody>
       </p:sp>
@@ -7970,7 +7284,7 @@
         </p:nvSpPr>
         <p:spPr>
           <a:xfrm>
-            <a:off x="26173760" y="4445830"/>
+            <a:off x="29148657" y="4519033"/>
             <a:ext cx="2276850" cy="923330"/>
           </a:xfrm>
           <a:prstGeom prst="rect">
@@ -7984,11 +7298,20 @@
           </a:bodyPr>
           <a:lstStyle/>
           <a:p>
-            <a:r>
-              <a:rPr lang="en-US" sz="1800" dirty="0" smtClean="0"/>
+            <a:pPr algn="ctr"/>
+            <a:r>
+              <a:rPr lang="en-US" sz="1800" dirty="0" smtClean="0">
+                <a:latin typeface="Segoe UI" pitchFamily="34" charset="0"/>
+                <a:ea typeface="Segoe UI" pitchFamily="34" charset="0"/>
+                <a:cs typeface="Segoe UI" pitchFamily="34" charset="0"/>
+              </a:rPr>
               <a:t>Traces of bacterial movement, tracked with MATLAB</a:t>
             </a:r>
-            <a:endParaRPr lang="en-US" sz="1800" dirty="0"/>
+            <a:endParaRPr lang="en-US" sz="1800" dirty="0">
+              <a:latin typeface="Segoe UI" pitchFamily="34" charset="0"/>
+              <a:ea typeface="Segoe UI" pitchFamily="34" charset="0"/>
+              <a:cs typeface="Segoe UI" pitchFamily="34" charset="0"/>
+            </a:endParaRPr>
           </a:p>
         </p:txBody>
       </p:sp>
@@ -8000,7 +7323,7 @@
         </p:nvSpPr>
         <p:spPr>
           <a:xfrm>
-            <a:off x="24579965" y="8695950"/>
+            <a:off x="24731755" y="8695950"/>
             <a:ext cx="6754655" cy="646331"/>
           </a:xfrm>
           <a:prstGeom prst="rect">
@@ -8016,456 +7339,438 @@
           <a:p>
             <a:pPr algn="ctr"/>
             <a:r>
-              <a:rPr lang="en-US" sz="1800" dirty="0" smtClean="0"/>
+              <a:rPr lang="en-US" sz="1800" dirty="0" smtClean="0">
+                <a:latin typeface="Segoe UI" pitchFamily="34" charset="0"/>
+                <a:ea typeface="Segoe UI" pitchFamily="34" charset="0"/>
+                <a:cs typeface="Segoe UI" pitchFamily="34" charset="0"/>
+              </a:rPr>
               <a:t>Qualitative view of bacterial gradients after beginning gas flow (</a:t>
             </a:r>
             <a:r>
-              <a:rPr lang="en-US" sz="1800" dirty="0" err="1" smtClean="0"/>
+              <a:rPr lang="en-US" sz="1800" dirty="0" err="1" smtClean="0">
+                <a:latin typeface="Segoe UI" pitchFamily="34" charset="0"/>
+                <a:ea typeface="Segoe UI" pitchFamily="34" charset="0"/>
+                <a:cs typeface="Segoe UI" pitchFamily="34" charset="0"/>
+              </a:rPr>
               <a:t>brightfield</a:t>
             </a:r>
             <a:r>
-              <a:rPr lang="en-US" sz="1800" dirty="0" smtClean="0"/>
+              <a:rPr lang="en-US" sz="1800" dirty="0" smtClean="0">
+                <a:latin typeface="Segoe UI" pitchFamily="34" charset="0"/>
+                <a:ea typeface="Segoe UI" pitchFamily="34" charset="0"/>
+                <a:cs typeface="Segoe UI" pitchFamily="34" charset="0"/>
+              </a:rPr>
               <a:t> microscopy)</a:t>
             </a:r>
-            <a:endParaRPr lang="en-US" sz="1800" dirty="0"/>
-          </a:p>
-        </p:txBody>
-      </p:sp>
-      <p:grpSp>
-        <p:nvGrpSpPr>
-          <p:cNvPr id="2" name="Group 1"/>
-          <p:cNvGrpSpPr/>
+            <a:endParaRPr lang="en-US" sz="1800" dirty="0">
+              <a:latin typeface="Segoe UI" pitchFamily="34" charset="0"/>
+              <a:ea typeface="Segoe UI" pitchFamily="34" charset="0"/>
+              <a:cs typeface="Segoe UI" pitchFamily="34" charset="0"/>
+            </a:endParaRPr>
+          </a:p>
+        </p:txBody>
+      </p:sp>
+      <p:pic>
+        <p:nvPicPr>
+          <p:cNvPr id="10" name="Picture 9"/>
+          <p:cNvPicPr>
+            <a:picLocks noChangeAspect="1"/>
+          </p:cNvPicPr>
           <p:nvPr/>
-        </p:nvGrpSpPr>
-        <p:grpSpPr>
-          <a:xfrm>
-            <a:off x="23669225" y="9445790"/>
-            <a:ext cx="8196660" cy="4714600"/>
-            <a:chOff x="25187125" y="4438716"/>
-            <a:chExt cx="7665395" cy="4409024"/>
-          </a:xfrm>
-        </p:grpSpPr>
-        <p:pic>
-          <p:nvPicPr>
-            <p:cNvPr id="10" name="Picture 9"/>
-            <p:cNvPicPr>
-              <a:picLocks noChangeAspect="1"/>
-            </p:cNvPicPr>
-            <p:nvPr/>
-          </p:nvPicPr>
-          <p:blipFill>
-            <a:blip r:embed="rId14">
-              <a:extLst>
-                <a:ext uri="{28A0092B-C50C-407E-A947-70E740481C1C}">
-                  <a14:useLocalDpi xmlns:a14="http://schemas.microsoft.com/office/drawing/2010/main" val="0"/>
-                </a:ext>
-              </a:extLst>
-            </a:blip>
-            <a:stretch>
-              <a:fillRect/>
-            </a:stretch>
-          </p:blipFill>
-          <p:spPr>
-            <a:xfrm>
-              <a:off x="26021970" y="4438716"/>
-              <a:ext cx="6375180" cy="4409024"/>
-            </a:xfrm>
-            <a:prstGeom prst="rect">
-              <a:avLst/>
-            </a:prstGeom>
-          </p:spPr>
-        </p:pic>
-        <p:sp>
-          <p:nvSpPr>
-            <p:cNvPr id="58" name="TextBox 57"/>
-            <p:cNvSpPr txBox="1"/>
-            <p:nvPr/>
-          </p:nvSpPr>
-          <p:spPr>
-            <a:xfrm>
-              <a:off x="30727460" y="8316475"/>
-              <a:ext cx="1366110" cy="369332"/>
-            </a:xfrm>
-            <a:prstGeom prst="rect">
-              <a:avLst/>
-            </a:prstGeom>
-            <a:noFill/>
-          </p:spPr>
-          <p:txBody>
-            <a:bodyPr wrap="square" rtlCol="0">
-              <a:spAutoFit/>
-            </a:bodyPr>
-            <a:lstStyle/>
-            <a:p>
-              <a:pPr algn="ctr"/>
-              <a:r>
-                <a:rPr lang="en-US" sz="1800" dirty="0" smtClean="0">
-                  <a:solidFill>
-                    <a:schemeClr val="bg1"/>
-                  </a:solidFill>
-                </a:rPr>
-                <a:t>+0 min</a:t>
-              </a:r>
-              <a:endParaRPr lang="en-US" sz="1800" dirty="0">
-                <a:solidFill>
-                  <a:schemeClr val="bg1"/>
-                </a:solidFill>
-              </a:endParaRPr>
-            </a:p>
-          </p:txBody>
-        </p:sp>
-        <p:sp>
-          <p:nvSpPr>
-            <p:cNvPr id="59" name="TextBox 58"/>
-            <p:cNvSpPr txBox="1"/>
-            <p:nvPr/>
-          </p:nvSpPr>
-          <p:spPr>
-            <a:xfrm>
-              <a:off x="30651565" y="6798575"/>
-              <a:ext cx="1366110" cy="369332"/>
-            </a:xfrm>
-            <a:prstGeom prst="rect">
-              <a:avLst/>
-            </a:prstGeom>
-            <a:noFill/>
-          </p:spPr>
-          <p:txBody>
-            <a:bodyPr wrap="square" rtlCol="0">
-              <a:spAutoFit/>
-            </a:bodyPr>
-            <a:lstStyle/>
-            <a:p>
-              <a:pPr algn="ctr"/>
-              <a:r>
-                <a:rPr lang="en-US" sz="1800" dirty="0" smtClean="0">
-                  <a:solidFill>
-                    <a:schemeClr val="bg1"/>
-                  </a:solidFill>
-                </a:rPr>
-                <a:t>+5 min</a:t>
-              </a:r>
-              <a:endParaRPr lang="en-US" sz="1800" dirty="0">
-                <a:solidFill>
-                  <a:schemeClr val="bg1"/>
-                </a:solidFill>
-              </a:endParaRPr>
-            </a:p>
-          </p:txBody>
-        </p:sp>
-        <p:sp>
-          <p:nvSpPr>
-            <p:cNvPr id="60" name="TextBox 59"/>
-            <p:cNvSpPr txBox="1"/>
-            <p:nvPr/>
-          </p:nvSpPr>
-          <p:spPr>
-            <a:xfrm>
-              <a:off x="30651565" y="5356570"/>
-              <a:ext cx="1366110" cy="369332"/>
-            </a:xfrm>
-            <a:prstGeom prst="rect">
-              <a:avLst/>
-            </a:prstGeom>
-            <a:noFill/>
-          </p:spPr>
-          <p:txBody>
-            <a:bodyPr wrap="square" rtlCol="0">
-              <a:spAutoFit/>
-            </a:bodyPr>
-            <a:lstStyle/>
-            <a:p>
-              <a:pPr algn="ctr"/>
-              <a:r>
-                <a:rPr lang="en-US" sz="1800" dirty="0" smtClean="0">
-                  <a:solidFill>
-                    <a:schemeClr val="bg1"/>
-                  </a:solidFill>
-                </a:rPr>
-                <a:t>+10 min</a:t>
-              </a:r>
-              <a:endParaRPr lang="en-US" sz="1800" dirty="0">
-                <a:solidFill>
-                  <a:schemeClr val="bg1"/>
-                </a:solidFill>
-              </a:endParaRPr>
-            </a:p>
-          </p:txBody>
-        </p:sp>
-        <p:sp>
-          <p:nvSpPr>
-            <p:cNvPr id="61" name="TextBox 60"/>
-            <p:cNvSpPr txBox="1"/>
-            <p:nvPr/>
-          </p:nvSpPr>
-          <p:spPr>
-            <a:xfrm>
-              <a:off x="25187125" y="4901200"/>
-              <a:ext cx="1366110" cy="369332"/>
-            </a:xfrm>
-            <a:prstGeom prst="rect">
-              <a:avLst/>
-            </a:prstGeom>
-            <a:noFill/>
-          </p:spPr>
-          <p:txBody>
-            <a:bodyPr wrap="square" rtlCol="0">
-              <a:spAutoFit/>
-            </a:bodyPr>
-            <a:lstStyle/>
-            <a:p>
-              <a:pPr algn="ctr"/>
-              <a:r>
-                <a:rPr lang="en-US" sz="1800" dirty="0" smtClean="0"/>
-                <a:t>O</a:t>
-              </a:r>
-              <a:r>
-                <a:rPr lang="en-US" sz="1800" baseline="-25000" dirty="0" smtClean="0"/>
-                <a:t>2</a:t>
-              </a:r>
-              <a:endParaRPr lang="en-US" sz="1800" dirty="0"/>
-            </a:p>
-          </p:txBody>
-        </p:sp>
-        <p:sp>
-          <p:nvSpPr>
-            <p:cNvPr id="62" name="TextBox 61"/>
-            <p:cNvSpPr txBox="1"/>
-            <p:nvPr/>
-          </p:nvSpPr>
-          <p:spPr>
-            <a:xfrm>
-              <a:off x="25187125" y="6429243"/>
-              <a:ext cx="1366110" cy="369332"/>
-            </a:xfrm>
-            <a:prstGeom prst="rect">
-              <a:avLst/>
-            </a:prstGeom>
-            <a:noFill/>
-          </p:spPr>
-          <p:txBody>
-            <a:bodyPr wrap="square" rtlCol="0">
-              <a:spAutoFit/>
-            </a:bodyPr>
-            <a:lstStyle/>
-            <a:p>
-              <a:pPr algn="ctr"/>
-              <a:r>
-                <a:rPr lang="en-US" sz="1800" dirty="0" smtClean="0"/>
-                <a:t>O</a:t>
-              </a:r>
-              <a:r>
-                <a:rPr lang="en-US" sz="1800" baseline="-25000" dirty="0" smtClean="0"/>
-                <a:t>2</a:t>
-              </a:r>
-              <a:endParaRPr lang="en-US" sz="1800" dirty="0"/>
-            </a:p>
-          </p:txBody>
-        </p:sp>
-        <p:sp>
-          <p:nvSpPr>
-            <p:cNvPr id="63" name="TextBox 62"/>
-            <p:cNvSpPr txBox="1"/>
-            <p:nvPr/>
-          </p:nvSpPr>
-          <p:spPr>
-            <a:xfrm>
-              <a:off x="25187125" y="7947143"/>
-              <a:ext cx="1366110" cy="369332"/>
-            </a:xfrm>
-            <a:prstGeom prst="rect">
-              <a:avLst/>
-            </a:prstGeom>
-            <a:noFill/>
-          </p:spPr>
-          <p:txBody>
-            <a:bodyPr wrap="square" rtlCol="0">
-              <a:spAutoFit/>
-            </a:bodyPr>
-            <a:lstStyle/>
-            <a:p>
-              <a:pPr algn="ctr"/>
-              <a:r>
-                <a:rPr lang="en-US" sz="1800" dirty="0" smtClean="0"/>
-                <a:t>O</a:t>
-              </a:r>
-              <a:r>
-                <a:rPr lang="en-US" sz="1800" baseline="-25000" dirty="0" smtClean="0"/>
-                <a:t>2</a:t>
-              </a:r>
-              <a:endParaRPr lang="en-US" sz="1800" dirty="0"/>
-            </a:p>
-          </p:txBody>
-        </p:sp>
-        <p:sp>
-          <p:nvSpPr>
-            <p:cNvPr id="64" name="TextBox 63"/>
-            <p:cNvSpPr txBox="1"/>
-            <p:nvPr/>
-          </p:nvSpPr>
-          <p:spPr>
-            <a:xfrm>
-              <a:off x="31486410" y="4901200"/>
-              <a:ext cx="1366110" cy="369332"/>
-            </a:xfrm>
-            <a:prstGeom prst="rect">
-              <a:avLst/>
-            </a:prstGeom>
-            <a:noFill/>
-          </p:spPr>
-          <p:txBody>
-            <a:bodyPr wrap="square" rtlCol="0">
-              <a:spAutoFit/>
-            </a:bodyPr>
-            <a:lstStyle/>
-            <a:p>
-              <a:pPr algn="ctr"/>
-              <a:r>
-                <a:rPr lang="en-US" sz="1800" dirty="0">
-                  <a:solidFill>
-                    <a:schemeClr val="bg1"/>
-                  </a:solidFill>
-                </a:rPr>
-                <a:t>N</a:t>
-              </a:r>
-              <a:r>
-                <a:rPr lang="en-US" sz="1800" baseline="-25000" dirty="0" smtClean="0">
-                  <a:solidFill>
-                    <a:schemeClr val="bg1"/>
-                  </a:solidFill>
-                </a:rPr>
-                <a:t>2</a:t>
-              </a:r>
-              <a:endParaRPr lang="en-US" sz="1800" dirty="0">
-                <a:solidFill>
-                  <a:schemeClr val="bg1"/>
-                </a:solidFill>
-              </a:endParaRPr>
-            </a:p>
-          </p:txBody>
-        </p:sp>
-        <p:sp>
-          <p:nvSpPr>
-            <p:cNvPr id="65" name="TextBox 64"/>
-            <p:cNvSpPr txBox="1"/>
-            <p:nvPr/>
-          </p:nvSpPr>
-          <p:spPr>
-            <a:xfrm>
-              <a:off x="31486410" y="6494995"/>
-              <a:ext cx="1366110" cy="369332"/>
-            </a:xfrm>
-            <a:prstGeom prst="rect">
-              <a:avLst/>
-            </a:prstGeom>
-            <a:noFill/>
-          </p:spPr>
-          <p:txBody>
-            <a:bodyPr wrap="square" rtlCol="0">
-              <a:spAutoFit/>
-            </a:bodyPr>
-            <a:lstStyle/>
-            <a:p>
-              <a:pPr algn="ctr"/>
-              <a:r>
-                <a:rPr lang="en-US" sz="1800" dirty="0">
-                  <a:solidFill>
-                    <a:schemeClr val="bg1"/>
-                  </a:solidFill>
-                </a:rPr>
-                <a:t>N</a:t>
-              </a:r>
-              <a:r>
-                <a:rPr lang="en-US" sz="1800" baseline="-25000" dirty="0" smtClean="0">
-                  <a:solidFill>
-                    <a:schemeClr val="bg1"/>
-                  </a:solidFill>
-                </a:rPr>
-                <a:t>2</a:t>
-              </a:r>
-              <a:endParaRPr lang="en-US" sz="1800" dirty="0">
-                <a:solidFill>
-                  <a:schemeClr val="bg1"/>
-                </a:solidFill>
-              </a:endParaRPr>
-            </a:p>
-          </p:txBody>
-        </p:sp>
-        <p:sp>
-          <p:nvSpPr>
-            <p:cNvPr id="66" name="TextBox 65"/>
-            <p:cNvSpPr txBox="1"/>
-            <p:nvPr/>
-          </p:nvSpPr>
-          <p:spPr>
-            <a:xfrm>
-              <a:off x="31486410" y="7947143"/>
-              <a:ext cx="1366110" cy="369332"/>
-            </a:xfrm>
-            <a:prstGeom prst="rect">
-              <a:avLst/>
-            </a:prstGeom>
-            <a:noFill/>
-          </p:spPr>
-          <p:txBody>
-            <a:bodyPr wrap="square" rtlCol="0">
-              <a:spAutoFit/>
-            </a:bodyPr>
-            <a:lstStyle/>
-            <a:p>
-              <a:pPr algn="ctr"/>
-              <a:r>
-                <a:rPr lang="en-US" sz="1800" dirty="0">
-                  <a:solidFill>
-                    <a:schemeClr val="bg1"/>
-                  </a:solidFill>
-                </a:rPr>
-                <a:t>N</a:t>
-              </a:r>
-              <a:r>
-                <a:rPr lang="en-US" sz="1800" baseline="-25000" dirty="0" smtClean="0">
-                  <a:solidFill>
-                    <a:schemeClr val="bg1"/>
-                  </a:solidFill>
-                </a:rPr>
-                <a:t>2</a:t>
-              </a:r>
-              <a:endParaRPr lang="en-US" sz="1800" dirty="0">
-                <a:solidFill>
-                  <a:schemeClr val="bg1"/>
-                </a:solidFill>
-              </a:endParaRPr>
-            </a:p>
-          </p:txBody>
-        </p:sp>
-      </p:grpSp>
-      <p:sp>
-        <p:nvSpPr>
-          <p:cNvPr id="11" name="Rectangle 10"/>
-          <p:cNvSpPr/>
-          <p:nvPr/>
-        </p:nvSpPr>
+        </p:nvPicPr>
+        <p:blipFill>
+          <a:blip r:embed="rId14">
+            <a:extLst>
+              <a:ext uri="{28A0092B-C50C-407E-A947-70E740481C1C}">
+                <a14:useLocalDpi xmlns:a14="http://schemas.microsoft.com/office/drawing/2010/main" val="0"/>
+              </a:ext>
+            </a:extLst>
+          </a:blip>
+          <a:stretch>
+            <a:fillRect/>
+          </a:stretch>
+        </p:blipFill>
         <p:spPr>
-          <a:xfrm>
-            <a:off x="22650063" y="20140249"/>
-            <a:ext cx="9562770" cy="1569660"/>
+          <a:xfrm rot="10800000">
+            <a:off x="24713721" y="9445790"/>
+            <a:ext cx="6817024" cy="4714600"/>
           </a:xfrm>
           <a:prstGeom prst="rect">
             <a:avLst/>
           </a:prstGeom>
         </p:spPr>
+      </p:pic>
+      <p:sp>
+        <p:nvSpPr>
+          <p:cNvPr id="58" name="TextBox 57"/>
+          <p:cNvSpPr txBox="1"/>
+          <p:nvPr/>
+        </p:nvSpPr>
+        <p:spPr>
+          <a:xfrm>
+            <a:off x="27391838" y="13756375"/>
+            <a:ext cx="1460791" cy="369332"/>
+          </a:xfrm>
+          <a:prstGeom prst="rect">
+            <a:avLst/>
+          </a:prstGeom>
+          <a:noFill/>
+        </p:spPr>
+        <p:txBody>
+          <a:bodyPr wrap="square" rtlCol="0">
+            <a:spAutoFit/>
+          </a:bodyPr>
+          <a:lstStyle/>
+          <a:p>
+            <a:pPr algn="ctr"/>
+            <a:r>
+              <a:rPr lang="en-US" sz="1800" dirty="0" smtClean="0">
+                <a:solidFill>
+                  <a:schemeClr val="bg1"/>
+                </a:solidFill>
+              </a:rPr>
+              <a:t>+10 </a:t>
+            </a:r>
+            <a:r>
+              <a:rPr lang="en-US" sz="1800" dirty="0" smtClean="0">
+                <a:solidFill>
+                  <a:schemeClr val="bg1"/>
+                </a:solidFill>
+              </a:rPr>
+              <a:t>min</a:t>
+            </a:r>
+            <a:endParaRPr lang="en-US" sz="1800" dirty="0">
+              <a:solidFill>
+                <a:schemeClr val="bg1"/>
+              </a:solidFill>
+            </a:endParaRPr>
+          </a:p>
+        </p:txBody>
+      </p:sp>
+      <p:sp>
+        <p:nvSpPr>
+          <p:cNvPr id="59" name="TextBox 58"/>
+          <p:cNvSpPr txBox="1"/>
+          <p:nvPr/>
+        </p:nvSpPr>
+        <p:spPr>
+          <a:xfrm>
+            <a:off x="27391838" y="12133274"/>
+            <a:ext cx="1460791" cy="394929"/>
+          </a:xfrm>
+          <a:prstGeom prst="rect">
+            <a:avLst/>
+          </a:prstGeom>
+          <a:noFill/>
+        </p:spPr>
+        <p:txBody>
+          <a:bodyPr wrap="square" rtlCol="0">
+            <a:spAutoFit/>
+          </a:bodyPr>
+          <a:lstStyle/>
+          <a:p>
+            <a:pPr algn="ctr"/>
+            <a:r>
+              <a:rPr lang="en-US" sz="1800" dirty="0" smtClean="0">
+                <a:solidFill>
+                  <a:schemeClr val="bg1"/>
+                </a:solidFill>
+              </a:rPr>
+              <a:t>+5 min</a:t>
+            </a:r>
+            <a:endParaRPr lang="en-US" sz="1800" dirty="0">
+              <a:solidFill>
+                <a:schemeClr val="bg1"/>
+              </a:solidFill>
+            </a:endParaRPr>
+          </a:p>
+        </p:txBody>
+      </p:sp>
+      <p:sp>
+        <p:nvSpPr>
+          <p:cNvPr id="60" name="TextBox 59"/>
+          <p:cNvSpPr txBox="1"/>
+          <p:nvPr/>
+        </p:nvSpPr>
+        <p:spPr>
+          <a:xfrm>
+            <a:off x="27391838" y="10591328"/>
+            <a:ext cx="1460791" cy="369332"/>
+          </a:xfrm>
+          <a:prstGeom prst="rect">
+            <a:avLst/>
+          </a:prstGeom>
+          <a:noFill/>
+        </p:spPr>
+        <p:txBody>
+          <a:bodyPr wrap="square" rtlCol="0">
+            <a:spAutoFit/>
+          </a:bodyPr>
+          <a:lstStyle/>
+          <a:p>
+            <a:pPr algn="ctr"/>
+            <a:r>
+              <a:rPr lang="en-US" sz="1800" dirty="0" smtClean="0">
+                <a:solidFill>
+                  <a:schemeClr val="bg1"/>
+                </a:solidFill>
+              </a:rPr>
+              <a:t>+0 </a:t>
+            </a:r>
+            <a:r>
+              <a:rPr lang="en-US" sz="1800" dirty="0" smtClean="0">
+                <a:solidFill>
+                  <a:schemeClr val="bg1"/>
+                </a:solidFill>
+              </a:rPr>
+              <a:t>min</a:t>
+            </a:r>
+            <a:endParaRPr lang="en-US" sz="1800" dirty="0">
+              <a:solidFill>
+                <a:schemeClr val="bg1"/>
+              </a:solidFill>
+            </a:endParaRPr>
+          </a:p>
+        </p:txBody>
+      </p:sp>
+      <p:sp>
+        <p:nvSpPr>
+          <p:cNvPr id="61" name="TextBox 60"/>
+          <p:cNvSpPr txBox="1"/>
+          <p:nvPr/>
+        </p:nvSpPr>
+        <p:spPr>
+          <a:xfrm>
+            <a:off x="23821015" y="9940327"/>
+            <a:ext cx="1460791" cy="369332"/>
+          </a:xfrm>
+          <a:prstGeom prst="rect">
+            <a:avLst/>
+          </a:prstGeom>
+          <a:noFill/>
+        </p:spPr>
+        <p:txBody>
+          <a:bodyPr wrap="square" rtlCol="0">
+            <a:spAutoFit/>
+          </a:bodyPr>
+          <a:lstStyle/>
+          <a:p>
+            <a:pPr algn="ctr"/>
+            <a:r>
+              <a:rPr lang="en-US" sz="1800" dirty="0" smtClean="0"/>
+              <a:t>N</a:t>
+            </a:r>
+            <a:r>
+              <a:rPr lang="en-US" sz="1800" baseline="-25000" dirty="0" smtClean="0"/>
+              <a:t>2</a:t>
+            </a:r>
+            <a:endParaRPr lang="en-US" sz="1800" dirty="0"/>
+          </a:p>
+        </p:txBody>
+      </p:sp>
+      <p:sp>
+        <p:nvSpPr>
+          <p:cNvPr id="62" name="TextBox 61"/>
+          <p:cNvSpPr txBox="1"/>
+          <p:nvPr/>
+        </p:nvSpPr>
+        <p:spPr>
+          <a:xfrm>
+            <a:off x="23821015" y="11574274"/>
+            <a:ext cx="1460791" cy="369332"/>
+          </a:xfrm>
+          <a:prstGeom prst="rect">
+            <a:avLst/>
+          </a:prstGeom>
+          <a:noFill/>
+        </p:spPr>
+        <p:txBody>
+          <a:bodyPr wrap="square" rtlCol="0">
+            <a:spAutoFit/>
+          </a:bodyPr>
+          <a:lstStyle/>
+          <a:p>
+            <a:pPr algn="ctr"/>
+            <a:r>
+              <a:rPr lang="en-US" sz="1800" dirty="0" smtClean="0"/>
+              <a:t>N</a:t>
+            </a:r>
+            <a:r>
+              <a:rPr lang="en-US" sz="1800" baseline="-25000" dirty="0" smtClean="0"/>
+              <a:t>2</a:t>
+            </a:r>
+            <a:endParaRPr lang="en-US" sz="1800" dirty="0"/>
+          </a:p>
+        </p:txBody>
+      </p:sp>
+      <p:sp>
+        <p:nvSpPr>
+          <p:cNvPr id="63" name="TextBox 62"/>
+          <p:cNvSpPr txBox="1"/>
+          <p:nvPr/>
+        </p:nvSpPr>
+        <p:spPr>
+          <a:xfrm>
+            <a:off x="23821015" y="13197375"/>
+            <a:ext cx="1460791" cy="369332"/>
+          </a:xfrm>
+          <a:prstGeom prst="rect">
+            <a:avLst/>
+          </a:prstGeom>
+          <a:noFill/>
+        </p:spPr>
+        <p:txBody>
+          <a:bodyPr wrap="square" rtlCol="0">
+            <a:spAutoFit/>
+          </a:bodyPr>
+          <a:lstStyle/>
+          <a:p>
+            <a:pPr algn="ctr"/>
+            <a:r>
+              <a:rPr lang="en-US" sz="1800" dirty="0" smtClean="0"/>
+              <a:t>N</a:t>
+            </a:r>
+            <a:r>
+              <a:rPr lang="en-US" sz="1800" baseline="-25000" dirty="0" smtClean="0"/>
+              <a:t>2</a:t>
+            </a:r>
+            <a:endParaRPr lang="en-US" sz="1800" dirty="0"/>
+          </a:p>
+        </p:txBody>
+      </p:sp>
+      <p:sp>
+        <p:nvSpPr>
+          <p:cNvPr id="64" name="TextBox 63"/>
+          <p:cNvSpPr txBox="1"/>
+          <p:nvPr/>
+        </p:nvSpPr>
+        <p:spPr>
+          <a:xfrm>
+            <a:off x="31012254" y="9940327"/>
+            <a:ext cx="1460791" cy="369332"/>
+          </a:xfrm>
+          <a:prstGeom prst="rect">
+            <a:avLst/>
+          </a:prstGeom>
+          <a:noFill/>
+        </p:spPr>
+        <p:txBody>
+          <a:bodyPr wrap="square" rtlCol="0">
+            <a:spAutoFit/>
+          </a:bodyPr>
+          <a:lstStyle/>
+          <a:p>
+            <a:pPr algn="ctr"/>
+            <a:r>
+              <a:rPr lang="en-US" sz="1800" dirty="0" smtClean="0"/>
+              <a:t>O</a:t>
+            </a:r>
+            <a:r>
+              <a:rPr lang="en-US" sz="1800" baseline="-25000" dirty="0" smtClean="0"/>
+              <a:t>2</a:t>
+            </a:r>
+            <a:endParaRPr lang="en-US" sz="1800" dirty="0"/>
+          </a:p>
+        </p:txBody>
+      </p:sp>
+      <p:sp>
+        <p:nvSpPr>
+          <p:cNvPr id="65" name="TextBox 64"/>
+          <p:cNvSpPr txBox="1"/>
+          <p:nvPr/>
+        </p:nvSpPr>
+        <p:spPr>
+          <a:xfrm>
+            <a:off x="31012254" y="11644583"/>
+            <a:ext cx="1460791" cy="369332"/>
+          </a:xfrm>
+          <a:prstGeom prst="rect">
+            <a:avLst/>
+          </a:prstGeom>
+          <a:noFill/>
+        </p:spPr>
+        <p:txBody>
+          <a:bodyPr wrap="square" rtlCol="0">
+            <a:spAutoFit/>
+          </a:bodyPr>
+          <a:lstStyle/>
+          <a:p>
+            <a:pPr algn="ctr"/>
+            <a:r>
+              <a:rPr lang="en-US" sz="1800" dirty="0" smtClean="0"/>
+              <a:t>O</a:t>
+            </a:r>
+            <a:r>
+              <a:rPr lang="en-US" sz="1800" baseline="-25000" dirty="0" smtClean="0"/>
+              <a:t>2</a:t>
+            </a:r>
+            <a:endParaRPr lang="en-US" sz="1800" dirty="0"/>
+          </a:p>
+        </p:txBody>
+      </p:sp>
+      <p:sp>
+        <p:nvSpPr>
+          <p:cNvPr id="66" name="TextBox 65"/>
+          <p:cNvSpPr txBox="1"/>
+          <p:nvPr/>
+        </p:nvSpPr>
+        <p:spPr>
+          <a:xfrm>
+            <a:off x="31012254" y="13197375"/>
+            <a:ext cx="1460791" cy="369332"/>
+          </a:xfrm>
+          <a:prstGeom prst="rect">
+            <a:avLst/>
+          </a:prstGeom>
+          <a:noFill/>
+        </p:spPr>
+        <p:txBody>
+          <a:bodyPr wrap="square" rtlCol="0">
+            <a:spAutoFit/>
+          </a:bodyPr>
+          <a:lstStyle/>
+          <a:p>
+            <a:pPr algn="ctr"/>
+            <a:r>
+              <a:rPr lang="en-US" sz="1800" dirty="0" smtClean="0"/>
+              <a:t>O</a:t>
+            </a:r>
+            <a:r>
+              <a:rPr lang="en-US" sz="1800" baseline="-25000" dirty="0" smtClean="0"/>
+              <a:t>2</a:t>
+            </a:r>
+            <a:endParaRPr lang="en-US" sz="1800" dirty="0"/>
+          </a:p>
+        </p:txBody>
+      </p:sp>
+      <p:sp>
+        <p:nvSpPr>
+          <p:cNvPr id="11" name="Rectangle 10"/>
+          <p:cNvSpPr/>
+          <p:nvPr/>
+        </p:nvSpPr>
+        <p:spPr>
+          <a:xfrm>
+            <a:off x="22650063" y="20140249"/>
+            <a:ext cx="9562770" cy="1384995"/>
+          </a:xfrm>
+          <a:prstGeom prst="rect">
+            <a:avLst/>
+          </a:prstGeom>
+        </p:spPr>
         <p:txBody>
           <a:bodyPr wrap="square">
             <a:spAutoFit/>
           </a:bodyPr>
           <a:lstStyle/>
           <a:p>
+            <a:pPr marL="228600" indent="-228600"/>
             <a:r>
               <a:rPr lang="en-US" sz="1200" baseline="30000" dirty="0" smtClean="0">
                 <a:latin typeface="Segoe UI"/>
                 <a:cs typeface="Segoe UI"/>
               </a:rPr>
-              <a:t>	1 </a:t>
+              <a:t>1 </a:t>
             </a:r>
             <a:r>
               <a:rPr lang="en-US" sz="1200" dirty="0" smtClean="0">
@@ -8486,269 +7791,531 @@
                 <a:latin typeface="Segoe UI"/>
                 <a:cs typeface="Segoe UI"/>
               </a:rPr>
-              <a:t>, and Mark S. Johnson. “</a:t>
+              <a:t>, and Mark S. Johnson. “Aerotaxis and other energy-sensing behavior in bacteria.”</a:t>
             </a:r>
             <a:r>
               <a:rPr lang="en-US" sz="1200" dirty="0" err="1" smtClean="0">
                 <a:latin typeface="Segoe UI"/>
                 <a:cs typeface="Segoe UI"/>
               </a:rPr>
-              <a:t>Aerotaxis</a:t>
+              <a:t>Annu</a:t>
             </a:r>
             <a:r>
               <a:rPr lang="en-US" sz="1200" dirty="0" smtClean="0">
                 <a:latin typeface="Segoe UI"/>
                 <a:cs typeface="Segoe UI"/>
               </a:rPr>
-              <a:t> and other energy-sensing behavior in bacteria.”</a:t>
+              <a:t> Rev </a:t>
             </a:r>
             <a:r>
               <a:rPr lang="en-US" sz="1200" dirty="0" err="1" smtClean="0">
                 <a:latin typeface="Segoe UI"/>
                 <a:cs typeface="Segoe UI"/>
               </a:rPr>
-              <a:t>Annu</a:t>
+              <a:t>Microbiol</a:t>
             </a:r>
             <a:r>
               <a:rPr lang="en-US" sz="1200" dirty="0" smtClean="0">
                 <a:latin typeface="Segoe UI"/>
                 <a:cs typeface="Segoe UI"/>
               </a:rPr>
-              <a:t> Rev </a:t>
+              <a:t>. 1999;53:103-28</a:t>
+            </a:r>
+            <a:r>
+              <a:rPr lang="en-US" sz="1200" dirty="0" smtClean="0">
+                <a:latin typeface="Segoe UI"/>
+                <a:cs typeface="Segoe UI"/>
+              </a:rPr>
+              <a:t>.</a:t>
+            </a:r>
+          </a:p>
+          <a:p>
+            <a:pPr marL="228600" indent="-228600"/>
+            <a:endParaRPr lang="en-US" sz="600" dirty="0" smtClean="0">
+              <a:latin typeface="Segoe UI"/>
+              <a:cs typeface="Segoe UI"/>
+            </a:endParaRPr>
+          </a:p>
+          <a:p>
+            <a:pPr marL="228600" indent="-228600"/>
+            <a:r>
+              <a:rPr lang="en-US" sz="1200" baseline="30000" dirty="0" smtClean="0">
+                <a:latin typeface="Segoe UI"/>
+                <a:cs typeface="Segoe UI"/>
+              </a:rPr>
+              <a:t>2 </a:t>
             </a:r>
             <a:r>
               <a:rPr lang="en-US" sz="1200" dirty="0" err="1" smtClean="0">
                 <a:latin typeface="Segoe UI"/>
                 <a:cs typeface="Segoe UI"/>
               </a:rPr>
-              <a:t>Microbiol</a:t>
+              <a:t>Tindall</a:t>
+            </a:r>
+            <a:r>
+              <a:rPr lang="en-US" sz="1200" dirty="0">
+                <a:latin typeface="Segoe UI"/>
+                <a:cs typeface="Segoe UI"/>
+              </a:rPr>
+              <a:t>, M.K., P.K. </a:t>
+            </a:r>
+            <a:r>
+              <a:rPr lang="en-US" sz="1200" dirty="0" err="1">
+                <a:latin typeface="Segoe UI"/>
+                <a:cs typeface="Segoe UI"/>
+              </a:rPr>
+              <a:t>Maini</a:t>
+            </a:r>
+            <a:r>
+              <a:rPr lang="en-US" sz="1200" dirty="0">
+                <a:latin typeface="Segoe UI"/>
+                <a:cs typeface="Segoe UI"/>
+              </a:rPr>
+              <a:t>, S.L. Porter, &amp; J.P. </a:t>
+            </a:r>
+            <a:r>
+              <a:rPr lang="en-US" sz="1200" dirty="0" err="1">
+                <a:latin typeface="Segoe UI"/>
+                <a:cs typeface="Segoe UI"/>
+              </a:rPr>
+              <a:t>Armitage</a:t>
+            </a:r>
+            <a:r>
+              <a:rPr lang="en-US" sz="1200" dirty="0">
+                <a:latin typeface="Segoe UI"/>
+                <a:cs typeface="Segoe UI"/>
+              </a:rPr>
+              <a:t>. “Overview of Mathematical Approaches Used to Model Bacterial Chemotaxis I: The Single Cell.” Bull Math Biol. 2008 Aug;70(6):1525-69. </a:t>
+            </a:r>
+            <a:r>
+              <a:rPr lang="en-US" sz="1200" dirty="0" err="1">
+                <a:latin typeface="Segoe UI"/>
+                <a:cs typeface="Segoe UI"/>
+              </a:rPr>
+              <a:t>doi</a:t>
+            </a:r>
+            <a:r>
+              <a:rPr lang="en-US" sz="1200" dirty="0">
+                <a:latin typeface="Segoe UI"/>
+                <a:cs typeface="Segoe UI"/>
+              </a:rPr>
+              <a:t>: 10.1007/s11538-008-9321-6. </a:t>
+            </a:r>
+            <a:r>
+              <a:rPr lang="en-US" sz="1200" dirty="0" err="1">
+                <a:latin typeface="Segoe UI"/>
+                <a:cs typeface="Segoe UI"/>
+              </a:rPr>
+              <a:t>Epub</a:t>
+            </a:r>
+            <a:r>
+              <a:rPr lang="en-US" sz="1200" dirty="0">
+                <a:latin typeface="Segoe UI"/>
+                <a:cs typeface="Segoe UI"/>
+              </a:rPr>
+              <a:t> 2008 Jul 19</a:t>
             </a:r>
             <a:r>
               <a:rPr lang="en-US" sz="1200" dirty="0" smtClean="0">
                 <a:latin typeface="Segoe UI"/>
                 <a:cs typeface="Segoe UI"/>
               </a:rPr>
-              <a:t>. 1999;53:103-28.</a:t>
-            </a:r>
-          </a:p>
-          <a:p>
+              <a:t>.</a:t>
+            </a:r>
+          </a:p>
+          <a:p>
+            <a:pPr marL="228600" indent="-228600"/>
+            <a:endParaRPr lang="en-US" sz="600" dirty="0" smtClean="0">
+              <a:latin typeface="Segoe UI"/>
+              <a:cs typeface="Segoe UI"/>
+            </a:endParaRPr>
+          </a:p>
+          <a:p>
+            <a:pPr marL="228600" indent="-228600"/>
+            <a:r>
+              <a:rPr lang="en-US" sz="1200" baseline="30000" dirty="0" smtClean="0">
+                <a:latin typeface="Segoe UI"/>
+                <a:cs typeface="Segoe UI"/>
+              </a:rPr>
+              <a:t>3 </a:t>
+            </a:r>
+            <a:r>
+              <a:rPr lang="en-US" sz="1200" dirty="0" err="1" smtClean="0">
+                <a:latin typeface="Segoe UI"/>
+                <a:cs typeface="Segoe UI"/>
+              </a:rPr>
+              <a:t>Tindall</a:t>
+            </a:r>
+            <a:r>
+              <a:rPr lang="en-US" sz="1200" dirty="0">
+                <a:latin typeface="Segoe UI"/>
+                <a:cs typeface="Segoe UI"/>
+              </a:rPr>
+              <a:t>, M.K., P.K. </a:t>
+            </a:r>
+            <a:r>
+              <a:rPr lang="en-US" sz="1200" dirty="0" err="1">
+                <a:latin typeface="Segoe UI"/>
+                <a:cs typeface="Segoe UI"/>
+              </a:rPr>
+              <a:t>Maini</a:t>
+            </a:r>
+            <a:r>
+              <a:rPr lang="en-US" sz="1200" dirty="0">
+                <a:latin typeface="Segoe UI"/>
+                <a:cs typeface="Segoe UI"/>
+              </a:rPr>
+              <a:t>, S.L. Porter, &amp; J.P. </a:t>
+            </a:r>
+            <a:r>
+              <a:rPr lang="en-US" sz="1200" dirty="0" err="1">
+                <a:latin typeface="Segoe UI"/>
+                <a:cs typeface="Segoe UI"/>
+              </a:rPr>
+              <a:t>Armitage</a:t>
+            </a:r>
+            <a:r>
+              <a:rPr lang="en-US" sz="1200" dirty="0">
+                <a:latin typeface="Segoe UI"/>
+                <a:cs typeface="Segoe UI"/>
+              </a:rPr>
+              <a:t>. “Overview of Mathematical Approaches Used to Model Bacterial Chemotaxis II: Bacterial Populations.” Bull Math Biol. 2008 Aug;70(6):1570-607. </a:t>
+            </a:r>
+            <a:r>
+              <a:rPr lang="en-US" sz="1200" dirty="0" err="1">
+                <a:latin typeface="Segoe UI"/>
+                <a:cs typeface="Segoe UI"/>
+              </a:rPr>
+              <a:t>doi</a:t>
+            </a:r>
+            <a:r>
+              <a:rPr lang="en-US" sz="1200" dirty="0">
+                <a:latin typeface="Segoe UI"/>
+                <a:cs typeface="Segoe UI"/>
+              </a:rPr>
+              <a:t>: 10.1007/s11538-008-9322-5. </a:t>
+            </a:r>
+            <a:r>
+              <a:rPr lang="en-US" sz="1200" dirty="0" err="1">
+                <a:latin typeface="Segoe UI"/>
+                <a:cs typeface="Segoe UI"/>
+              </a:rPr>
+              <a:t>Epub</a:t>
+            </a:r>
+            <a:r>
+              <a:rPr lang="en-US" sz="1200" dirty="0">
+                <a:latin typeface="Segoe UI"/>
+                <a:cs typeface="Segoe UI"/>
+              </a:rPr>
+              <a:t> 2008 Jul </a:t>
+            </a:r>
             <a:r>
               <a:rPr lang="en-US" sz="1200" dirty="0" smtClean="0">
                 <a:latin typeface="Segoe UI"/>
                 <a:cs typeface="Segoe UI"/>
               </a:rPr>
-              <a:t>	</a:t>
-            </a:r>
-            <a:r>
-              <a:rPr lang="en-US" sz="1200" baseline="30000" dirty="0" smtClean="0">
-                <a:latin typeface="Segoe UI"/>
-                <a:cs typeface="Segoe UI"/>
-              </a:rPr>
-              <a:t>2 </a:t>
-            </a:r>
-            <a:r>
-              <a:rPr lang="en-US" sz="1200" dirty="0" err="1" smtClean="0">
-                <a:latin typeface="Segoe UI"/>
-                <a:cs typeface="Segoe UI"/>
-              </a:rPr>
-              <a:t>Tindall</a:t>
-            </a:r>
-            <a:r>
-              <a:rPr lang="en-US" sz="1200" dirty="0">
-                <a:latin typeface="Segoe UI"/>
-                <a:cs typeface="Segoe UI"/>
-              </a:rPr>
-              <a:t>, M.K., P.K. </a:t>
-            </a:r>
-            <a:r>
-              <a:rPr lang="en-US" sz="1200" dirty="0" err="1">
-                <a:latin typeface="Segoe UI"/>
-                <a:cs typeface="Segoe UI"/>
-              </a:rPr>
-              <a:t>Maini</a:t>
-            </a:r>
-            <a:r>
-              <a:rPr lang="en-US" sz="1200" dirty="0">
-                <a:latin typeface="Segoe UI"/>
-                <a:cs typeface="Segoe UI"/>
-              </a:rPr>
-              <a:t>, S.L. Porter, &amp; J.P. </a:t>
-            </a:r>
-            <a:r>
-              <a:rPr lang="en-US" sz="1200" dirty="0" err="1">
-                <a:latin typeface="Segoe UI"/>
-                <a:cs typeface="Segoe UI"/>
-              </a:rPr>
-              <a:t>Armitage</a:t>
-            </a:r>
-            <a:r>
-              <a:rPr lang="en-US" sz="1200" dirty="0">
-                <a:latin typeface="Segoe UI"/>
-                <a:cs typeface="Segoe UI"/>
-              </a:rPr>
-              <a:t>. “Overview of Mathematical Approaches Used to Model Bacterial </a:t>
-            </a:r>
-            <a:r>
-              <a:rPr lang="en-US" sz="1200" dirty="0" err="1">
-                <a:latin typeface="Segoe UI"/>
-                <a:cs typeface="Segoe UI"/>
-              </a:rPr>
-              <a:t>Chemotaxis</a:t>
-            </a:r>
-            <a:r>
-              <a:rPr lang="en-US" sz="1200" dirty="0">
-                <a:latin typeface="Segoe UI"/>
-                <a:cs typeface="Segoe UI"/>
-              </a:rPr>
-              <a:t> I: The Single Cell.” Bull Math Biol. 2008 Aug;70(6):1525-69. </a:t>
-            </a:r>
-            <a:r>
-              <a:rPr lang="en-US" sz="1200" dirty="0" err="1">
-                <a:latin typeface="Segoe UI"/>
-                <a:cs typeface="Segoe UI"/>
-              </a:rPr>
-              <a:t>doi</a:t>
-            </a:r>
-            <a:r>
-              <a:rPr lang="en-US" sz="1200" dirty="0">
-                <a:latin typeface="Segoe UI"/>
-                <a:cs typeface="Segoe UI"/>
-              </a:rPr>
-              <a:t>: 10.1007/s11538-008-9321-6. </a:t>
-            </a:r>
-            <a:r>
-              <a:rPr lang="en-US" sz="1200" dirty="0" err="1">
-                <a:latin typeface="Segoe UI"/>
-                <a:cs typeface="Segoe UI"/>
-              </a:rPr>
-              <a:t>Epub</a:t>
-            </a:r>
-            <a:r>
-              <a:rPr lang="en-US" sz="1200" dirty="0">
-                <a:latin typeface="Segoe UI"/>
-                <a:cs typeface="Segoe UI"/>
-              </a:rPr>
-              <a:t> 2008 Jul 19</a:t>
-            </a:r>
-            <a:r>
-              <a:rPr lang="en-US" sz="1200" dirty="0" smtClean="0">
-                <a:latin typeface="Segoe UI"/>
-                <a:cs typeface="Segoe UI"/>
-              </a:rPr>
-              <a:t>.</a:t>
-            </a:r>
-          </a:p>
-          <a:p>
-            <a:r>
-              <a:rPr lang="en-US" sz="1200" dirty="0" smtClean="0">
-                <a:latin typeface="Segoe UI"/>
-                <a:cs typeface="Segoe UI"/>
-              </a:rPr>
-              <a:t>	</a:t>
-            </a:r>
-            <a:r>
-              <a:rPr lang="en-US" sz="1200" baseline="30000" dirty="0" smtClean="0">
-                <a:latin typeface="Segoe UI"/>
-                <a:cs typeface="Segoe UI"/>
-              </a:rPr>
-              <a:t>3 </a:t>
-            </a:r>
-            <a:r>
-              <a:rPr lang="en-US" sz="1200" dirty="0" err="1" smtClean="0">
-                <a:latin typeface="Segoe UI"/>
-                <a:cs typeface="Segoe UI"/>
-              </a:rPr>
-              <a:t>Tindall</a:t>
-            </a:r>
-            <a:r>
-              <a:rPr lang="en-US" sz="1200" dirty="0">
-                <a:latin typeface="Segoe UI"/>
-                <a:cs typeface="Segoe UI"/>
-              </a:rPr>
-              <a:t>, M.K., P.K. </a:t>
-            </a:r>
-            <a:r>
-              <a:rPr lang="en-US" sz="1200" dirty="0" err="1">
-                <a:latin typeface="Segoe UI"/>
-                <a:cs typeface="Segoe UI"/>
-              </a:rPr>
-              <a:t>Maini</a:t>
-            </a:r>
-            <a:r>
-              <a:rPr lang="en-US" sz="1200" dirty="0">
-                <a:latin typeface="Segoe UI"/>
-                <a:cs typeface="Segoe UI"/>
-              </a:rPr>
-              <a:t>, S.L. Porter, &amp; J.P. </a:t>
-            </a:r>
-            <a:r>
-              <a:rPr lang="en-US" sz="1200" dirty="0" err="1">
-                <a:latin typeface="Segoe UI"/>
-                <a:cs typeface="Segoe UI"/>
-              </a:rPr>
-              <a:t>Armitage</a:t>
-            </a:r>
-            <a:r>
-              <a:rPr lang="en-US" sz="1200" dirty="0">
-                <a:latin typeface="Segoe UI"/>
-                <a:cs typeface="Segoe UI"/>
-              </a:rPr>
-              <a:t>. “Overview of Mathematical Approaches Used to Model Bacterial </a:t>
-            </a:r>
-            <a:r>
-              <a:rPr lang="en-US" sz="1200" dirty="0" err="1">
-                <a:latin typeface="Segoe UI"/>
-                <a:cs typeface="Segoe UI"/>
-              </a:rPr>
-              <a:t>Chemotaxis</a:t>
-            </a:r>
-            <a:r>
-              <a:rPr lang="en-US" sz="1200" dirty="0">
-                <a:latin typeface="Segoe UI"/>
-                <a:cs typeface="Segoe UI"/>
-              </a:rPr>
-              <a:t> II: Bacterial Populations.” Bull Math Biol. 2008 Aug;70(6):1570-607. </a:t>
-            </a:r>
-            <a:r>
-              <a:rPr lang="en-US" sz="1200" dirty="0" err="1">
-                <a:latin typeface="Segoe UI"/>
-                <a:cs typeface="Segoe UI"/>
-              </a:rPr>
-              <a:t>doi</a:t>
-            </a:r>
-            <a:r>
-              <a:rPr lang="en-US" sz="1200" dirty="0">
-                <a:latin typeface="Segoe UI"/>
-                <a:cs typeface="Segoe UI"/>
-              </a:rPr>
-              <a:t>: 10.1007/s11538-008-9322-5. </a:t>
-            </a:r>
-            <a:r>
-              <a:rPr lang="en-US" sz="1200" dirty="0" err="1">
-                <a:latin typeface="Segoe UI"/>
-                <a:cs typeface="Segoe UI"/>
-              </a:rPr>
-              <a:t>Epub</a:t>
-            </a:r>
-            <a:r>
-              <a:rPr lang="en-US" sz="1200" dirty="0">
-                <a:latin typeface="Segoe UI"/>
-                <a:cs typeface="Segoe UI"/>
-              </a:rPr>
-              <a:t> 2008 Jul 19.</a:t>
-            </a:r>
-          </a:p>
-          <a:p>
+              <a:t>19</a:t>
+            </a:r>
             <a:endParaRPr lang="en-US" sz="1200" dirty="0" smtClean="0">
               <a:latin typeface="Segoe UI"/>
               <a:cs typeface="Segoe UI"/>
             </a:endParaRPr>
           </a:p>
-          <a:p>
-            <a:endParaRPr lang="en-US" sz="1200" dirty="0">
-              <a:latin typeface="Segoe UI"/>
-              <a:cs typeface="Segoe UI"/>
+        </p:txBody>
+      </p:sp>
+      <p:sp>
+        <p:nvSpPr>
+          <p:cNvPr id="2050" name="Text Box 10"/>
+          <p:cNvSpPr txBox="1">
+            <a:spLocks noChangeArrowheads="1"/>
+          </p:cNvSpPr>
+          <p:nvPr/>
+        </p:nvSpPr>
+        <p:spPr bwMode="auto">
+          <a:xfrm>
+            <a:off x="4893075" y="223309"/>
+            <a:ext cx="23064218" cy="2569468"/>
+          </a:xfrm>
+          <a:prstGeom prst="rect">
+            <a:avLst/>
+          </a:prstGeom>
+          <a:noFill/>
+          <a:ln>
+            <a:noFill/>
+          </a:ln>
+          <a:extLst>
+            <a:ext uri="{909E8E84-426E-40DD-AFC4-6F175D3DCCD1}">
+              <a14:hiddenFill xmlns:a14="http://schemas.microsoft.com/office/drawing/2010/main">
+                <a:solidFill>
+                  <a:srgbClr val="FFFFFF"/>
+                </a:solidFill>
+              </a14:hiddenFill>
+            </a:ext>
+            <a:ext uri="{91240B29-F687-4F45-9708-019B960494DF}">
+              <a14:hiddenLine xmlns:a14="http://schemas.microsoft.com/office/drawing/2010/main" w="76200">
+                <a:solidFill>
+                  <a:srgbClr val="000000"/>
+                </a:solidFill>
+                <a:miter lim="800000"/>
+                <a:headEnd/>
+                <a:tailEnd/>
+              </a14:hiddenLine>
+            </a:ext>
+          </a:extLst>
+        </p:spPr>
+        <p:txBody>
+          <a:bodyPr wrap="square" lIns="313480" tIns="156741" rIns="313480" bIns="156741">
+            <a:spAutoFit/>
+          </a:bodyPr>
+          <a:lstStyle>
+            <a:lvl1pPr defTabSz="4076700" eaLnBrk="0" hangingPunct="0">
+              <a:defRPr sz="8000">
+                <a:solidFill>
+                  <a:schemeClr val="tx1"/>
+                </a:solidFill>
+                <a:latin typeface="Arial" charset="0"/>
+                <a:ea typeface="ＭＳ Ｐゴシック" charset="-128"/>
+              </a:defRPr>
+            </a:lvl1pPr>
+            <a:lvl2pPr marL="742950" indent="-285750" defTabSz="4076700" eaLnBrk="0" hangingPunct="0">
+              <a:defRPr sz="8000">
+                <a:solidFill>
+                  <a:schemeClr val="tx1"/>
+                </a:solidFill>
+                <a:latin typeface="Arial" charset="0"/>
+                <a:ea typeface="ＭＳ Ｐゴシック" charset="-128"/>
+              </a:defRPr>
+            </a:lvl2pPr>
+            <a:lvl3pPr marL="1143000" indent="-228600" defTabSz="4076700" eaLnBrk="0" hangingPunct="0">
+              <a:defRPr sz="8000">
+                <a:solidFill>
+                  <a:schemeClr val="tx1"/>
+                </a:solidFill>
+                <a:latin typeface="Arial" charset="0"/>
+                <a:ea typeface="ＭＳ Ｐゴシック" charset="-128"/>
+              </a:defRPr>
+            </a:lvl3pPr>
+            <a:lvl4pPr marL="1600200" indent="-228600" defTabSz="4076700" eaLnBrk="0" hangingPunct="0">
+              <a:defRPr sz="8000">
+                <a:solidFill>
+                  <a:schemeClr val="tx1"/>
+                </a:solidFill>
+                <a:latin typeface="Arial" charset="0"/>
+                <a:ea typeface="ＭＳ Ｐゴシック" charset="-128"/>
+              </a:defRPr>
+            </a:lvl4pPr>
+            <a:lvl5pPr marL="2057400" indent="-228600" defTabSz="4076700" eaLnBrk="0" hangingPunct="0">
+              <a:defRPr sz="8000">
+                <a:solidFill>
+                  <a:schemeClr val="tx1"/>
+                </a:solidFill>
+                <a:latin typeface="Arial" charset="0"/>
+                <a:ea typeface="ＭＳ Ｐゴシック" charset="-128"/>
+              </a:defRPr>
+            </a:lvl5pPr>
+            <a:lvl6pPr marL="2514600" indent="-228600" defTabSz="4076700" eaLnBrk="0" fontAlgn="base" hangingPunct="0">
+              <a:spcBef>
+                <a:spcPct val="0"/>
+              </a:spcBef>
+              <a:spcAft>
+                <a:spcPct val="0"/>
+              </a:spcAft>
+              <a:defRPr sz="8000">
+                <a:solidFill>
+                  <a:schemeClr val="tx1"/>
+                </a:solidFill>
+                <a:latin typeface="Arial" charset="0"/>
+                <a:ea typeface="ＭＳ Ｐゴシック" charset="-128"/>
+              </a:defRPr>
+            </a:lvl6pPr>
+            <a:lvl7pPr marL="2971800" indent="-228600" defTabSz="4076700" eaLnBrk="0" fontAlgn="base" hangingPunct="0">
+              <a:spcBef>
+                <a:spcPct val="0"/>
+              </a:spcBef>
+              <a:spcAft>
+                <a:spcPct val="0"/>
+              </a:spcAft>
+              <a:defRPr sz="8000">
+                <a:solidFill>
+                  <a:schemeClr val="tx1"/>
+                </a:solidFill>
+                <a:latin typeface="Arial" charset="0"/>
+                <a:ea typeface="ＭＳ Ｐゴシック" charset="-128"/>
+              </a:defRPr>
+            </a:lvl7pPr>
+            <a:lvl8pPr marL="3429000" indent="-228600" defTabSz="4076700" eaLnBrk="0" fontAlgn="base" hangingPunct="0">
+              <a:spcBef>
+                <a:spcPct val="0"/>
+              </a:spcBef>
+              <a:spcAft>
+                <a:spcPct val="0"/>
+              </a:spcAft>
+              <a:defRPr sz="8000">
+                <a:solidFill>
+                  <a:schemeClr val="tx1"/>
+                </a:solidFill>
+                <a:latin typeface="Arial" charset="0"/>
+                <a:ea typeface="ＭＳ Ｐゴシック" charset="-128"/>
+              </a:defRPr>
+            </a:lvl8pPr>
+            <a:lvl9pPr marL="3886200" indent="-228600" defTabSz="4076700" eaLnBrk="0" fontAlgn="base" hangingPunct="0">
+              <a:spcBef>
+                <a:spcPct val="0"/>
+              </a:spcBef>
+              <a:spcAft>
+                <a:spcPct val="0"/>
+              </a:spcAft>
+              <a:defRPr sz="8000">
+                <a:solidFill>
+                  <a:schemeClr val="tx1"/>
+                </a:solidFill>
+                <a:latin typeface="Arial" charset="0"/>
+                <a:ea typeface="ＭＳ Ｐゴシック" charset="-128"/>
+              </a:defRPr>
+            </a:lvl9pPr>
+          </a:lstStyle>
+          <a:p>
+            <a:pPr algn="ctr" eaLnBrk="1" hangingPunct="1">
+              <a:spcBef>
+                <a:spcPct val="50000"/>
+              </a:spcBef>
+            </a:pPr>
+            <a:r>
+              <a:rPr lang="en-US" sz="7100" b="1" dirty="0" smtClean="0">
+                <a:solidFill>
+                  <a:srgbClr val="A50021"/>
+                </a:solidFill>
+                <a:latin typeface="Segoe UI" pitchFamily="34" charset="0"/>
+                <a:ea typeface="Segoe UI" pitchFamily="34" charset="0"/>
+                <a:cs typeface="Segoe UI" pitchFamily="34" charset="0"/>
+              </a:rPr>
+              <a:t>Aerotactic Behavior </a:t>
+            </a:r>
+            <a:r>
+              <a:rPr lang="en-US" sz="7100" b="1" dirty="0">
+                <a:solidFill>
+                  <a:srgbClr val="A50021"/>
+                </a:solidFill>
+                <a:latin typeface="Segoe UI" pitchFamily="34" charset="0"/>
+                <a:ea typeface="Segoe UI" pitchFamily="34" charset="0"/>
+                <a:cs typeface="Segoe UI" pitchFamily="34" charset="0"/>
+              </a:rPr>
+              <a:t>in </a:t>
+            </a:r>
+            <a:r>
+              <a:rPr lang="en-US" sz="7100" b="1" i="1" dirty="0">
+                <a:solidFill>
+                  <a:srgbClr val="A50021"/>
+                </a:solidFill>
+                <a:latin typeface="Segoe UI" pitchFamily="34" charset="0"/>
+                <a:ea typeface="Segoe UI" pitchFamily="34" charset="0"/>
+                <a:cs typeface="Segoe UI" pitchFamily="34" charset="0"/>
+              </a:rPr>
+              <a:t>B. subtilis</a:t>
+            </a:r>
+          </a:p>
+          <a:p>
+            <a:pPr algn="ctr" eaLnBrk="1" hangingPunct="1">
+              <a:lnSpc>
+                <a:spcPct val="50000"/>
+              </a:lnSpc>
+              <a:spcBef>
+                <a:spcPct val="50000"/>
+              </a:spcBef>
+              <a:spcAft>
+                <a:spcPct val="20000"/>
+              </a:spcAft>
+            </a:pPr>
+            <a:r>
+              <a:rPr lang="en-US" sz="3400" b="1" dirty="0" err="1">
+                <a:latin typeface="Segoe UI" pitchFamily="34" charset="0"/>
+                <a:ea typeface="Segoe UI" pitchFamily="34" charset="0"/>
+                <a:cs typeface="Segoe UI" pitchFamily="34" charset="0"/>
+              </a:rPr>
+              <a:t>Kiarash</a:t>
+            </a:r>
+            <a:r>
+              <a:rPr lang="en-US" sz="3400" b="1" dirty="0">
+                <a:latin typeface="Segoe UI" pitchFamily="34" charset="0"/>
+                <a:ea typeface="Segoe UI" pitchFamily="34" charset="0"/>
+                <a:cs typeface="Segoe UI" pitchFamily="34" charset="0"/>
+              </a:rPr>
+              <a:t> </a:t>
+            </a:r>
+            <a:r>
+              <a:rPr lang="en-US" sz="3400" b="1" dirty="0" err="1">
+                <a:latin typeface="Segoe UI" pitchFamily="34" charset="0"/>
+                <a:ea typeface="Segoe UI" pitchFamily="34" charset="0"/>
+                <a:cs typeface="Segoe UI" pitchFamily="34" charset="0"/>
+              </a:rPr>
+              <a:t>Adl</a:t>
+            </a:r>
+            <a:r>
+              <a:rPr lang="en-US" sz="3400" b="1" dirty="0">
+                <a:latin typeface="Segoe UI" pitchFamily="34" charset="0"/>
+                <a:ea typeface="Segoe UI" pitchFamily="34" charset="0"/>
+                <a:cs typeface="Segoe UI" pitchFamily="34" charset="0"/>
+              </a:rPr>
+              <a:t>, Brian </a:t>
+            </a:r>
+            <a:r>
+              <a:rPr lang="en-US" sz="3400" b="1" dirty="0" err="1">
+                <a:latin typeface="Segoe UI" pitchFamily="34" charset="0"/>
+                <a:ea typeface="Segoe UI" pitchFamily="34" charset="0"/>
+                <a:cs typeface="Segoe UI" pitchFamily="34" charset="0"/>
+              </a:rPr>
+              <a:t>Djaja</a:t>
+            </a:r>
+            <a:r>
+              <a:rPr lang="en-US" sz="3400" b="1" dirty="0" smtClean="0">
+                <a:latin typeface="Segoe UI" pitchFamily="34" charset="0"/>
+                <a:ea typeface="Segoe UI" pitchFamily="34" charset="0"/>
+                <a:cs typeface="Segoe UI" pitchFamily="34" charset="0"/>
+              </a:rPr>
+              <a:t>, Katarina </a:t>
+            </a:r>
+            <a:r>
+              <a:rPr lang="en-US" sz="3400" b="1" dirty="0" err="1" smtClean="0">
+                <a:latin typeface="Segoe UI" pitchFamily="34" charset="0"/>
+                <a:ea typeface="Segoe UI" pitchFamily="34" charset="0"/>
+                <a:cs typeface="Segoe UI" pitchFamily="34" charset="0"/>
+              </a:rPr>
+              <a:t>Struckmann</a:t>
+            </a:r>
+            <a:r>
+              <a:rPr lang="en-US" sz="3400" b="1" dirty="0" smtClean="0">
+                <a:latin typeface="Segoe UI" pitchFamily="34" charset="0"/>
+                <a:ea typeface="Segoe UI" pitchFamily="34" charset="0"/>
+                <a:cs typeface="Segoe UI" pitchFamily="34" charset="0"/>
+              </a:rPr>
+              <a:t>, Logan Williams, Filippo Menolascina, Steven Nagle</a:t>
+            </a:r>
+            <a:endParaRPr lang="en-US" sz="3400" b="1" dirty="0">
+              <a:latin typeface="Segoe UI" pitchFamily="34" charset="0"/>
+              <a:ea typeface="Segoe UI" pitchFamily="34" charset="0"/>
+              <a:cs typeface="Segoe UI" pitchFamily="34" charset="0"/>
             </a:endParaRPr>
+          </a:p>
+          <a:p>
+            <a:pPr algn="ctr" eaLnBrk="1" hangingPunct="1">
+              <a:lnSpc>
+                <a:spcPct val="50000"/>
+              </a:lnSpc>
+              <a:spcBef>
+                <a:spcPct val="50000"/>
+              </a:spcBef>
+              <a:spcAft>
+                <a:spcPct val="50000"/>
+              </a:spcAft>
+            </a:pPr>
+            <a:r>
+              <a:rPr lang="en-US" sz="3100" dirty="0">
+                <a:latin typeface="Segoe UI" pitchFamily="34" charset="0"/>
+                <a:ea typeface="Segoe UI" pitchFamily="34" charset="0"/>
+                <a:cs typeface="Segoe UI" pitchFamily="34" charset="0"/>
+              </a:rPr>
+              <a:t>20.345 Bioinstrumentation Project Lab</a:t>
+            </a:r>
           </a:p>
         </p:txBody>
       </p:sp>
@@ -8760,7 +8327,7 @@
   <p:timing>
     <p:tnLst>
       <p:par>
-        <p:cTn xmlns:p14="http://schemas.microsoft.com/office/powerpoint/2010/main" id="1" dur="indefinite" restart="never" nodeType="tmRoot"/>
+        <p:cTn id="1" dur="indefinite" restart="never" nodeType="tmRoot"/>
       </p:par>
     </p:tnLst>
   </p:timing>
